--- a/Short Course/Slides/Session 1.pptx
+++ b/Short Course/Slides/Session 1.pptx
@@ -213,7 +213,7 @@
           <a:p>
             <a:fld id="{4319935E-32BD-6A46-87DB-62C9086CB3BC}" type="datetimeFigureOut">
               <a:rPr lang="en-US" smtClean="0"/>
-              <a:t>7/13/21</a:t>
+              <a:t>8/17/21</a:t>
             </a:fld>
             <a:endParaRPr lang="en-US"/>
           </a:p>
@@ -512,14 +512,14 @@
           <a:ln/>
           <a:extLst>
             <a:ext uri="{909E8E84-426E-40dd-AFC4-6F175D3DCCD1}">
-              <a14:hiddenFill xmlns:a14="http://schemas.microsoft.com/office/drawing/2010/main" xmlns="">
+              <a14:hiddenFill xmlns="" xmlns:a14="http://schemas.microsoft.com/office/drawing/2010/main">
                 <a:solidFill>
                   <a:srgbClr val="FFFFFF"/>
                 </a:solidFill>
               </a14:hiddenFill>
             </a:ext>
             <a:ext uri="{91240B29-F687-4f45-9708-019B960494DF}">
-              <a14:hiddenLine xmlns:a14="http://schemas.microsoft.com/office/drawing/2010/main" xmlns="" w="9525">
+              <a14:hiddenLine xmlns="" xmlns:a14="http://schemas.microsoft.com/office/drawing/2010/main" w="9525">
                 <a:solidFill>
                   <a:srgbClr val="000000"/>
                 </a:solidFill>
@@ -680,14 +680,14 @@
           <a:ln/>
           <a:extLst>
             <a:ext uri="{909E8E84-426E-40dd-AFC4-6F175D3DCCD1}">
-              <a14:hiddenFill xmlns:a14="http://schemas.microsoft.com/office/drawing/2010/main" xmlns="">
+              <a14:hiddenFill xmlns="" xmlns:a14="http://schemas.microsoft.com/office/drawing/2010/main">
                 <a:solidFill>
                   <a:srgbClr val="FFFFFF"/>
                 </a:solidFill>
               </a14:hiddenFill>
             </a:ext>
             <a:ext uri="{91240B29-F687-4f45-9708-019B960494DF}">
-              <a14:hiddenLine xmlns:a14="http://schemas.microsoft.com/office/drawing/2010/main" xmlns="" w="9525">
+              <a14:hiddenLine xmlns="" xmlns:a14="http://schemas.microsoft.com/office/drawing/2010/main" w="9525">
                 <a:solidFill>
                   <a:srgbClr val="000000"/>
                 </a:solidFill>
@@ -755,14 +755,14 @@
           <a:ln/>
           <a:extLst>
             <a:ext uri="{909E8E84-426E-40dd-AFC4-6F175D3DCCD1}">
-              <a14:hiddenFill xmlns:a14="http://schemas.microsoft.com/office/drawing/2010/main" xmlns="">
+              <a14:hiddenFill xmlns="" xmlns:a14="http://schemas.microsoft.com/office/drawing/2010/main">
                 <a:solidFill>
                   <a:srgbClr val="FFFFFF"/>
                 </a:solidFill>
               </a14:hiddenFill>
             </a:ext>
             <a:ext uri="{91240B29-F687-4f45-9708-019B960494DF}">
-              <a14:hiddenLine xmlns:a14="http://schemas.microsoft.com/office/drawing/2010/main" xmlns="" w="9525">
+              <a14:hiddenLine xmlns="" xmlns:a14="http://schemas.microsoft.com/office/drawing/2010/main" w="9525">
                 <a:solidFill>
                   <a:srgbClr val="000000"/>
                 </a:solidFill>
@@ -1085,14 +1085,14 @@
           <a:ln/>
           <a:extLst>
             <a:ext uri="{909E8E84-426E-40dd-AFC4-6F175D3DCCD1}">
-              <a14:hiddenFill xmlns:a14="http://schemas.microsoft.com/office/drawing/2010/main" xmlns="">
+              <a14:hiddenFill xmlns="" xmlns:a14="http://schemas.microsoft.com/office/drawing/2010/main">
                 <a:solidFill>
                   <a:srgbClr val="FFFFFF"/>
                 </a:solidFill>
               </a14:hiddenFill>
             </a:ext>
             <a:ext uri="{91240B29-F687-4f45-9708-019B960494DF}">
-              <a14:hiddenLine xmlns:a14="http://schemas.microsoft.com/office/drawing/2010/main" xmlns="" w="9525">
+              <a14:hiddenLine xmlns="" xmlns:a14="http://schemas.microsoft.com/office/drawing/2010/main" w="9525">
                 <a:solidFill>
                   <a:srgbClr val="000000"/>
                 </a:solidFill>
@@ -1102,7 +1102,7 @@
               </a14:hiddenLine>
             </a:ext>
             <a:ext uri="{FAA26D3D-D897-4be2-8F04-BA451C77F1D7}">
-              <ma14:placeholderFlag xmlns:ma14="http://schemas.microsoft.com/office/mac/drawingml/2011/main" xmlns="" val="1"/>
+              <ma14:placeholderFlag xmlns="" xmlns:ma14="http://schemas.microsoft.com/office/mac/drawingml/2011/main" val="1"/>
             </a:ext>
           </a:extLst>
         </p:spPr>
@@ -1164,14 +1164,14 @@
           <a:ln/>
           <a:extLst>
             <a:ext uri="{909E8E84-426E-40dd-AFC4-6F175D3DCCD1}">
-              <a14:hiddenFill xmlns:a14="http://schemas.microsoft.com/office/drawing/2010/main" xmlns="">
+              <a14:hiddenFill xmlns="" xmlns:a14="http://schemas.microsoft.com/office/drawing/2010/main">
                 <a:solidFill>
                   <a:srgbClr val="FFFFFF"/>
                 </a:solidFill>
               </a14:hiddenFill>
             </a:ext>
             <a:ext uri="{91240B29-F687-4f45-9708-019B960494DF}">
-              <a14:hiddenLine xmlns:a14="http://schemas.microsoft.com/office/drawing/2010/main" xmlns="" w="9525">
+              <a14:hiddenLine xmlns="" xmlns:a14="http://schemas.microsoft.com/office/drawing/2010/main" w="9525">
                 <a:solidFill>
                   <a:srgbClr val="000000"/>
                 </a:solidFill>
@@ -1494,14 +1494,14 @@
           <a:ln/>
           <a:extLst>
             <a:ext uri="{909E8E84-426E-40dd-AFC4-6F175D3DCCD1}">
-              <a14:hiddenFill xmlns:a14="http://schemas.microsoft.com/office/drawing/2010/main" xmlns="">
+              <a14:hiddenFill xmlns="" xmlns:a14="http://schemas.microsoft.com/office/drawing/2010/main">
                 <a:solidFill>
                   <a:srgbClr val="FFFFFF"/>
                 </a:solidFill>
               </a14:hiddenFill>
             </a:ext>
             <a:ext uri="{91240B29-F687-4f45-9708-019B960494DF}">
-              <a14:hiddenLine xmlns:a14="http://schemas.microsoft.com/office/drawing/2010/main" xmlns="" w="9525">
+              <a14:hiddenLine xmlns="" xmlns:a14="http://schemas.microsoft.com/office/drawing/2010/main" w="9525">
                 <a:solidFill>
                   <a:srgbClr val="000000"/>
                 </a:solidFill>
@@ -1511,7 +1511,7 @@
               </a14:hiddenLine>
             </a:ext>
             <a:ext uri="{FAA26D3D-D897-4be2-8F04-BA451C77F1D7}">
-              <ma14:placeholderFlag xmlns:ma14="http://schemas.microsoft.com/office/mac/drawingml/2011/main" xmlns="" val="1"/>
+              <ma14:placeholderFlag xmlns="" xmlns:ma14="http://schemas.microsoft.com/office/mac/drawingml/2011/main" val="1"/>
             </a:ext>
           </a:extLst>
         </p:spPr>
@@ -1573,14 +1573,14 @@
           <a:ln/>
           <a:extLst>
             <a:ext uri="{909E8E84-426E-40dd-AFC4-6F175D3DCCD1}">
-              <a14:hiddenFill xmlns:a14="http://schemas.microsoft.com/office/drawing/2010/main" xmlns="">
+              <a14:hiddenFill xmlns="" xmlns:a14="http://schemas.microsoft.com/office/drawing/2010/main">
                 <a:solidFill>
                   <a:srgbClr val="FFFFFF"/>
                 </a:solidFill>
               </a14:hiddenFill>
             </a:ext>
             <a:ext uri="{91240B29-F687-4f45-9708-019B960494DF}">
-              <a14:hiddenLine xmlns:a14="http://schemas.microsoft.com/office/drawing/2010/main" xmlns="" w="9525">
+              <a14:hiddenLine xmlns="" xmlns:a14="http://schemas.microsoft.com/office/drawing/2010/main" w="9525">
                 <a:solidFill>
                   <a:srgbClr val="000000"/>
                 </a:solidFill>
@@ -1903,14 +1903,14 @@
           <a:ln/>
           <a:extLst>
             <a:ext uri="{909E8E84-426E-40dd-AFC4-6F175D3DCCD1}">
-              <a14:hiddenFill xmlns:a14="http://schemas.microsoft.com/office/drawing/2010/main" xmlns="">
+              <a14:hiddenFill xmlns="" xmlns:a14="http://schemas.microsoft.com/office/drawing/2010/main">
                 <a:solidFill>
                   <a:srgbClr val="FFFFFF"/>
                 </a:solidFill>
               </a14:hiddenFill>
             </a:ext>
             <a:ext uri="{91240B29-F687-4f45-9708-019B960494DF}">
-              <a14:hiddenLine xmlns:a14="http://schemas.microsoft.com/office/drawing/2010/main" xmlns="" w="9525">
+              <a14:hiddenLine xmlns="" xmlns:a14="http://schemas.microsoft.com/office/drawing/2010/main" w="9525">
                 <a:solidFill>
                   <a:srgbClr val="000000"/>
                 </a:solidFill>
@@ -1920,7 +1920,7 @@
               </a14:hiddenLine>
             </a:ext>
             <a:ext uri="{FAA26D3D-D897-4be2-8F04-BA451C77F1D7}">
-              <ma14:placeholderFlag xmlns:ma14="http://schemas.microsoft.com/office/mac/drawingml/2011/main" xmlns="" val="1"/>
+              <ma14:placeholderFlag xmlns="" xmlns:ma14="http://schemas.microsoft.com/office/mac/drawingml/2011/main" val="1"/>
             </a:ext>
           </a:extLst>
         </p:spPr>
@@ -1982,14 +1982,14 @@
           <a:ln/>
           <a:extLst>
             <a:ext uri="{909E8E84-426E-40dd-AFC4-6F175D3DCCD1}">
-              <a14:hiddenFill xmlns:a14="http://schemas.microsoft.com/office/drawing/2010/main" xmlns="">
+              <a14:hiddenFill xmlns="" xmlns:a14="http://schemas.microsoft.com/office/drawing/2010/main">
                 <a:solidFill>
                   <a:srgbClr val="FFFFFF"/>
                 </a:solidFill>
               </a14:hiddenFill>
             </a:ext>
             <a:ext uri="{91240B29-F687-4f45-9708-019B960494DF}">
-              <a14:hiddenLine xmlns:a14="http://schemas.microsoft.com/office/drawing/2010/main" xmlns="" w="9525">
+              <a14:hiddenLine xmlns="" xmlns:a14="http://schemas.microsoft.com/office/drawing/2010/main" w="9525">
                 <a:solidFill>
                   <a:srgbClr val="000000"/>
                 </a:solidFill>
@@ -2312,14 +2312,14 @@
           <a:ln/>
           <a:extLst>
             <a:ext uri="{909E8E84-426E-40dd-AFC4-6F175D3DCCD1}">
-              <a14:hiddenFill xmlns:a14="http://schemas.microsoft.com/office/drawing/2010/main" xmlns="">
+              <a14:hiddenFill xmlns="" xmlns:a14="http://schemas.microsoft.com/office/drawing/2010/main">
                 <a:solidFill>
                   <a:srgbClr val="FFFFFF"/>
                 </a:solidFill>
               </a14:hiddenFill>
             </a:ext>
             <a:ext uri="{91240B29-F687-4f45-9708-019B960494DF}">
-              <a14:hiddenLine xmlns:a14="http://schemas.microsoft.com/office/drawing/2010/main" xmlns="" w="9525">
+              <a14:hiddenLine xmlns="" xmlns:a14="http://schemas.microsoft.com/office/drawing/2010/main" w="9525">
                 <a:solidFill>
                   <a:srgbClr val="000000"/>
                 </a:solidFill>
@@ -2329,7 +2329,7 @@
               </a14:hiddenLine>
             </a:ext>
             <a:ext uri="{FAA26D3D-D897-4be2-8F04-BA451C77F1D7}">
-              <ma14:placeholderFlag xmlns:ma14="http://schemas.microsoft.com/office/mac/drawingml/2011/main" xmlns="" val="1"/>
+              <ma14:placeholderFlag xmlns="" xmlns:ma14="http://schemas.microsoft.com/office/mac/drawingml/2011/main" val="1"/>
             </a:ext>
           </a:extLst>
         </p:spPr>
@@ -2391,14 +2391,14 @@
           <a:ln/>
           <a:extLst>
             <a:ext uri="{909E8E84-426E-40dd-AFC4-6F175D3DCCD1}">
-              <a14:hiddenFill xmlns:a14="http://schemas.microsoft.com/office/drawing/2010/main" xmlns="">
+              <a14:hiddenFill xmlns="" xmlns:a14="http://schemas.microsoft.com/office/drawing/2010/main">
                 <a:solidFill>
                   <a:srgbClr val="FFFFFF"/>
                 </a:solidFill>
               </a14:hiddenFill>
             </a:ext>
             <a:ext uri="{91240B29-F687-4f45-9708-019B960494DF}">
-              <a14:hiddenLine xmlns:a14="http://schemas.microsoft.com/office/drawing/2010/main" xmlns="" w="9525">
+              <a14:hiddenLine xmlns="" xmlns:a14="http://schemas.microsoft.com/office/drawing/2010/main" w="9525">
                 <a:solidFill>
                   <a:srgbClr val="000000"/>
                 </a:solidFill>
@@ -2721,14 +2721,14 @@
           <a:ln/>
           <a:extLst>
             <a:ext uri="{909E8E84-426E-40dd-AFC4-6F175D3DCCD1}">
-              <a14:hiddenFill xmlns:a14="http://schemas.microsoft.com/office/drawing/2010/main" xmlns="">
+              <a14:hiddenFill xmlns="" xmlns:a14="http://schemas.microsoft.com/office/drawing/2010/main">
                 <a:solidFill>
                   <a:srgbClr val="FFFFFF"/>
                 </a:solidFill>
               </a14:hiddenFill>
             </a:ext>
             <a:ext uri="{91240B29-F687-4f45-9708-019B960494DF}">
-              <a14:hiddenLine xmlns:a14="http://schemas.microsoft.com/office/drawing/2010/main" xmlns="" w="9525">
+              <a14:hiddenLine xmlns="" xmlns:a14="http://schemas.microsoft.com/office/drawing/2010/main" w="9525">
                 <a:solidFill>
                   <a:srgbClr val="000000"/>
                 </a:solidFill>
@@ -2738,7 +2738,7 @@
               </a14:hiddenLine>
             </a:ext>
             <a:ext uri="{FAA26D3D-D897-4be2-8F04-BA451C77F1D7}">
-              <ma14:placeholderFlag xmlns:ma14="http://schemas.microsoft.com/office/mac/drawingml/2011/main" xmlns="" val="1"/>
+              <ma14:placeholderFlag xmlns="" xmlns:ma14="http://schemas.microsoft.com/office/mac/drawingml/2011/main" val="1"/>
             </a:ext>
           </a:extLst>
         </p:spPr>
@@ -6095,7 +6095,7 @@
     <p:sldLayoutId id="2147483658" r:id="rId10"/>
     <p:sldLayoutId id="2147483659" r:id="rId11"/>
   </p:sldLayoutIdLst>
-  <p:hf hdr="0"/>
+  <p:hf sldNum="0" hdr="0" dt="0"/>
   <p:txStyles>
     <p:titleStyle>
       <a:lvl1pPr algn="l" defTabSz="914400" rtl="0" eaLnBrk="1" latinLnBrk="0" hangingPunct="1">
@@ -6575,14 +6575,14 @@
           </a:ln>
           <a:extLst>
             <a:ext uri="{909E8E84-426E-40dd-AFC4-6F175D3DCCD1}">
-              <a14:hiddenFill xmlns:a14="http://schemas.microsoft.com/office/drawing/2010/main" xmlns="">
+              <a14:hiddenFill xmlns="" xmlns:a14="http://schemas.microsoft.com/office/drawing/2010/main">
                 <a:solidFill>
                   <a:srgbClr val="FFFFFF"/>
                 </a:solidFill>
               </a14:hiddenFill>
             </a:ext>
             <a:ext uri="{91240B29-F687-4f45-9708-019B960494DF}">
-              <a14:hiddenLine xmlns:a14="http://schemas.microsoft.com/office/drawing/2010/main" xmlns="" w="9525">
+              <a14:hiddenLine xmlns="" xmlns:a14="http://schemas.microsoft.com/office/drawing/2010/main" w="9525">
                 <a:solidFill>
                   <a:srgbClr val="000000"/>
                 </a:solidFill>
@@ -6596,34 +6596,6 @@
       </p:pic>
       <p:sp>
         <p:nvSpPr>
-          <p:cNvPr id="4" name="Date Placeholder 3">
-            <a:extLst>
-              <a:ext uri="{FF2B5EF4-FFF2-40B4-BE49-F238E27FC236}">
-                <a16:creationId xmlns:a16="http://schemas.microsoft.com/office/drawing/2014/main" id="{11017F30-4993-214A-B9BF-BD06FA769E96}"/>
-              </a:ext>
-            </a:extLst>
-          </p:cNvPr>
-          <p:cNvSpPr>
-            <a:spLocks noGrp="1"/>
-          </p:cNvSpPr>
-          <p:nvPr>
-            <p:ph type="dt" sz="half" idx="10"/>
-          </p:nvPr>
-        </p:nvSpPr>
-        <p:spPr/>
-        <p:txBody>
-          <a:bodyPr/>
-          <a:lstStyle/>
-          <a:p>
-            <a:r>
-              <a:rPr lang="en-US"/>
-              <a:t>9/14/21</a:t>
-            </a:r>
-          </a:p>
-        </p:txBody>
-      </p:sp>
-      <p:sp>
-        <p:nvSpPr>
           <p:cNvPr id="5" name="Footer Placeholder 4">
             <a:extLst>
               <a:ext uri="{FF2B5EF4-FFF2-40B4-BE49-F238E27FC236}">
@@ -6647,35 +6619,6 @@
               <a:rPr lang="en-US"/>
               <a:t>DES Short Course - Session 1</a:t>
             </a:r>
-          </a:p>
-        </p:txBody>
-      </p:sp>
-      <p:sp>
-        <p:nvSpPr>
-          <p:cNvPr id="6" name="Slide Number Placeholder 5">
-            <a:extLst>
-              <a:ext uri="{FF2B5EF4-FFF2-40B4-BE49-F238E27FC236}">
-                <a16:creationId xmlns:a16="http://schemas.microsoft.com/office/drawing/2014/main" id="{D6354006-3113-1A4D-8AAB-50AD8AF5F524}"/>
-              </a:ext>
-            </a:extLst>
-          </p:cNvPr>
-          <p:cNvSpPr>
-            <a:spLocks noGrp="1"/>
-          </p:cNvSpPr>
-          <p:nvPr>
-            <p:ph type="sldNum" sz="quarter" idx="12"/>
-          </p:nvPr>
-        </p:nvSpPr>
-        <p:spPr/>
-        <p:txBody>
-          <a:bodyPr/>
-          <a:lstStyle/>
-          <a:p>
-            <a:fld id="{7B5F8CF4-080C-6448-A4C0-B6A3C5CD13C0}" type="slidenum">
-              <a:rPr lang="en-US" smtClean="0"/>
-              <a:t>10</a:t>
-            </a:fld>
-            <a:endParaRPr lang="en-US"/>
           </a:p>
         </p:txBody>
       </p:sp>
@@ -6768,14 +6711,14 @@
           </a:ln>
           <a:extLst>
             <a:ext uri="{909E8E84-426E-40dd-AFC4-6F175D3DCCD1}">
-              <a14:hiddenFill xmlns:a14="http://schemas.microsoft.com/office/drawing/2010/main" xmlns="">
+              <a14:hiddenFill xmlns="" xmlns:a14="http://schemas.microsoft.com/office/drawing/2010/main">
                 <a:solidFill>
                   <a:srgbClr val="FFFFFF"/>
                 </a:solidFill>
               </a14:hiddenFill>
             </a:ext>
             <a:ext uri="{91240B29-F687-4f45-9708-019B960494DF}">
-              <a14:hiddenLine xmlns:a14="http://schemas.microsoft.com/office/drawing/2010/main" xmlns="" w="9525">
+              <a14:hiddenLine xmlns="" xmlns:a14="http://schemas.microsoft.com/office/drawing/2010/main" w="9525">
                 <a:solidFill>
                   <a:srgbClr val="000000"/>
                 </a:solidFill>
@@ -6809,14 +6752,14 @@
           </a:ln>
           <a:extLst>
             <a:ext uri="{909E8E84-426E-40dd-AFC4-6F175D3DCCD1}">
-              <a14:hiddenFill xmlns:a14="http://schemas.microsoft.com/office/drawing/2010/main" xmlns="">
+              <a14:hiddenFill xmlns="" xmlns:a14="http://schemas.microsoft.com/office/drawing/2010/main">
                 <a:solidFill>
                   <a:srgbClr val="FFFFFF"/>
                 </a:solidFill>
               </a14:hiddenFill>
             </a:ext>
             <a:ext uri="{91240B29-F687-4f45-9708-019B960494DF}">
-              <a14:hiddenLine xmlns:a14="http://schemas.microsoft.com/office/drawing/2010/main" xmlns="" w="9525">
+              <a14:hiddenLine xmlns="" xmlns:a14="http://schemas.microsoft.com/office/drawing/2010/main" w="9525">
                 <a:solidFill>
                   <a:srgbClr val="000000"/>
                 </a:solidFill>
@@ -7099,34 +7042,6 @@
       </p:cxnSp>
       <p:sp>
         <p:nvSpPr>
-          <p:cNvPr id="4" name="Date Placeholder 3">
-            <a:extLst>
-              <a:ext uri="{FF2B5EF4-FFF2-40B4-BE49-F238E27FC236}">
-                <a16:creationId xmlns:a16="http://schemas.microsoft.com/office/drawing/2014/main" id="{FF074A3F-9D70-F144-B2D4-E5C90617407F}"/>
-              </a:ext>
-            </a:extLst>
-          </p:cNvPr>
-          <p:cNvSpPr>
-            <a:spLocks noGrp="1"/>
-          </p:cNvSpPr>
-          <p:nvPr>
-            <p:ph type="dt" sz="half" idx="10"/>
-          </p:nvPr>
-        </p:nvSpPr>
-        <p:spPr/>
-        <p:txBody>
-          <a:bodyPr/>
-          <a:lstStyle/>
-          <a:p>
-            <a:r>
-              <a:rPr lang="en-US"/>
-              <a:t>9/14/21</a:t>
-            </a:r>
-          </a:p>
-        </p:txBody>
-      </p:sp>
-      <p:sp>
-        <p:nvSpPr>
           <p:cNvPr id="5" name="Footer Placeholder 4">
             <a:extLst>
               <a:ext uri="{FF2B5EF4-FFF2-40B4-BE49-F238E27FC236}">
@@ -7150,35 +7065,6 @@
               <a:rPr lang="en-US"/>
               <a:t>DES Short Course - Session 1</a:t>
             </a:r>
-          </a:p>
-        </p:txBody>
-      </p:sp>
-      <p:sp>
-        <p:nvSpPr>
-          <p:cNvPr id="7" name="Slide Number Placeholder 6">
-            <a:extLst>
-              <a:ext uri="{FF2B5EF4-FFF2-40B4-BE49-F238E27FC236}">
-                <a16:creationId xmlns:a16="http://schemas.microsoft.com/office/drawing/2014/main" id="{3A1322A3-063C-5A4C-891C-ACF6F54E386B}"/>
-              </a:ext>
-            </a:extLst>
-          </p:cNvPr>
-          <p:cNvSpPr>
-            <a:spLocks noGrp="1"/>
-          </p:cNvSpPr>
-          <p:nvPr>
-            <p:ph type="sldNum" sz="quarter" idx="12"/>
-          </p:nvPr>
-        </p:nvSpPr>
-        <p:spPr/>
-        <p:txBody>
-          <a:bodyPr/>
-          <a:lstStyle/>
-          <a:p>
-            <a:fld id="{7B5F8CF4-080C-6448-A4C0-B6A3C5CD13C0}" type="slidenum">
-              <a:rPr lang="en-US" smtClean="0"/>
-              <a:t>11</a:t>
-            </a:fld>
-            <a:endParaRPr lang="en-US"/>
           </a:p>
         </p:txBody>
       </p:sp>
@@ -7927,34 +7813,6 @@
       </p:sp>
       <p:sp>
         <p:nvSpPr>
-          <p:cNvPr id="4" name="Date Placeholder 3">
-            <a:extLst>
-              <a:ext uri="{FF2B5EF4-FFF2-40B4-BE49-F238E27FC236}">
-                <a16:creationId xmlns:a16="http://schemas.microsoft.com/office/drawing/2014/main" id="{5B18C7C8-8A32-6B4D-ADA5-5AA0045619CA}"/>
-              </a:ext>
-            </a:extLst>
-          </p:cNvPr>
-          <p:cNvSpPr>
-            <a:spLocks noGrp="1"/>
-          </p:cNvSpPr>
-          <p:nvPr>
-            <p:ph type="dt" sz="half" idx="10"/>
-          </p:nvPr>
-        </p:nvSpPr>
-        <p:spPr/>
-        <p:txBody>
-          <a:bodyPr/>
-          <a:lstStyle/>
-          <a:p>
-            <a:r>
-              <a:rPr lang="en-US"/>
-              <a:t>9/14/21</a:t>
-            </a:r>
-          </a:p>
-        </p:txBody>
-      </p:sp>
-      <p:sp>
-        <p:nvSpPr>
           <p:cNvPr id="5" name="Footer Placeholder 4">
             <a:extLst>
               <a:ext uri="{FF2B5EF4-FFF2-40B4-BE49-F238E27FC236}">
@@ -7978,35 +7836,6 @@
               <a:rPr lang="en-US"/>
               <a:t>DES Short Course - Session 1</a:t>
             </a:r>
-          </a:p>
-        </p:txBody>
-      </p:sp>
-      <p:sp>
-        <p:nvSpPr>
-          <p:cNvPr id="6" name="Slide Number Placeholder 5">
-            <a:extLst>
-              <a:ext uri="{FF2B5EF4-FFF2-40B4-BE49-F238E27FC236}">
-                <a16:creationId xmlns:a16="http://schemas.microsoft.com/office/drawing/2014/main" id="{31EC248C-506C-9E45-A13A-65F4DAD6CFCB}"/>
-              </a:ext>
-            </a:extLst>
-          </p:cNvPr>
-          <p:cNvSpPr>
-            <a:spLocks noGrp="1"/>
-          </p:cNvSpPr>
-          <p:nvPr>
-            <p:ph type="sldNum" sz="quarter" idx="12"/>
-          </p:nvPr>
-        </p:nvSpPr>
-        <p:spPr/>
-        <p:txBody>
-          <a:bodyPr/>
-          <a:lstStyle/>
-          <a:p>
-            <a:fld id="{7B5F8CF4-080C-6448-A4C0-B6A3C5CD13C0}" type="slidenum">
-              <a:rPr lang="en-US" smtClean="0"/>
-              <a:t>12</a:t>
-            </a:fld>
-            <a:endParaRPr lang="en-US"/>
           </a:p>
         </p:txBody>
       </p:sp>
@@ -8274,34 +8103,6 @@
       </p:sp>
       <p:sp>
         <p:nvSpPr>
-          <p:cNvPr id="4" name="Date Placeholder 3">
-            <a:extLst>
-              <a:ext uri="{FF2B5EF4-FFF2-40B4-BE49-F238E27FC236}">
-                <a16:creationId xmlns:a16="http://schemas.microsoft.com/office/drawing/2014/main" id="{8E8F9AD8-C88C-6542-B968-E73302F077AC}"/>
-              </a:ext>
-            </a:extLst>
-          </p:cNvPr>
-          <p:cNvSpPr>
-            <a:spLocks noGrp="1"/>
-          </p:cNvSpPr>
-          <p:nvPr>
-            <p:ph type="dt" sz="half" idx="10"/>
-          </p:nvPr>
-        </p:nvSpPr>
-        <p:spPr/>
-        <p:txBody>
-          <a:bodyPr/>
-          <a:lstStyle/>
-          <a:p>
-            <a:r>
-              <a:rPr lang="en-US"/>
-              <a:t>9/14/21</a:t>
-            </a:r>
-          </a:p>
-        </p:txBody>
-      </p:sp>
-      <p:sp>
-        <p:nvSpPr>
           <p:cNvPr id="5" name="Footer Placeholder 4">
             <a:extLst>
               <a:ext uri="{FF2B5EF4-FFF2-40B4-BE49-F238E27FC236}">
@@ -8325,35 +8126,6 @@
               <a:rPr lang="en-US"/>
               <a:t>DES Short Course - Session 1</a:t>
             </a:r>
-          </a:p>
-        </p:txBody>
-      </p:sp>
-      <p:sp>
-        <p:nvSpPr>
-          <p:cNvPr id="6" name="Slide Number Placeholder 5">
-            <a:extLst>
-              <a:ext uri="{FF2B5EF4-FFF2-40B4-BE49-F238E27FC236}">
-                <a16:creationId xmlns:a16="http://schemas.microsoft.com/office/drawing/2014/main" id="{6F1AAF55-0115-A243-B413-A073AA9723FC}"/>
-              </a:ext>
-            </a:extLst>
-          </p:cNvPr>
-          <p:cNvSpPr>
-            <a:spLocks noGrp="1"/>
-          </p:cNvSpPr>
-          <p:nvPr>
-            <p:ph type="sldNum" sz="quarter" idx="12"/>
-          </p:nvPr>
-        </p:nvSpPr>
-        <p:spPr/>
-        <p:txBody>
-          <a:bodyPr/>
-          <a:lstStyle/>
-          <a:p>
-            <a:fld id="{7B5F8CF4-080C-6448-A4C0-B6A3C5CD13C0}" type="slidenum">
-              <a:rPr lang="en-US" smtClean="0"/>
-              <a:t>13</a:t>
-            </a:fld>
-            <a:endParaRPr lang="en-US"/>
           </a:p>
         </p:txBody>
       </p:sp>
@@ -8523,34 +8295,6 @@
       </p:sp>
       <p:sp>
         <p:nvSpPr>
-          <p:cNvPr id="4" name="Date Placeholder 3">
-            <a:extLst>
-              <a:ext uri="{FF2B5EF4-FFF2-40B4-BE49-F238E27FC236}">
-                <a16:creationId xmlns:a16="http://schemas.microsoft.com/office/drawing/2014/main" id="{029CDBD9-AFD0-D644-B278-9A23977B44DE}"/>
-              </a:ext>
-            </a:extLst>
-          </p:cNvPr>
-          <p:cNvSpPr>
-            <a:spLocks noGrp="1"/>
-          </p:cNvSpPr>
-          <p:nvPr>
-            <p:ph type="dt" sz="half" idx="10"/>
-          </p:nvPr>
-        </p:nvSpPr>
-        <p:spPr/>
-        <p:txBody>
-          <a:bodyPr/>
-          <a:lstStyle/>
-          <a:p>
-            <a:r>
-              <a:rPr lang="en-US"/>
-              <a:t>9/14/21</a:t>
-            </a:r>
-          </a:p>
-        </p:txBody>
-      </p:sp>
-      <p:sp>
-        <p:nvSpPr>
           <p:cNvPr id="5" name="Footer Placeholder 4">
             <a:extLst>
               <a:ext uri="{FF2B5EF4-FFF2-40B4-BE49-F238E27FC236}">
@@ -8574,35 +8318,6 @@
               <a:rPr lang="en-US"/>
               <a:t>DES Short Course - Session 1</a:t>
             </a:r>
-          </a:p>
-        </p:txBody>
-      </p:sp>
-      <p:sp>
-        <p:nvSpPr>
-          <p:cNvPr id="6" name="Slide Number Placeholder 5">
-            <a:extLst>
-              <a:ext uri="{FF2B5EF4-FFF2-40B4-BE49-F238E27FC236}">
-                <a16:creationId xmlns:a16="http://schemas.microsoft.com/office/drawing/2014/main" id="{63B94CB4-B7F1-2048-AD73-56258B087DB7}"/>
-              </a:ext>
-            </a:extLst>
-          </p:cNvPr>
-          <p:cNvSpPr>
-            <a:spLocks noGrp="1"/>
-          </p:cNvSpPr>
-          <p:nvPr>
-            <p:ph type="sldNum" sz="quarter" idx="12"/>
-          </p:nvPr>
-        </p:nvSpPr>
-        <p:spPr/>
-        <p:txBody>
-          <a:bodyPr/>
-          <a:lstStyle/>
-          <a:p>
-            <a:fld id="{7B5F8CF4-080C-6448-A4C0-B6A3C5CD13C0}" type="slidenum">
-              <a:rPr lang="en-US" smtClean="0"/>
-              <a:t>14</a:t>
-            </a:fld>
-            <a:endParaRPr lang="en-US"/>
           </a:p>
         </p:txBody>
       </p:sp>
@@ -8890,34 +8605,6 @@
       </p:sp>
       <p:sp>
         <p:nvSpPr>
-          <p:cNvPr id="4" name="Date Placeholder 3">
-            <a:extLst>
-              <a:ext uri="{FF2B5EF4-FFF2-40B4-BE49-F238E27FC236}">
-                <a16:creationId xmlns:a16="http://schemas.microsoft.com/office/drawing/2014/main" id="{04B34B89-A698-4643-8546-0C113DC9457C}"/>
-              </a:ext>
-            </a:extLst>
-          </p:cNvPr>
-          <p:cNvSpPr>
-            <a:spLocks noGrp="1"/>
-          </p:cNvSpPr>
-          <p:nvPr>
-            <p:ph type="dt" sz="half" idx="10"/>
-          </p:nvPr>
-        </p:nvSpPr>
-        <p:spPr/>
-        <p:txBody>
-          <a:bodyPr/>
-          <a:lstStyle/>
-          <a:p>
-            <a:r>
-              <a:rPr lang="en-US"/>
-              <a:t>9/14/21</a:t>
-            </a:r>
-          </a:p>
-        </p:txBody>
-      </p:sp>
-      <p:sp>
-        <p:nvSpPr>
           <p:cNvPr id="5" name="Footer Placeholder 4">
             <a:extLst>
               <a:ext uri="{FF2B5EF4-FFF2-40B4-BE49-F238E27FC236}">
@@ -8941,35 +8628,6 @@
               <a:rPr lang="en-US"/>
               <a:t>DES Short Course - Session 1</a:t>
             </a:r>
-          </a:p>
-        </p:txBody>
-      </p:sp>
-      <p:sp>
-        <p:nvSpPr>
-          <p:cNvPr id="6" name="Slide Number Placeholder 5">
-            <a:extLst>
-              <a:ext uri="{FF2B5EF4-FFF2-40B4-BE49-F238E27FC236}">
-                <a16:creationId xmlns:a16="http://schemas.microsoft.com/office/drawing/2014/main" id="{5FF4F766-3D84-D748-8647-2C4B185EF8F3}"/>
-              </a:ext>
-            </a:extLst>
-          </p:cNvPr>
-          <p:cNvSpPr>
-            <a:spLocks noGrp="1"/>
-          </p:cNvSpPr>
-          <p:nvPr>
-            <p:ph type="sldNum" sz="quarter" idx="12"/>
-          </p:nvPr>
-        </p:nvSpPr>
-        <p:spPr/>
-        <p:txBody>
-          <a:bodyPr/>
-          <a:lstStyle/>
-          <a:p>
-            <a:fld id="{7B5F8CF4-080C-6448-A4C0-B6A3C5CD13C0}" type="slidenum">
-              <a:rPr lang="en-US" smtClean="0"/>
-              <a:t>15</a:t>
-            </a:fld>
-            <a:endParaRPr lang="en-US"/>
           </a:p>
         </p:txBody>
       </p:sp>
@@ -9276,34 +8934,6 @@
       </p:sp>
       <p:sp>
         <p:nvSpPr>
-          <p:cNvPr id="4" name="Date Placeholder 3">
-            <a:extLst>
-              <a:ext uri="{FF2B5EF4-FFF2-40B4-BE49-F238E27FC236}">
-                <a16:creationId xmlns:a16="http://schemas.microsoft.com/office/drawing/2014/main" id="{4C450592-0D02-E245-A880-F5A7DB924144}"/>
-              </a:ext>
-            </a:extLst>
-          </p:cNvPr>
-          <p:cNvSpPr>
-            <a:spLocks noGrp="1"/>
-          </p:cNvSpPr>
-          <p:nvPr>
-            <p:ph type="dt" sz="half" idx="10"/>
-          </p:nvPr>
-        </p:nvSpPr>
-        <p:spPr/>
-        <p:txBody>
-          <a:bodyPr/>
-          <a:lstStyle/>
-          <a:p>
-            <a:r>
-              <a:rPr lang="en-US"/>
-              <a:t>9/14/21</a:t>
-            </a:r>
-          </a:p>
-        </p:txBody>
-      </p:sp>
-      <p:sp>
-        <p:nvSpPr>
           <p:cNvPr id="5" name="Footer Placeholder 4">
             <a:extLst>
               <a:ext uri="{FF2B5EF4-FFF2-40B4-BE49-F238E27FC236}">
@@ -9327,35 +8957,6 @@
               <a:rPr lang="en-US"/>
               <a:t>DES Short Course - Session 1</a:t>
             </a:r>
-          </a:p>
-        </p:txBody>
-      </p:sp>
-      <p:sp>
-        <p:nvSpPr>
-          <p:cNvPr id="6" name="Slide Number Placeholder 5">
-            <a:extLst>
-              <a:ext uri="{FF2B5EF4-FFF2-40B4-BE49-F238E27FC236}">
-                <a16:creationId xmlns:a16="http://schemas.microsoft.com/office/drawing/2014/main" id="{773E6856-CB82-4446-8BB4-720C2506609D}"/>
-              </a:ext>
-            </a:extLst>
-          </p:cNvPr>
-          <p:cNvSpPr>
-            <a:spLocks noGrp="1"/>
-          </p:cNvSpPr>
-          <p:nvPr>
-            <p:ph type="sldNum" sz="quarter" idx="12"/>
-          </p:nvPr>
-        </p:nvSpPr>
-        <p:spPr/>
-        <p:txBody>
-          <a:bodyPr/>
-          <a:lstStyle/>
-          <a:p>
-            <a:fld id="{7B5F8CF4-080C-6448-A4C0-B6A3C5CD13C0}" type="slidenum">
-              <a:rPr lang="en-US" smtClean="0"/>
-              <a:t>16</a:t>
-            </a:fld>
-            <a:endParaRPr lang="en-US"/>
           </a:p>
         </p:txBody>
       </p:sp>
@@ -9472,34 +9073,6 @@
       </p:pic>
       <p:sp>
         <p:nvSpPr>
-          <p:cNvPr id="7" name="Date Placeholder 6">
-            <a:extLst>
-              <a:ext uri="{FF2B5EF4-FFF2-40B4-BE49-F238E27FC236}">
-                <a16:creationId xmlns:a16="http://schemas.microsoft.com/office/drawing/2014/main" id="{C8B7FBE2-AC85-A742-974D-352B840FFAE5}"/>
-              </a:ext>
-            </a:extLst>
-          </p:cNvPr>
-          <p:cNvSpPr>
-            <a:spLocks noGrp="1"/>
-          </p:cNvSpPr>
-          <p:nvPr>
-            <p:ph type="dt" sz="half" idx="10"/>
-          </p:nvPr>
-        </p:nvSpPr>
-        <p:spPr/>
-        <p:txBody>
-          <a:bodyPr/>
-          <a:lstStyle/>
-          <a:p>
-            <a:r>
-              <a:rPr lang="en-US"/>
-              <a:t>9/14/21</a:t>
-            </a:r>
-          </a:p>
-        </p:txBody>
-      </p:sp>
-      <p:sp>
-        <p:nvSpPr>
           <p:cNvPr id="8" name="Footer Placeholder 7">
             <a:extLst>
               <a:ext uri="{FF2B5EF4-FFF2-40B4-BE49-F238E27FC236}">
@@ -9523,35 +9096,6 @@
               <a:rPr lang="en-US"/>
               <a:t>DES Short Course - Session 1</a:t>
             </a:r>
-          </a:p>
-        </p:txBody>
-      </p:sp>
-      <p:sp>
-        <p:nvSpPr>
-          <p:cNvPr id="9" name="Slide Number Placeholder 8">
-            <a:extLst>
-              <a:ext uri="{FF2B5EF4-FFF2-40B4-BE49-F238E27FC236}">
-                <a16:creationId xmlns:a16="http://schemas.microsoft.com/office/drawing/2014/main" id="{8FB6E4CC-8D1E-C943-9C24-58F728C0601E}"/>
-              </a:ext>
-            </a:extLst>
-          </p:cNvPr>
-          <p:cNvSpPr>
-            <a:spLocks noGrp="1"/>
-          </p:cNvSpPr>
-          <p:nvPr>
-            <p:ph type="sldNum" sz="quarter" idx="12"/>
-          </p:nvPr>
-        </p:nvSpPr>
-        <p:spPr/>
-        <p:txBody>
-          <a:bodyPr/>
-          <a:lstStyle/>
-          <a:p>
-            <a:fld id="{7B5F8CF4-080C-6448-A4C0-B6A3C5CD13C0}" type="slidenum">
-              <a:rPr lang="en-US" smtClean="0"/>
-              <a:t>17</a:t>
-            </a:fld>
-            <a:endParaRPr lang="en-US"/>
           </a:p>
         </p:txBody>
       </p:sp>
@@ -9694,34 +9238,6 @@
       </p:sp>
       <p:sp>
         <p:nvSpPr>
-          <p:cNvPr id="7" name="Date Placeholder 6">
-            <a:extLst>
-              <a:ext uri="{FF2B5EF4-FFF2-40B4-BE49-F238E27FC236}">
-                <a16:creationId xmlns:a16="http://schemas.microsoft.com/office/drawing/2014/main" id="{9FA64C7C-13B1-1040-82B5-DBA1311B3892}"/>
-              </a:ext>
-            </a:extLst>
-          </p:cNvPr>
-          <p:cNvSpPr>
-            <a:spLocks noGrp="1"/>
-          </p:cNvSpPr>
-          <p:nvPr>
-            <p:ph type="dt" sz="half" idx="10"/>
-          </p:nvPr>
-        </p:nvSpPr>
-        <p:spPr/>
-        <p:txBody>
-          <a:bodyPr/>
-          <a:lstStyle/>
-          <a:p>
-            <a:r>
-              <a:rPr lang="en-US"/>
-              <a:t>9/14/21</a:t>
-            </a:r>
-          </a:p>
-        </p:txBody>
-      </p:sp>
-      <p:sp>
-        <p:nvSpPr>
           <p:cNvPr id="8" name="Footer Placeholder 7">
             <a:extLst>
               <a:ext uri="{FF2B5EF4-FFF2-40B4-BE49-F238E27FC236}">
@@ -9745,35 +9261,6 @@
               <a:rPr lang="en-US"/>
               <a:t>DES Short Course - Session 1</a:t>
             </a:r>
-          </a:p>
-        </p:txBody>
-      </p:sp>
-      <p:sp>
-        <p:nvSpPr>
-          <p:cNvPr id="9" name="Slide Number Placeholder 8">
-            <a:extLst>
-              <a:ext uri="{FF2B5EF4-FFF2-40B4-BE49-F238E27FC236}">
-                <a16:creationId xmlns:a16="http://schemas.microsoft.com/office/drawing/2014/main" id="{E398437A-BD40-3947-91F7-CC9BFE637A92}"/>
-              </a:ext>
-            </a:extLst>
-          </p:cNvPr>
-          <p:cNvSpPr>
-            <a:spLocks noGrp="1"/>
-          </p:cNvSpPr>
-          <p:nvPr>
-            <p:ph type="sldNum" sz="quarter" idx="12"/>
-          </p:nvPr>
-        </p:nvSpPr>
-        <p:spPr/>
-        <p:txBody>
-          <a:bodyPr/>
-          <a:lstStyle/>
-          <a:p>
-            <a:fld id="{7B5F8CF4-080C-6448-A4C0-B6A3C5CD13C0}" type="slidenum">
-              <a:rPr lang="en-US" smtClean="0"/>
-              <a:t>2</a:t>
-            </a:fld>
-            <a:endParaRPr lang="en-US"/>
           </a:p>
         </p:txBody>
       </p:sp>
@@ -9939,34 +9426,6 @@
       </p:sp>
       <p:sp>
         <p:nvSpPr>
-          <p:cNvPr id="4" name="Date Placeholder 3">
-            <a:extLst>
-              <a:ext uri="{FF2B5EF4-FFF2-40B4-BE49-F238E27FC236}">
-                <a16:creationId xmlns:a16="http://schemas.microsoft.com/office/drawing/2014/main" id="{290DF249-6879-C64A-A488-263462CEBF60}"/>
-              </a:ext>
-            </a:extLst>
-          </p:cNvPr>
-          <p:cNvSpPr>
-            <a:spLocks noGrp="1"/>
-          </p:cNvSpPr>
-          <p:nvPr>
-            <p:ph type="dt" sz="half" idx="10"/>
-          </p:nvPr>
-        </p:nvSpPr>
-        <p:spPr/>
-        <p:txBody>
-          <a:bodyPr/>
-          <a:lstStyle/>
-          <a:p>
-            <a:r>
-              <a:rPr lang="en-US"/>
-              <a:t>9/14/21</a:t>
-            </a:r>
-          </a:p>
-        </p:txBody>
-      </p:sp>
-      <p:sp>
-        <p:nvSpPr>
           <p:cNvPr id="5" name="Footer Placeholder 4">
             <a:extLst>
               <a:ext uri="{FF2B5EF4-FFF2-40B4-BE49-F238E27FC236}">
@@ -9990,35 +9449,6 @@
               <a:rPr lang="en-US"/>
               <a:t>DES Short Course - Session 1</a:t>
             </a:r>
-          </a:p>
-        </p:txBody>
-      </p:sp>
-      <p:sp>
-        <p:nvSpPr>
-          <p:cNvPr id="6" name="Slide Number Placeholder 5">
-            <a:extLst>
-              <a:ext uri="{FF2B5EF4-FFF2-40B4-BE49-F238E27FC236}">
-                <a16:creationId xmlns:a16="http://schemas.microsoft.com/office/drawing/2014/main" id="{AE446E52-B60A-3744-AEFC-74DDA4FB02A7}"/>
-              </a:ext>
-            </a:extLst>
-          </p:cNvPr>
-          <p:cNvSpPr>
-            <a:spLocks noGrp="1"/>
-          </p:cNvSpPr>
-          <p:nvPr>
-            <p:ph type="sldNum" sz="quarter" idx="12"/>
-          </p:nvPr>
-        </p:nvSpPr>
-        <p:spPr/>
-        <p:txBody>
-          <a:bodyPr/>
-          <a:lstStyle/>
-          <a:p>
-            <a:fld id="{7B5F8CF4-080C-6448-A4C0-B6A3C5CD13C0}" type="slidenum">
-              <a:rPr lang="en-US" smtClean="0"/>
-              <a:t>3</a:t>
-            </a:fld>
-            <a:endParaRPr lang="en-US"/>
           </a:p>
         </p:txBody>
       </p:sp>
@@ -10140,34 +9570,6 @@
       </p:sp>
       <p:sp>
         <p:nvSpPr>
-          <p:cNvPr id="7" name="Date Placeholder 6">
-            <a:extLst>
-              <a:ext uri="{FF2B5EF4-FFF2-40B4-BE49-F238E27FC236}">
-                <a16:creationId xmlns:a16="http://schemas.microsoft.com/office/drawing/2014/main" id="{88AFDC4E-A4E8-664B-B88D-E270E5483F86}"/>
-              </a:ext>
-            </a:extLst>
-          </p:cNvPr>
-          <p:cNvSpPr>
-            <a:spLocks noGrp="1"/>
-          </p:cNvSpPr>
-          <p:nvPr>
-            <p:ph type="dt" sz="half" idx="10"/>
-          </p:nvPr>
-        </p:nvSpPr>
-        <p:spPr/>
-        <p:txBody>
-          <a:bodyPr/>
-          <a:lstStyle/>
-          <a:p>
-            <a:r>
-              <a:rPr lang="en-US"/>
-              <a:t>9/14/21</a:t>
-            </a:r>
-          </a:p>
-        </p:txBody>
-      </p:sp>
-      <p:sp>
-        <p:nvSpPr>
           <p:cNvPr id="8" name="Footer Placeholder 7">
             <a:extLst>
               <a:ext uri="{FF2B5EF4-FFF2-40B4-BE49-F238E27FC236}">
@@ -10191,35 +9593,6 @@
               <a:rPr lang="en-US"/>
               <a:t>DES Short Course - Session 1</a:t>
             </a:r>
-          </a:p>
-        </p:txBody>
-      </p:sp>
-      <p:sp>
-        <p:nvSpPr>
-          <p:cNvPr id="9" name="Slide Number Placeholder 8">
-            <a:extLst>
-              <a:ext uri="{FF2B5EF4-FFF2-40B4-BE49-F238E27FC236}">
-                <a16:creationId xmlns:a16="http://schemas.microsoft.com/office/drawing/2014/main" id="{D28E2892-50B4-1D4A-AD39-AF8F6F9A3598}"/>
-              </a:ext>
-            </a:extLst>
-          </p:cNvPr>
-          <p:cNvSpPr>
-            <a:spLocks noGrp="1"/>
-          </p:cNvSpPr>
-          <p:nvPr>
-            <p:ph type="sldNum" sz="quarter" idx="12"/>
-          </p:nvPr>
-        </p:nvSpPr>
-        <p:spPr/>
-        <p:txBody>
-          <a:bodyPr/>
-          <a:lstStyle/>
-          <a:p>
-            <a:fld id="{7B5F8CF4-080C-6448-A4C0-B6A3C5CD13C0}" type="slidenum">
-              <a:rPr lang="en-US" smtClean="0"/>
-              <a:t>4</a:t>
-            </a:fld>
-            <a:endParaRPr lang="en-US"/>
           </a:p>
         </p:txBody>
       </p:sp>
@@ -10351,34 +9724,6 @@
       </p:sp>
       <p:sp>
         <p:nvSpPr>
-          <p:cNvPr id="4" name="Date Placeholder 3">
-            <a:extLst>
-              <a:ext uri="{FF2B5EF4-FFF2-40B4-BE49-F238E27FC236}">
-                <a16:creationId xmlns:a16="http://schemas.microsoft.com/office/drawing/2014/main" id="{D0CE44D6-42CB-9E4A-B889-0627E67B765E}"/>
-              </a:ext>
-            </a:extLst>
-          </p:cNvPr>
-          <p:cNvSpPr>
-            <a:spLocks noGrp="1"/>
-          </p:cNvSpPr>
-          <p:nvPr>
-            <p:ph type="dt" sz="half" idx="10"/>
-          </p:nvPr>
-        </p:nvSpPr>
-        <p:spPr/>
-        <p:txBody>
-          <a:bodyPr/>
-          <a:lstStyle/>
-          <a:p>
-            <a:r>
-              <a:rPr lang="en-US"/>
-              <a:t>9/14/21</a:t>
-            </a:r>
-          </a:p>
-        </p:txBody>
-      </p:sp>
-      <p:sp>
-        <p:nvSpPr>
           <p:cNvPr id="5" name="Footer Placeholder 4">
             <a:extLst>
               <a:ext uri="{FF2B5EF4-FFF2-40B4-BE49-F238E27FC236}">
@@ -10402,35 +9747,6 @@
               <a:rPr lang="en-US"/>
               <a:t>DES Short Course - Session 1</a:t>
             </a:r>
-          </a:p>
-        </p:txBody>
-      </p:sp>
-      <p:sp>
-        <p:nvSpPr>
-          <p:cNvPr id="6" name="Slide Number Placeholder 5">
-            <a:extLst>
-              <a:ext uri="{FF2B5EF4-FFF2-40B4-BE49-F238E27FC236}">
-                <a16:creationId xmlns:a16="http://schemas.microsoft.com/office/drawing/2014/main" id="{FEE17D2D-62DA-BB41-8E20-63CD73C045BF}"/>
-              </a:ext>
-            </a:extLst>
-          </p:cNvPr>
-          <p:cNvSpPr>
-            <a:spLocks noGrp="1"/>
-          </p:cNvSpPr>
-          <p:nvPr>
-            <p:ph type="sldNum" sz="quarter" idx="12"/>
-          </p:nvPr>
-        </p:nvSpPr>
-        <p:spPr/>
-        <p:txBody>
-          <a:bodyPr/>
-          <a:lstStyle/>
-          <a:p>
-            <a:fld id="{7B5F8CF4-080C-6448-A4C0-B6A3C5CD13C0}" type="slidenum">
-              <a:rPr lang="en-US" smtClean="0"/>
-              <a:t>5</a:t>
-            </a:fld>
-            <a:endParaRPr lang="en-US"/>
           </a:p>
         </p:txBody>
       </p:sp>
@@ -10599,34 +9915,6 @@
       </p:sp>
       <p:sp>
         <p:nvSpPr>
-          <p:cNvPr id="2" name="Date Placeholder 1">
-            <a:extLst>
-              <a:ext uri="{FF2B5EF4-FFF2-40B4-BE49-F238E27FC236}">
-                <a16:creationId xmlns:a16="http://schemas.microsoft.com/office/drawing/2014/main" id="{E2326572-6CD8-D144-8FBF-6246C86223CE}"/>
-              </a:ext>
-            </a:extLst>
-          </p:cNvPr>
-          <p:cNvSpPr>
-            <a:spLocks noGrp="1"/>
-          </p:cNvSpPr>
-          <p:nvPr>
-            <p:ph type="dt" sz="half" idx="10"/>
-          </p:nvPr>
-        </p:nvSpPr>
-        <p:spPr/>
-        <p:txBody>
-          <a:bodyPr/>
-          <a:lstStyle/>
-          <a:p>
-            <a:r>
-              <a:rPr lang="en-US"/>
-              <a:t>9/14/21</a:t>
-            </a:r>
-          </a:p>
-        </p:txBody>
-      </p:sp>
-      <p:sp>
-        <p:nvSpPr>
           <p:cNvPr id="3" name="Footer Placeholder 2">
             <a:extLst>
               <a:ext uri="{FF2B5EF4-FFF2-40B4-BE49-F238E27FC236}">
@@ -10650,35 +9938,6 @@
               <a:rPr lang="en-US"/>
               <a:t>DES Short Course - Session 1</a:t>
             </a:r>
-          </a:p>
-        </p:txBody>
-      </p:sp>
-      <p:sp>
-        <p:nvSpPr>
-          <p:cNvPr id="4" name="Slide Number Placeholder 3">
-            <a:extLst>
-              <a:ext uri="{FF2B5EF4-FFF2-40B4-BE49-F238E27FC236}">
-                <a16:creationId xmlns:a16="http://schemas.microsoft.com/office/drawing/2014/main" id="{F21A7865-75B2-6B41-9C5D-4B97081EDD31}"/>
-              </a:ext>
-            </a:extLst>
-          </p:cNvPr>
-          <p:cNvSpPr>
-            <a:spLocks noGrp="1"/>
-          </p:cNvSpPr>
-          <p:nvPr>
-            <p:ph type="sldNum" sz="quarter" idx="12"/>
-          </p:nvPr>
-        </p:nvSpPr>
-        <p:spPr/>
-        <p:txBody>
-          <a:bodyPr/>
-          <a:lstStyle/>
-          <a:p>
-            <a:fld id="{7B5F8CF4-080C-6448-A4C0-B6A3C5CD13C0}" type="slidenum">
-              <a:rPr lang="en-US" smtClean="0"/>
-              <a:t>6</a:t>
-            </a:fld>
-            <a:endParaRPr lang="en-US"/>
           </a:p>
         </p:txBody>
       </p:sp>
@@ -10893,34 +10152,6 @@
       </p:sp>
       <p:sp>
         <p:nvSpPr>
-          <p:cNvPr id="4" name="Date Placeholder 3">
-            <a:extLst>
-              <a:ext uri="{FF2B5EF4-FFF2-40B4-BE49-F238E27FC236}">
-                <a16:creationId xmlns:a16="http://schemas.microsoft.com/office/drawing/2014/main" id="{50256253-F6F2-5145-8E1F-57379B8C2A81}"/>
-              </a:ext>
-            </a:extLst>
-          </p:cNvPr>
-          <p:cNvSpPr>
-            <a:spLocks noGrp="1"/>
-          </p:cNvSpPr>
-          <p:nvPr>
-            <p:ph type="dt" sz="half" idx="10"/>
-          </p:nvPr>
-        </p:nvSpPr>
-        <p:spPr/>
-        <p:txBody>
-          <a:bodyPr/>
-          <a:lstStyle/>
-          <a:p>
-            <a:r>
-              <a:rPr lang="en-US"/>
-              <a:t>9/14/21</a:t>
-            </a:r>
-          </a:p>
-        </p:txBody>
-      </p:sp>
-      <p:sp>
-        <p:nvSpPr>
           <p:cNvPr id="5" name="Footer Placeholder 4">
             <a:extLst>
               <a:ext uri="{FF2B5EF4-FFF2-40B4-BE49-F238E27FC236}">
@@ -10944,35 +10175,6 @@
               <a:rPr lang="en-US"/>
               <a:t>DES Short Course - Session 1</a:t>
             </a:r>
-          </a:p>
-        </p:txBody>
-      </p:sp>
-      <p:sp>
-        <p:nvSpPr>
-          <p:cNvPr id="6" name="Slide Number Placeholder 5">
-            <a:extLst>
-              <a:ext uri="{FF2B5EF4-FFF2-40B4-BE49-F238E27FC236}">
-                <a16:creationId xmlns:a16="http://schemas.microsoft.com/office/drawing/2014/main" id="{116A11CD-BB3E-2E40-B391-A403F2D4AAA0}"/>
-              </a:ext>
-            </a:extLst>
-          </p:cNvPr>
-          <p:cNvSpPr>
-            <a:spLocks noGrp="1"/>
-          </p:cNvSpPr>
-          <p:nvPr>
-            <p:ph type="sldNum" sz="quarter" idx="12"/>
-          </p:nvPr>
-        </p:nvSpPr>
-        <p:spPr/>
-        <p:txBody>
-          <a:bodyPr/>
-          <a:lstStyle/>
-          <a:p>
-            <a:fld id="{7B5F8CF4-080C-6448-A4C0-B6A3C5CD13C0}" type="slidenum">
-              <a:rPr lang="en-US" smtClean="0"/>
-              <a:t>7</a:t>
-            </a:fld>
-            <a:endParaRPr lang="en-US"/>
           </a:p>
         </p:txBody>
       </p:sp>
@@ -11178,34 +10380,6 @@
       </p:sp>
       <p:sp>
         <p:nvSpPr>
-          <p:cNvPr id="4" name="Date Placeholder 3">
-            <a:extLst>
-              <a:ext uri="{FF2B5EF4-FFF2-40B4-BE49-F238E27FC236}">
-                <a16:creationId xmlns:a16="http://schemas.microsoft.com/office/drawing/2014/main" id="{C2348AA5-0947-B44E-BEC3-99C90C9F6E0A}"/>
-              </a:ext>
-            </a:extLst>
-          </p:cNvPr>
-          <p:cNvSpPr>
-            <a:spLocks noGrp="1"/>
-          </p:cNvSpPr>
-          <p:nvPr>
-            <p:ph type="dt" sz="half" idx="10"/>
-          </p:nvPr>
-        </p:nvSpPr>
-        <p:spPr/>
-        <p:txBody>
-          <a:bodyPr/>
-          <a:lstStyle/>
-          <a:p>
-            <a:r>
-              <a:rPr lang="en-US"/>
-              <a:t>9/14/21</a:t>
-            </a:r>
-          </a:p>
-        </p:txBody>
-      </p:sp>
-      <p:sp>
-        <p:nvSpPr>
           <p:cNvPr id="5" name="Footer Placeholder 4">
             <a:extLst>
               <a:ext uri="{FF2B5EF4-FFF2-40B4-BE49-F238E27FC236}">
@@ -11229,35 +10403,6 @@
               <a:rPr lang="en-US"/>
               <a:t>DES Short Course - Session 1</a:t>
             </a:r>
-          </a:p>
-        </p:txBody>
-      </p:sp>
-      <p:sp>
-        <p:nvSpPr>
-          <p:cNvPr id="6" name="Slide Number Placeholder 5">
-            <a:extLst>
-              <a:ext uri="{FF2B5EF4-FFF2-40B4-BE49-F238E27FC236}">
-                <a16:creationId xmlns:a16="http://schemas.microsoft.com/office/drawing/2014/main" id="{FAC1B8FB-A716-1D46-BE73-BEB8328C4878}"/>
-              </a:ext>
-            </a:extLst>
-          </p:cNvPr>
-          <p:cNvSpPr>
-            <a:spLocks noGrp="1"/>
-          </p:cNvSpPr>
-          <p:nvPr>
-            <p:ph type="sldNum" sz="quarter" idx="12"/>
-          </p:nvPr>
-        </p:nvSpPr>
-        <p:spPr/>
-        <p:txBody>
-          <a:bodyPr/>
-          <a:lstStyle/>
-          <a:p>
-            <a:fld id="{7B5F8CF4-080C-6448-A4C0-B6A3C5CD13C0}" type="slidenum">
-              <a:rPr lang="en-US" smtClean="0"/>
-              <a:t>8</a:t>
-            </a:fld>
-            <a:endParaRPr lang="en-US"/>
           </a:p>
         </p:txBody>
       </p:sp>
@@ -11379,34 +10524,6 @@
       </p:sp>
       <p:sp>
         <p:nvSpPr>
-          <p:cNvPr id="4" name="Date Placeholder 3">
-            <a:extLst>
-              <a:ext uri="{FF2B5EF4-FFF2-40B4-BE49-F238E27FC236}">
-                <a16:creationId xmlns:a16="http://schemas.microsoft.com/office/drawing/2014/main" id="{71EC437F-F887-9A44-A489-EDCF20C68582}"/>
-              </a:ext>
-            </a:extLst>
-          </p:cNvPr>
-          <p:cNvSpPr>
-            <a:spLocks noGrp="1"/>
-          </p:cNvSpPr>
-          <p:nvPr>
-            <p:ph type="dt" sz="half" idx="10"/>
-          </p:nvPr>
-        </p:nvSpPr>
-        <p:spPr/>
-        <p:txBody>
-          <a:bodyPr/>
-          <a:lstStyle/>
-          <a:p>
-            <a:r>
-              <a:rPr lang="en-US"/>
-              <a:t>9/14/21</a:t>
-            </a:r>
-          </a:p>
-        </p:txBody>
-      </p:sp>
-      <p:sp>
-        <p:nvSpPr>
           <p:cNvPr id="5" name="Footer Placeholder 4">
             <a:extLst>
               <a:ext uri="{FF2B5EF4-FFF2-40B4-BE49-F238E27FC236}">
@@ -11430,35 +10547,6 @@
               <a:rPr lang="en-US"/>
               <a:t>DES Short Course - Session 1</a:t>
             </a:r>
-          </a:p>
-        </p:txBody>
-      </p:sp>
-      <p:sp>
-        <p:nvSpPr>
-          <p:cNvPr id="6" name="Slide Number Placeholder 5">
-            <a:extLst>
-              <a:ext uri="{FF2B5EF4-FFF2-40B4-BE49-F238E27FC236}">
-                <a16:creationId xmlns:a16="http://schemas.microsoft.com/office/drawing/2014/main" id="{CC5A073A-04B6-124D-951F-4319FF5C7CB7}"/>
-              </a:ext>
-            </a:extLst>
-          </p:cNvPr>
-          <p:cNvSpPr>
-            <a:spLocks noGrp="1"/>
-          </p:cNvSpPr>
-          <p:nvPr>
-            <p:ph type="sldNum" sz="quarter" idx="12"/>
-          </p:nvPr>
-        </p:nvSpPr>
-        <p:spPr/>
-        <p:txBody>
-          <a:bodyPr/>
-          <a:lstStyle/>
-          <a:p>
-            <a:fld id="{7B5F8CF4-080C-6448-A4C0-B6A3C5CD13C0}" type="slidenum">
-              <a:rPr lang="en-US" smtClean="0"/>
-              <a:t>9</a:t>
-            </a:fld>
-            <a:endParaRPr lang="en-US"/>
           </a:p>
         </p:txBody>
       </p:sp>

--- a/Short Course/Slides/Session 1.pptx
+++ b/Short Course/Slides/Session 1.pptx
@@ -5,7 +5,7 @@
     <p:sldMasterId id="2147483648" r:id="rId1"/>
   </p:sldMasterIdLst>
   <p:notesMasterIdLst>
-    <p:notesMasterId r:id="rId19"/>
+    <p:notesMasterId r:id="rId20"/>
   </p:notesMasterIdLst>
   <p:sldIdLst>
     <p:sldId id="256" r:id="rId2"/>
@@ -14,17 +14,18 @@
     <p:sldId id="274" r:id="rId5"/>
     <p:sldId id="275" r:id="rId6"/>
     <p:sldId id="258" r:id="rId7"/>
-    <p:sldId id="260" r:id="rId8"/>
-    <p:sldId id="261" r:id="rId9"/>
-    <p:sldId id="262" r:id="rId10"/>
-    <p:sldId id="263" r:id="rId11"/>
-    <p:sldId id="264" r:id="rId12"/>
-    <p:sldId id="265" r:id="rId13"/>
-    <p:sldId id="267" r:id="rId14"/>
-    <p:sldId id="268" r:id="rId15"/>
-    <p:sldId id="269" r:id="rId16"/>
-    <p:sldId id="270" r:id="rId17"/>
-    <p:sldId id="273" r:id="rId18"/>
+    <p:sldId id="277" r:id="rId8"/>
+    <p:sldId id="260" r:id="rId9"/>
+    <p:sldId id="261" r:id="rId10"/>
+    <p:sldId id="262" r:id="rId11"/>
+    <p:sldId id="263" r:id="rId12"/>
+    <p:sldId id="264" r:id="rId13"/>
+    <p:sldId id="265" r:id="rId14"/>
+    <p:sldId id="267" r:id="rId15"/>
+    <p:sldId id="268" r:id="rId16"/>
+    <p:sldId id="269" r:id="rId17"/>
+    <p:sldId id="270" r:id="rId18"/>
+    <p:sldId id="273" r:id="rId19"/>
   </p:sldIdLst>
   <p:sldSz cx="12192000" cy="6858000"/>
   <p:notesSz cx="6858000" cy="9144000"/>
@@ -131,6 +132,396 @@
 </p:presentation>
 </file>
 
+<file path=ppt/ink/ink1.xml><?xml version="1.0" encoding="utf-8"?>
+<inkml:ink xmlns:inkml="http://www.w3.org/2003/InkML">
+  <inkml:definitions>
+    <inkml:context xml:id="ctx0">
+      <inkml:inkSource xml:id="inkSrc0">
+        <inkml:traceFormat>
+          <inkml:channel name="X" type="integer" min="-2.14748E9" max="2.14748E9" units="cm"/>
+          <inkml:channel name="Y" type="integer" min="-2.14748E9" max="2.14748E9" units="cm"/>
+          <inkml:channel name="F" type="integer" max="32767" units="dev"/>
+        </inkml:traceFormat>
+        <inkml:channelProperties>
+          <inkml:channelProperty channel="X" name="resolution" value="1000" units="1/cm"/>
+          <inkml:channelProperty channel="Y" name="resolution" value="1000" units="1/cm"/>
+          <inkml:channelProperty channel="F" name="resolution" value="0" units="1/dev"/>
+        </inkml:channelProperties>
+      </inkml:inkSource>
+      <inkml:timestamp xml:id="ts0" timeString="2021-09-14T14:34:05.983"/>
+    </inkml:context>
+    <inkml:brush xml:id="br0">
+      <inkml:brushProperty name="width" value="0.05292" units="cm"/>
+      <inkml:brushProperty name="height" value="0.05292" units="cm"/>
+      <inkml:brushProperty name="color" value="#FF0000"/>
+    </inkml:brush>
+  </inkml:definitions>
+  <inkml:trace contextRef="#ctx0" brushRef="#br0">1315 9848 24575,'17'-2'0,"16"0"0,21 1 0,12-1 0,3-1 0,-5 2 0,-13-1 0,-10 0 0,-7 1 0,7 0 0,4-1 0,10 0 0,6 0 0,1 0 0,-4 1 0,-10-1 0,-15 1 0,0 1 0,-6-1 0,-20 0 0</inkml:trace>
+  <inkml:trace contextRef="#ctx0" brushRef="#br0" timeOffset="1016">2041 9638 24575,'34'17'0,"1"-2"0,8 3 0,-2-1 0,2 2 0,3 0 0,-2-1 0,7 2 0,-1-1 0,-9-4 0,-10-3 0,-5-2 0,14 5 0,-15-1 0,-35-5 0,-19 13 0,-6 2 0,-5 6 0,-3 1 0,-3 1 0,11-13 0,2-2 0,-10 8 0,-1-3 0,41-20 0,4-1 0</inkml:trace>
+</inkml:ink>
+</file>
+
+<file path=ppt/ink/ink10.xml><?xml version="1.0" encoding="utf-8"?>
+<inkml:ink xmlns:inkml="http://www.w3.org/2003/InkML">
+  <inkml:definitions>
+    <inkml:context xml:id="ctx0">
+      <inkml:inkSource xml:id="inkSrc0">
+        <inkml:traceFormat>
+          <inkml:channel name="X" type="integer" min="-2.14748E9" max="2.14748E9" units="cm"/>
+          <inkml:channel name="Y" type="integer" min="-2.14748E9" max="2.14748E9" units="cm"/>
+          <inkml:channel name="F" type="integer" max="32767" units="dev"/>
+        </inkml:traceFormat>
+        <inkml:channelProperties>
+          <inkml:channelProperty channel="X" name="resolution" value="1000" units="1/cm"/>
+          <inkml:channelProperty channel="Y" name="resolution" value="1000" units="1/cm"/>
+          <inkml:channelProperty channel="F" name="resolution" value="0" units="1/dev"/>
+        </inkml:channelProperties>
+      </inkml:inkSource>
+      <inkml:timestamp xml:id="ts0" timeString="2021-09-14T15:25:11.501"/>
+    </inkml:context>
+    <inkml:brush xml:id="br0">
+      <inkml:brushProperty name="width" value="0.05292" units="cm"/>
+      <inkml:brushProperty name="height" value="0.05292" units="cm"/>
+      <inkml:brushProperty name="color" value="#FF0000"/>
+    </inkml:brush>
+  </inkml:definitions>
+  <inkml:trace contextRef="#ctx0" brushRef="#br0">3556 11188 24575,'48'0'0,"0"-1"0,0 1 0,-1 0 0,-2 0 0,5 0 0,2 1 0,1-1 0,0 0 0,-4 1 0,-3-1 0,7 0 0,-4 0 0,-1 0 0,3 0 0,-4 1 0,5-1 0,0 0 0,-1 1 0,-4-1 0,-8 1 0,9-1 0,-8 0 0,-10 1 0,-1-1 0,4 1 0,-2-1 0,-4 0 0,7-2 0,-14 0 0,34 0 0,-8 2 0,0 0 0,-17 0 0,1 0 0,9-1 0,5 0 0,-5-1 0,-7-1 0,-2 0 0,3 0 0,0 0 0,3-1 0,-4 1 0,-10 2 0,6 0 0</inkml:trace>
+  <inkml:trace contextRef="#ctx0" brushRef="#br0" timeOffset="1868">7734 12285 24575,'41'-6'0,"0"1"0,0-1 0,-1 2 0,3-1 0,1 1 0,8-1 0,5 0 0,2 1 0,-2 1 0,-7 1 0,0 2 0,1 0 0,-1 0 0,0 0 0,-2-1 0,-1 1 0,-3-2 0,0 1 0,4 0 0,7 0 0,-13-1 0,5 1 0,4 0 0,5 0 0,1-1 0,3 1 0,0-1 0,1 1 0,-1-1 0,-2 1 0,-3 0 0,-3-1 0,-5 1 0,-5 0-703,14-1 1,-10 1 0,-3-1-1,3 1 1,10-1 702,-12 1 0,6 0 0,5 0 0,4 0 0,2 0 0,2 0 0,0 0 0,0 0 0,-3 0 0,-1 0 0,-5 1 0,-5 0 0,-5 0-699,9 0 0,-7 1 0,-3 0 1,-2 0-1,4 1 699,8 1 0,3 0 0,-1 0 0,-1 0 0,-3-1 0,-4 0 0,-3-2 0,-1 1 0,4-1 0,4 2 0,5-1 0,0 0 0,-2 1 0,-4-2 0,1 1 0,-3-1 0,5 0 247,-5 0 1,8 0 0,3-1 0,0 0 0,-5 0 0,-9 1-248,15-2 0,-7-1 0,-8 0 0,0 0 0,-8 1 0,2-1 0,-38 2 0</inkml:trace>
+  <inkml:trace contextRef="#ctx0" brushRef="#br0" timeOffset="14551">4350 13632 24575,'39'-6'0,"1"0"0,-1 0 0,11 2 0,2 0 0,2 0 0,-10-1 0,1 1 0,0-1 0,-1 1 0,11 1 0,-2 0 0,0 1 0,-3 0 0,-1 0 0,-5 0 0,-7 1 0,0 1 0,17-3 0,-1 1 0,-23 2 0,-1 1 0,16 0 0,1-1 0,-9 0 0,1 1 0,19 0 0,-3 0 0,-7 0 0,10 0 0,-11-1 0,8 0 0,-11 2 0,-9-2 0,-16 1 0,-16 0 0,-1-1 0,-1 1 0</inkml:trace>
+  <inkml:trace contextRef="#ctx0" brushRef="#br0" timeOffset="15551">10182 13521 24575,'36'1'0,"-1"-1"0,-2 1 0,2 0 0,7 1 0,5 0 0,-1-1-1364,-3 1 0,0 0 0,0-1 1364,6 1 0,0 0 0,3 0 0,-4-1 0,2 0 0,0 0 0,-3 0-119,3 0 1,-2-1 0,-1 0 118,0 1 0,0 0 0,-7-1 1011,15-2-1011,-41 2 0,-8-1 0,-6 1 0</inkml:trace>
+  <inkml:trace contextRef="#ctx0" brushRef="#br0" timeOffset="36468">2382 5431 24575,'-26'42'0,"-1"-1"0,0 0 0,1 0 0,-1 0 0,2-1 0,2-3 0,-2 5 0,1-1 0,-4 7 0,-1 2 0,0 2 0,3-3 0,3-3-1557,4-1 1,2-2 0,2-2 0,-1 3 1556,-5 6 0,0 2 0,-1 1 0,2-1 0,3-3 0,1-1 0,0 0 0,1 1 94,2-5 1,0 0-1,0 1 1,0 0 0,1-2-95,-3 7 0,1-2 0,-1 1 0,1 0 0,-1 4 0,0 0 0,0 0 0,1 1 0,2-8 0,0 1 0,0 0 0,0 0 0,1-3 0,0 2 0,0-2 0,0 0 0,0 2 0,-1 6 0,-1 2 0,1 2 0,-1 1 0,3-5 0,-1 1 0,1 2 0,1 1 0,-1 1 0,1-4 0,1 1 0,0 2 0,0-1 0,0 0 0,1-2 0,0 3 0,0-1 0,0-1 0,0 0 0,1 2 0,0-6 0,-1 3 0,1-1 0,0 0 0,1-3 0,2-3 0,0 0 0,2-5 0,1 0 0,0 3 0,-2 1 0,1 3 0,0 1 0,-1-1 0,1-3 0,0 1 0,1-2 0,-1 0 0,0 1 0,0 7 0,0 1 0,0 0 0,-1-5 0,1-3 0,0-4 0,0 3 0,0 7 0,1 3 0,-1 2 0,0-4 0,0 1 0,0-2 0,-1 2 316,2-5 0,-1 2 1,1 1-1,0 3-316,1-9 0,-1 3 0,1 1 0,0 1 0,1-2 0,0-2 0,1 8 0,0-3 0,1 1 0,0 2-135,-2-5 1,1 2 0,-1 2 0,0-1 0,1-1 0,1-4 134,3 6 0,1-1 0,0-5 0,-1-5 1508,0 0 1,0 0-1509,0-4 0,0 5 0,1 2 0,1 0 0,0 0 0,1 1 0,1-1 0,-1 0 0,2 11 0,-1-1 0,3 1 181,0-3 1,3 3-1,0-1 1,1-7-182,1-7 0,0-4 0,2 2 0,-1 2 0,2 3 0,0 0 0,0-5 0,8 10 0,0-2 0,-8-11 0,0 1 0,-1-2 0,2 1 0,-1-2 0,8 12 0,1 0 0,-7-9 0,2 0 334,1-4 0,3 2 1,-1-3-335,6 2 0,0-2 0,-3-3 0,0 1 0,9 13 0,-6-3 0,-15-14 546,8 14-546,-20-29 0,-6-7 0,-1-3 0</inkml:trace>
+</inkml:ink>
+</file>
+
+<file path=ppt/ink/ink11.xml><?xml version="1.0" encoding="utf-8"?>
+<inkml:ink xmlns:inkml="http://www.w3.org/2003/InkML">
+  <inkml:definitions>
+    <inkml:context xml:id="ctx0">
+      <inkml:inkSource xml:id="inkSrc0">
+        <inkml:traceFormat>
+          <inkml:channel name="X" type="integer" min="-2.14748E9" max="2.14748E9" units="cm"/>
+          <inkml:channel name="Y" type="integer" min="-2.14748E9" max="2.14748E9" units="cm"/>
+          <inkml:channel name="F" type="integer" max="32767" units="dev"/>
+        </inkml:traceFormat>
+        <inkml:channelProperties>
+          <inkml:channelProperty channel="X" name="resolution" value="1000" units="1/cm"/>
+          <inkml:channelProperty channel="Y" name="resolution" value="1000" units="1/cm"/>
+          <inkml:channelProperty channel="F" name="resolution" value="0" units="1/dev"/>
+        </inkml:channelProperties>
+      </inkml:inkSource>
+      <inkml:timestamp xml:id="ts0" timeString="2021-09-14T15:29:13.900"/>
+    </inkml:context>
+    <inkml:brush xml:id="br0">
+      <inkml:brushProperty name="width" value="0.05292" units="cm"/>
+      <inkml:brushProperty name="height" value="0.05292" units="cm"/>
+      <inkml:brushProperty name="color" value="#FF0000"/>
+    </inkml:brush>
+  </inkml:definitions>
+  <inkml:trace contextRef="#ctx0" brushRef="#br0">15879 6392 24575,'51'-1'0,"-1"-1"0,0 1 0,1 0 0,-1-1 0,3 1 0,2 0 0,-8 0 0,10-1 0,6 0 0,-1 0 0,-7 1 0,-12 0 0,-3-1 0,-6 1 0,10-1 0,-1-1 0,-6 1 0,-1-2 0,-6 0 0,1 0 0,3 1 0,-2 0 0,3-2 0,-34 5 0,-25 4 0,-16 1 0,-14-2 0,20-1 0,-6 2 0,0-1 0,2-3 0,-1 0 0,2 0 0,-10-1 0,2 1 0,1 0 0,4 0 0,3-1 0,24 1 0,9 0 0,1-2 0,2 2 0,3-2 0</inkml:trace>
+  <inkml:trace contextRef="#ctx0" brushRef="#br0" timeOffset="3717">15732 6400 24575,'42'-5'0,"1"0"0,0 0 0,0 0 0,4-1 0,-1 1 0,-1 1 0,-5 1 0,1 1 0,1 0 0,11 1 0,3 0 0,-4 0 0,-2 0 0,-1 0-472,-2 0 1,3 1-1,-6-1 472,-11 1 0,-2 0 230,5 0 1,3 0-231,4 0 0,4 1 0,-4 0 0,-4-1 0,0 1 117,21 0 0,-6 0-117,-16-2 0,-6 1 0,7-2 720,-6 2-720,0-1 0,-6 1 0,-11-2 0,-16 1 0,-14 5 0,-2-1 0,-20 3 0,-14-1 0,9-4 0,-6 0 0,-1-1 0,0 0 0,7 2 0,1 0 0,-2 0 0,-6-1 0,2 1 0,-7-1 0,-4 0 0,-2 0 0,0 0 0,3-1 0,4 1 0,8 0 0,-11-1 0,9 1 0,-5 0 0,-3 0 0,-7 1 0,-1 0 0,7 0 0,13-1 0,-8-3 0,31 2 0,-3-1 0,16 1 0,-1 0 0,-1 0 0,3 0 0,4-1 0,24-3 0,27-1 0,-13-1 0,9 2 0,-42 3 0,-2 1 0</inkml:trace>
+  <inkml:trace contextRef="#ctx0" brushRef="#br0" timeOffset="71672">13478 7733 24575,'34'-1'0,"6"-2"0,9 0 0,-1 0 0,3 1 0,2 0 0,-10 0 0,5 0 0,0-1 0,-1 2 0,5 0 0,-1 0 0,-4 1 0,-1 0 0,-1-1 0,-5 1 0,2 0 0,-5-1 0,16 1 0,-12 0 0,11 0 0,-32 0 0,-1 0 0,-18 1 0,-2-1 0,-20-3 0,1 3 0,-25 0 0,8 2 0,-6-1 0,-15-1 0,-1 1 0,11-1 0,12 0 0,1 0 0,-12 0 0,-10 1 0,4-1 0,20 0 0,24 0 0,4 1 0,4-1 0</inkml:trace>
+  <inkml:trace contextRef="#ctx0" brushRef="#br0" timeOffset="119800">6329 10050 24575,'25'5'0,"3"0"0,14 5 0,-14-5 0,0 1 0,1 0 0,17-3 0,9 1 0,1-2 0,-8 1 0,-12-1 0,19-1 0,-20 0 0,-1 0 0,16-1 0,4 3 0,-40-2 0,1 2 0,-2-1 0,-3 0 0,15 1 0,5-2 0,5 1 0,10-4 0,12 0 0,-14-1 0,-11 1 0,-1 1 0,0 1 0,9 0 0,-9 0 0,1 0 0,9 0 0,-5 0 0,7 1 0,-11 0 0,0 1 0,6-1 0,19 1 0,-28-1 0,-2 0 0,3-1 0,1 1 0,1-1 0,3 0 0,2-1 0,5 2 0,-3-2 0,13-4 0,-3 3 0,-15-2 0,-6 2 0,-4 1 0,4 1 0,-7 0 0,-9 0 0,-3 0 0,-9 0 0,-25 4 0,-16 2 0,-13-1-281,3 2 1,-3-1 280,19-3 0,1-1 0,-3 0 0,-1 0 0,-14-1 0,1 0 0,14-1 0,0 1 0,-11 0 0,-2-1 0,6 0 0,1-1 0,8-1 0,1 1 0,-11-1 0,-3 0 0,-10-2 0,2-1 0,27 3 0,-2 0 0,-14-1 0,-7 0 0,6 1 0,7 1 0,3 1 0,-4-2 0,1 1 0,5 1 0,2 0 0,-11 1 561,1-1-561,0 0 0,-2 1 0,14-1 0,1 0 0,-8 0 0,2 0 0,-9 0 0,-4 2 0,2 1 0,7-1 0,-10 1 0,4-1 0,26-3 0,-12 0 0,13 0 0,-2 0 0,14 0 0,4 1 0,0 0 0</inkml:trace>
+  <inkml:trace contextRef="#ctx0" brushRef="#br0" timeOffset="135568">6321 10093 24575,'-13'2'0,"-7"1"0,11-2 0,-6 0 0,-4-11 0,-10-8 0,1-1 0,-2-3 0,13 0 0,1-5 0,2 1 0,-1-1 0,-5-5 0,0-2 0,0-1 0,3 2 0,-3-9 0,13-4 0,4-2 0,2-1 0,13-3 0,5-2 0,-1 21 0,2 3 0,-2-2 0,1 1 0,2 0 0,1 1 0,6-2 0,1 1 0,7-3 0,0 0 0,-3 1 0,0 1 0,7-2 0,-1 5 0,0 3 0,9-6 0,2 6 0,2 11 0,1 1 0,-21 4 0,1 0 0,9 1 0,5 1 0,0 1 0,-3 3 0,-1 2 0,-2 1 0,7-1 0,1 1 0,9-1 0,-1 1 0,-16 2 0,-1 2 0,8 1 0,2 1 0,-3-2 0,1 2 0,-7-1 0,2 2 0,-1 0 0,13 3 0,-2 0 0,-4 0 0,-2 1 0,1-2 0,-2 1 0,-6 1 0,-4 0 0,8 6 0,12 4 0,-27-5 0,0 2 0,-2-1 0,0 0 0,22 16 0,-5-2 0,-25-17 0,14 21 0,-18-19 0,12 25 0,-13-16 0,0 1 0,5-1 0,-4-1 0,-3 8 0,0-5 0,-4 3 0,9 17 0,-8 2 0,6 6 0,-10-14 0,-4-22 0,-1 0 0,0 0 0,-5 12 0,-1 25 0,1-20 0,0 15 0,0-24 0,0-5 0,-4 11 0,3-9 0,-4 14 0,3-14 0,-3 11 0,4-15 0,-6 14 0,-6 11 0,4-10 0,-4 8 0,2-22 0,6-4 0,-3-2 0,13-12 0,0-1 0,1-1 0</inkml:trace>
+  <inkml:trace contextRef="#ctx0" brushRef="#br0" timeOffset="194333">12839 9947 24575,'54'5'0,"-1"-1"0,1 1 0,-1 0 0,1-1 0,-1 1 0,1 0 0,-1-1 0,1 1 0,-1 0 0,1-1 0,5 1 0,-3 0 0,-2 0 0,-1 0 0,-1-1 0,1 0 0,0 0 0,2-1 0,1 1 0,0-1 0,0 1 0,-2-2 0,-3 0 0,-2 0 0,8-2 0,-3 0 0,-3-1 0,0 0-309,-4 0 0,-1 1 0,1-1 0,0 1 309,7-1 0,1 0 0,2 0 0,-1 0 0,-7 1 0,2 0 0,-1 0 0,-1 0 0,-3 0 0,8 0 0,-3 0 0,6-1 0,-9 1 0,6 0 0,4 1 0,0-1 0,-3-1 0,-4 1 0,3-1 0,-4 1 0,-2-1 0,0 0 0,-4 0 0,0 1 0,-1-1 0,-1 1 62,15-1 0,-1 1 0,-15-1-62,-17 0 257,-3 1-257,-19 0 0,-3 0 0,1 1 0</inkml:trace>
+  <inkml:trace contextRef="#ctx0" brushRef="#br0" timeOffset="197971">23466 10195 24575,'38'4'0,"18"-2"0,-11-1 0,9 1 0,-5-2 0,-9 0 0,0-3 0,6-1 0,5-3 0,-11-4 0,2-17 0,-18 10 0,0 1 0,7-12 0,-4 1 0,-5 3 0,0-2 0,11-11 0,-8 7 0,-3-2 0,-10 4 0,-4 0 0,4-24 0,-6 25 0,-2-1 0,-10-27 0,1 22 0,-2 1 0,1 2 0,-2-1 0,-4-10 0,-6-3 0,-5 6 0,-5-2 0,2 4 0,4 5 0,0-1 0,-4-2 0,-2-2 0,-1 7 0,-2 10 0,1 6 0,-3 0 0,-1 2 0,0-3 0,0 3 0,-20-1 0,17 14 0,-6 2 0,6 1 0,-18 1 0,14-2 0,-6 2 0,8 0 0,-1 3 0,-10 10 0,8 3 0,-1 4 0,10-5 0,2 1 0,-8 6 0,3 1 0,14-7 0,4 0 0,-14 19 0,6-4 0,3-1 0,4-2 0,5 6 0,-1 2 0,-4 8 0,6-8 0,2-3 0,6-15 0,1 25 0,1-18 0,0 24 0,4-17 0,1-3 0,2-4 0,1-11 0,9 19 0,-5-14 0,7 15 0,10 2 0,0-12 0,6-1 0,3-2 0,13 0 0,-14-11 0,1-2 0,-3-3 0,1-1 0,1 0 0,0 0 0,5-1 0,-2 1 0,15 3 0,-15-7 0,-2-4 0,-17-1 0,21-5 0,-27 2 0,5-1 0,-13 3 0,-1 1 0,-3-1 0</inkml:trace>
+  <inkml:trace contextRef="#ctx0" brushRef="#br0" timeOffset="206509">10301 14052 24575,'56'3'0,"0"0"0,0 0 0,-23-2 0,4 0 0,6 0 0,3 0 0,4 0 0,3 0 0,2 0 0,3 0 0,2 0 0,2 0 0,1 0 0,0 0 0,1-1 0,-1 1 0,0 0 0,-1 0 0,-1 0 0,-3-1 0,-1 1 0,-3 0 0,-3-1-703,7 1 1,-3 0 0,-3 0 0,-1-1 0,-1 1 0,-1 0-1,0 0 1,0-1 0,2 1 0,1-1 0,3 1 0,2-1 0,4 0-1,4 1 661,-22-1 1,3 0-1,1 0 1,2 0 0,1 0-1,1 0 1,2 0 0,1 0-1,1 0 1,1 0-1,1 0 1,1 0 0,1-1-1,0 1 1,1 0 0,1 0-1,0 0 1,0-1-1,0 1 1,1 0 0,0-1-1,0 1 1,-1 0 0,1-1-1,-1 1 1,0-1-1,-1 1 1,0-1 0,-1 1-1,0-1 1,-1 1 0,-1-1-1,-1 1 1,-1-1-1,-1 0 1,-2 1-42,9-1 0,-1 0 0,0 0 0,-1 0 0,0 0 0,-1 0 1,0 0-1,0 0 0,-1 0 0,0 0 0,-1 0 0,0 0 0,0 0 1,0-1-1,-1 1 0,0 0 0,0 0 0,0-1 0,-1 1 0,0 0 1,0-1-1,0 1 0,0 0 0,0-1 0,0 1 0,-1 0 83,4-1 0,-1 1 0,-1-1 0,-1 0 0,0 1 0,-1-1 0,0 1 0,-1-1 0,1 0 0,-1 1 0,0-1 0,1 0 0,0 1 0,0-1 0,1 0 0,1 1 0,0-1 0,2 0 0,0 0 0,2 1 0,1-1 0,1 0-24,-12 1 0,2 0 0,2-1 1,1 1-1,1 0 0,2-1 0,1 1 1,0-1-1,2 1 0,1-1 0,0 1 1,1-1-1,0 1 0,0-1 0,1 1 1,0-1-1,0 1 0,-1-1 0,1 1 1,-1-1-1,-1 1 0,0-1 0,-1 1 1,-1 0-1,-1-1 0,0 1 1,-2 0-1,-2-1 0,-1 1 0,-1 0 1,-2 0-1,-2-1 0,-2 1 0,-2 0 1,-2 0-1,-2 0 0,-3 1 24,29-2 0,-8 1 0,-7-1 0,-4 1 0,-2 0 0,1 0 0,2 0 0,5 0 0,7-1-36,-13 1 1,3 0-1,5 0 1,3 0-1,3-1 1,2 1 0,2 0-1,1-1 1,0 1-1,1-1 1,0 1-1,-2 0 1,0-1 0,-3 1-1,-2 0 1,-4 0-1,-3 0 1,-4 1-1,-4-1 1,-6 1 0,-6 0 35,33 0 0,-17 1 0,-5 0 1309,-1 0 1,-3 0-1310,8 0 0,-7-1 3963,-17-1-3963,-23 1 0,1 0 0,-4 0 0</inkml:trace>
+  <inkml:trace contextRef="#ctx0" brushRef="#br0" timeOffset="207502">10696 13629 24575,'-5'42'0,"0"1"0,1 0 0,0 11 0,0 6 0,0 1 0,0-4 0,1-8 0,-1 0 0,0-6 0,1 5-367,-1-1 1,0 11-1,-1 2 1,1-3 0,2-13-1,3-17 367,3-18 706,-3-6-706,8 2 0,-6-4 0,5 3 0</inkml:trace>
+  <inkml:trace contextRef="#ctx0" brushRef="#br0" timeOffset="208549">10515 14887 24575,'-12'51'0,"0"1"0,15-13 0,6 0 0,8 11 0,7-5 0,3-22 0,3-8 0,5-4 0,3-6 0,8-7 0,1-7 0,-10-3 0,-1-2 0,8 2 0,-4-6 0,-12-13 0,-9-3 0,-8-1 0,-2-13 0,-23 23 0,1 12 0,-20-2 0,-12 8 0,3 3 0,11 2 0,0 0 0,-15-1 0,9 2 0,-6-2 0,11 1 0,0 0 0,8 0 0,13 2 0</inkml:trace>
+  <inkml:trace contextRef="#ctx0" brushRef="#br0" timeOffset="212136">10625 14031 24575,'-2'10'0,"0"0"0,15 6 0,-6-10 0,25 1 0,-15-13 0,5-2 0,-9-8 0,-7-10 0,-1 3 0,-2-7 0,-12 7 0,-7 10 0,1 1 0,-5 15 0,-1 16 0,8-6 0,-13 15 0,18-3 0,2 1 0,6-3 0,19-9 0,1-11 0,5-1 0,2-10 0,1-15 0,-10 8 0,3-7 0,-20 17 0,-1 0 0,-3 2 0,0 1 0,-7 2 0,3 0 0,-3 1 0,-7 8 0,3 5 0,-2-1 0,6 4 0,9-3 0,2-5 0,14 3 0,-7-11 0,10 0 0,-3-8 0,-5-7 0,3 1 0,-6-8 0,-8 7 0,2 2 0,-4 5 0,-3 6 0,-15 9 0,7-3 0,-13 8 0,10 11 0,7-9 0,-3 11 0,11-14 0,5-3 0,0-3 0,2-2 0,-1-4 0,5-4 0,2-5 0,0-2 0,0-4 0,-7 4 0,-2 4 0,0 2 0</inkml:trace>
+  <inkml:trace contextRef="#ctx0" brushRef="#br0" timeOffset="215905">10746 12300 24575,'-18'44'0,"10"-15"0,-1 2 0,-4 5 0,0 2 0,5-3 0,0 1 0,-1 19 0,0 2 0,5-19 0,1 0 0,0 1 0,-1 1 0,-1 1 0,0-1 0,1 9 0,0 0 0,-1 1 0,0 1 0,4 2 0,0 0 0,-2 0 0,1-2 0,4-8 0,0-2 0,-1-8 0,0-3 0,1 2 0,-2-2 0,0 0 0,0-5 0,0-6 0,-1 2 0,0-1 0,0-2 0,1 0 0,-1-7 0,2-7 0,0 4 0,0-2 0,1 7 0,-1-5 0,1 7 0,-2-2 0,2 11 0,-1-8 0,2 1 0,-1-17 0,7-26 0,1-14 0,-2 7 0,0-2 0,3-4 0,-1 1 0,0-9 0</inkml:trace>
+  <inkml:trace contextRef="#ctx0" brushRef="#br0" timeOffset="217106">10603 12453 24575,'-28'46'0,"13"-21"0,-11 16 0,20-30 0,6-9 0,23-34 0,11-17 0,-9 14 0,7-12 0,-1 1 0,-12 20 0,-10 11 0,3-1 0,-5 7 0,3-1 0,-2 2 0,1 0 0,-5 6 0,-3 11 0,-1-1 0,3 13 0,-2-11 0,2 2 0,0-7 0,3-2 0,-3 0 0,1-2 0</inkml:trace>
+  <inkml:trace contextRef="#ctx0" brushRef="#br0" timeOffset="218522">9795 12303 24575,'-22'44'0,"1"0"0,1-3 0,-1 6 0,4-7 0,13-30 0,14-37 0,6-15 0,-2 4 0,3-10 0,1 1 0,-5 14 0,-6 14 0,0 8 0,-7 29 0,4 28 0,2-5 0,2-9 0,4-2 0,12-1 0,-5-5 0,2-20 0,4-19 0,1-8 0,-4 0 0,0-2 0,10-6 0,-1-1 0,-10 7 0,-3-1 0,3-23 0,-10 28 0,-2-10 0,-7 28 0,-2 2 0,1 1 0</inkml:trace>
+  <inkml:trace contextRef="#ctx0" brushRef="#br0" timeOffset="221882">13923 13958 24575,'0'57'0,"0"0"0,-1 0 0,1-17 0,0-2 0,0 5 0,0 4 0,0-17 0,0-23 0,0-4 0,0-3 0,1 0 0</inkml:trace>
+  <inkml:trace contextRef="#ctx0" brushRef="#br0" timeOffset="224194">10875 14357 24575,'2'16'0,"17"18"0,-6-9 0,17 14 0,-6-19 0,-4-4 0,18 5 0,-6-7 0,4 1 0,9-2 0,-19-8 0,22 2 0,-17-5 0,14-2 0,10-1 0,-13-1 0,2 0 0,-1 0 0,-2 1 0,-1 0 0,1 0 0,2-1 0,0-1 0,-4 1 0,-5 2 0,-2 0 0,0 1 0,0 1 0,4 4 0,0 2 0,17 5 0,-15 7 0,-16-3 0,-11 18 0,-2-15 0,-7 8 0,-2-24 0,14-16 0,12-6 0,12-9 0,8 5 0,5 1 0,-12 9 0,0 0 0,11-3 0,1 3 0,3 8 0,-2 9 0,-13 12 0,-2 3 0,4-7 0,0 1 0,-6 13 0,-2 1 0,-4-12 0,1-3 0,16 5 0,2-3 0,-3-5 0,-2-3 0,-1 0 0,-4-4 0,-9-7 0,0-5 0,7-8 0,4-5 0,-4 2 0,-6 3 0,-1 0 0,15-9 0,5-3 0,-11 6 0,-11 4 0,7-3 0,-26 15 0,-7 6 0,2-2 0</inkml:trace>
+  <inkml:trace contextRef="#ctx0" brushRef="#br0" timeOffset="225198">12187 14951 24575,'-21'49'0,"0"1"0,0-1 0,0 0 0,-1 3 0,1-1 0,3-8 0,-1 5 0,1-2 0,3-8 0,5-6 0,1-6 0,-4 17 0,5-2 0,9-23 0,23 5 0,11-6 0,18-3 0,5-3 0,-27-6 0,-2 0 0,20 2 0,-7-1 0,-21-7 0,-12-1 0,-3-1 0,-4-4 0,-1-1 0,-1 2 0,1 2 0</inkml:trace>
+  <inkml:trace contextRef="#ctx0" brushRef="#br0" timeOffset="225870">11902 15399 24575,'44'-9'0,"5"-1"0,6-1 0,-13 1 0,1-1 0,-22 4 0,13 0 0,3-1 0,-7 2 0,5-1 0,-5 2 0,-22 4 0,-8 1 0</inkml:trace>
+  <inkml:trace contextRef="#ctx0" brushRef="#br0" timeOffset="227033">12498 15586 24575,'-3'42'0,"0"0"0,0-1 0,0 1 0,0-1 0,0-7 0,0-3 0,2-10 0,13-58 0,5-24 0,-2 15 0,0-2 0,-3 7 0,1-3 0,0 5 0,2-3 0,-1 9 0,-1 12 0,2 3 0,-3 21 0,6 28 0,0 12 0,-4-3 0,1 1 0,4 7 0,0-2 0,4 5 0,-19-43 0,-2-5 0,-3-2 0,0 0 0</inkml:trace>
+  <inkml:trace contextRef="#ctx0" brushRef="#br0" timeOffset="227866">12466 15741 24575,'43'-23'0,"0"6"0,-13 9 0,27 3 0,-25 2 0,8 2 0,-36 1 0</inkml:trace>
+  <inkml:trace contextRef="#ctx0" brushRef="#br0" timeOffset="259450">4552 11174 24575,'54'0'0,"-1"0"0,1 1 0,0-1 0,3 0 0,-1-1 0,-1 2 0,0 0 0,-1 1 0,4 0 0,-10-1 0,3-1 0,2 1 0,-3-1 0,-3 0 0,4 1 0,-4-1 0,4 1 0,5-1 0,7 1 0,-4-1 0,-10 0 0,-13-1 0,-2 0 0,5 1 0,4-1 0,-2 1 0,2-2 0,-1 1 0,10 0 0,-2 1 0,-18-2 0,0 1 0,5 0 0,1 1 0,17-2 0,-23 1 0,-2 0 0,1-1 0,-10 0 0,10-2 0,-22 3 0,-53 1 0,-4 1 0,0-1 0,-12 0 0,4 0 0,17-1 0,2-1 0,-6 0 0,-4 0 0,-8 0 0,-2 0 0,2-1 0,8 1 0,6 0 0,6 0 0,-4 1 0,-4-1 0,-3 0 0,0 1 0,2 0 0,-1 2 0,2 0 0,1 1 0,-15-1 0,0-1 0,12 1 0,-2 0 0,3-2 0,-9-2 0,8-1 0,13 0 0,-4-2 0,32 5 0,3 2 0,0-1 0,0 0 0</inkml:trace>
+  <inkml:trace contextRef="#ctx0" brushRef="#br0" timeOffset="266387">4267 11117 24575,'41'-1'0,"0"0"0,0 2 0,3 1 0,-2-1 0,4 1 0,-1 1 0,-6-1 0,1 1 0,-2-1 0,3 0 0,-1 0 0,10-1 0,-3 1 0,-16-1 0,-2 0 0,7 0 0,-12-1 0,-23 0 0</inkml:trace>
+  <inkml:trace contextRef="#ctx0" brushRef="#br0" timeOffset="270733">7655 10270 24575,'-14'-3'0,"-24"1"0,14 0 0,-7 2 0,-5 0 0,5 3 0,0 0 0,0-2 0,-2 1 0,-10 3 0,-1 1 0,6 1 0,-1 1 0,-14 7 0,1 2 0,12-3 0,2 0 0,-6 6 0,3 2 0,-5 11 0,19-9 0,0 1 0,-12 16 0,19-12 0,1 2 0,-2 3 0,2 0 0,-7 15 0,11-22 0,0 4 0,5 5 0,1 5 0,3-6 0,-2 8 0,1-5 0,-1 8 0,5-7 0,18 6 0,4-7 0,1-13 0,2-3 0,12-2 0,1-6 0,6-1 0,-5-4 0,4-1 0,-2 0 0,4 2 0,2 0 0,4-1 0,4-1 0,0 1 0,-8 0 0,-1 1 0,-1-1 0,13 1 0,-1 0 0,-12-1 0,1 1 0,1 0 0,9-1 0,2 1 0,-7-2 0,-7-1 0,-1-1 0,9 1 0,6 2 0,-6-3 0,-5-2 0,-2-2 0,7 0 0,1 0 0,-4 0 0,-1 0 0,0-1 0,-2-1 0,-10 1 0,3 0 0,5-1 0,8 0 0,1 0 0,-5 0 0,8 0 0,1-1 0,-11 0 0,6 0 0,3-1 0,-4 0 0,-8 0 0,3-2 0,-5-1 0,9 0 0,2 0 0,6 1 0,-2 0 0,-24 1 0,1 0 0,15 1 0,-1 0 0,5-4 0,-11 3 0,2 1 0,2-3 0,0 1 0,4 0 0,-1 1 0,-6-2 0,0 0 0,13-2 0,-2 0 0,1-3 0,4-1 0,-4-1 0,-24 1 0,13-4 0,-12 5 0,5-1 0,2-2 0,17-5 0,-2-2 0,1-1 0,-24 9 0,-1 1 0,7-4 0,1-1 0,-1-1 0,-1 0 0,16-10 0,-21 11 0,0-1 0,15-13 0,0-1 0,-4 4 0,2-1 0,-20 16 0,6-8 0,-9 3 0,2-4 0,-9-8 0,-6-3 0,1 2 0,-2-9 0,0-15 0,-2 19 0,1-19 0,-3 26 0,1 2 0,-2-19 0,2 16 0,-3-12 0,-3 12 0,0 6 0,-3-1 0,-16-5 0,-22-3 0,3 0 0,18 19 0,-2 2 0,-3 4 0,-3 3 0,-13-5 0,-3 1 0,4 2 0,-3-1 0,-3-1 0,-4 0 0,3 0 0,0 3 0,2 0 0,12 0 0,-2 1 0,-4 0 0,2 2 0,-7 1 0,-1 1 0,2 0 0,5 0 0,4 0 0,4 0 0,-5 1 0,-2-1 0,-5 1 0,-3-1 0,0 1 0,1 0 0,2 1 0,-1-1 0,0 1 0,1 0 0,3-1 0,-1 0 0,3 0 0,0 0 0,-1 0 0,-10 1 0,-3 0 0,1 0 0,4-1 0,2 0 0,3-1 0,2 1 0,6 0 0,0 0 0,1 0 0,-13 1 0,0-1 0,-2 1 0,2 1 0,20-1 0,0 1 0,-14 2 0,0 1 0,13-3 0,1 1 0,-6 2 0,3-1 0,-5 2 0,22-4 0,-15 2 0,17-4 0,7-1 0,-3 1 0,10-1 0</inkml:trace>
+  <inkml:trace contextRef="#ctx0" brushRef="#br0" timeOffset="291816">14002 14041 24575,'-1'-7'0,"1"-3"0,0 3 0,0 0 0,0 6 0</inkml:trace>
+  <inkml:trace contextRef="#ctx0" brushRef="#br0" timeOffset="293348">14002 13972 24575,'1'-46'0,"1"0"0,0 1 0,0 11 0,-1 21 0,0 4 0,0 6 0,-2 2 0,1-2 0,-1 0 0,0-3 0,-1-8 0,1 2 0,-1-12 0,1 9 0,-1-3 0,1 0 0,0 4 0,0 2 0,1 4 0,0 7 0,1-4 0,-2 1 0,3 0 0,-2 0 0</inkml:trace>
+  <inkml:trace contextRef="#ctx0" brushRef="#br0" timeOffset="293521">14001 13610 24575,'1'-9'0,"1"2"0</inkml:trace>
+  <inkml:trace contextRef="#ctx0" brushRef="#br0" timeOffset="294449">13980 13345 24575,'0'0'0</inkml:trace>
+  <inkml:trace contextRef="#ctx0" brushRef="#br0" timeOffset="294853">13984 13556 24575,'-2'6'0,"0"-3"0,1-2 0,0-1 0</inkml:trace>
+  <inkml:trace contextRef="#ctx0" brushRef="#br0" timeOffset="296553">13996 13294 24575,'51'-9'0,"-17"3"0,1 3 0,-3 3 0,-13-1 0,9 1 0,-18 0 0,10 1 0,-7 0 0,19 0 0,2 0 0,-7 0 0,14 0 0,-28-1 0,2 0 0,-10-1 0,-4 1 0,0-1 0</inkml:trace>
+  <inkml:trace contextRef="#ctx0" brushRef="#br0" timeOffset="298049">10592 13339 24575,'7'1'0,"-2"0"0,3-1 0,19-2 0,-1 1 0,2-1 0,-5 0 0,-22 1 0,-25 3 0,16-2 0,-21 2 0</inkml:trace>
+  <inkml:trace contextRef="#ctx0" brushRef="#br0" timeOffset="298733">10082 13392 24575,'-1'41'0,"-1"-1"0,0 3 0,4-2 0,-2-41 0,2-2 0</inkml:trace>
+  <inkml:trace contextRef="#ctx0" brushRef="#br0" timeOffset="307996">28869 10136 24575,'-15'24'0,"-1"4"0,5-1 0,0 2 0,1-1 0,1 3 0,-2 21 0,2 10 0,0-7 0,3-15 0,0-1 0,-1 7 0,1 5 0,3-2 0,2 7 0,6-1 0,4-18 0,3 0 0,0 0 0,-3 5 0,-1 0 0,5-2 0,5-4 0,4-2 0,5-5 0,17-2 0,4-6 0,-11-2 0,4-1 0,4-1 0,7-1 0,2-5 0,-11-8 0,3-3 0,-1-2 0,-2 1 0,2 2 0,-3 1 0,1-3 0,10-4 0,0-2 0,-11-2 0,-7-6 0,-2-8 0,5-18 0,-6 4 0,-9 0 0,-3-10 0,-12 4 0,-3-7 0,-2-1 0,-1 4 0,2 7 0,0 4 0,-3-5 0,-1-9 0,0-7 0,-6 0 0,-9 7 0,-14 11 0,-9 4 0,-3 4 0,5 1 0,-3-10 0,-1 1 0,2 10 0,-6-3 0,0 2 0,6 6 0,1 4 0,4 4 0,4 1 0,2 0 0,-20-8 0,29 14 0,14 8 0</inkml:trace>
+  <inkml:trace contextRef="#ctx0" brushRef="#br0" timeOffset="312386">14887 13846 24575,'-1'36'0,"-2"1"0,-2 9 0,0-2 0,3 6 0,-1 0 0,-1-5 0,-2 2 0,2-8 0,3 5 0,1-36 0,0-4 0,0-3 0,0-1 0</inkml:trace>
+  <inkml:trace contextRef="#ctx0" brushRef="#br0" timeOffset="314349">14064 14491 24575,'3'32'0,"0"-8"0,18 9 0,4-12 0,9 7 0,20-10 0,-22-11 0,13-1 0,-18-5 0,18-1 0,-11-1 0,10-2 0,-18-6 0,10-12 0,-7 3 0,1 1 0,0 1 0,-2-1 0,7-2 0,-21 11 0,-5 1 0,-2 3 0,3-3 0,-9 6 0,2 0 0,-4 1 0</inkml:trace>
+  <inkml:trace contextRef="#ctx0" brushRef="#br0" timeOffset="316669">14162 13374 24575,'38'-5'0,"-19"3"0,9-1 0,4 1 0,0 1 0,-2 0 0,16 0 0,-3 1 0,-3 1 0,-16 0 0,25 3 0,-31-3 0,3 0 0,-8 0 0,3-1 0,-7 0 0,6 1 0,-4-1 0,-2 1 0,2-1 0,-2 0 0,2 0 0,17-1 0,-10 1 0,11-1 0,-11 1 0,-7-1 0,4 0 0,-1 0 0,-1-1 0,2 1 0,-6 0 0,-7 0 0,-1 1 0</inkml:trace>
+  <inkml:trace contextRef="#ctx0" brushRef="#br0" timeOffset="319136">14013 13299 24575,'54'-4'0,"-16"0"0,2 3 0,-8 0 0,-1 1 0,0-1 0,1 1 0,0 0 0,5 0 0,-7 0 0,3 0 0,-12 0 0,14 0 0,-9 0 0,17 1 0,-2-1 0,-14 1 0,10-1 0,-26 1 0,-1-1 0,10 1 0,-2-1 0,4 0 0,-5 0 0,-10 1 0,18-1 0,-13 0 0,12 1 0,-17-1 0,3-1 0,-1 0 0,9 0 0,-8 0 0,1 1 0,-4-1 0,3 1 0,-4-1 0,6 1 0,-12-1 0,2 1 0</inkml:trace>
+  <inkml:trace contextRef="#ctx0" brushRef="#br0" timeOffset="320169">14877 13259 24575,'-2'-19'0,"1"-2"0,0 8 0,0 2 0</inkml:trace>
+  <inkml:trace contextRef="#ctx0" brushRef="#br0" timeOffset="320748">14886 12997 24575,'0'-15'0,"0"4"0,0 8 0</inkml:trace>
+  <inkml:trace contextRef="#ctx0" brushRef="#br0" timeOffset="321421">14898 12753 24575,'0'0'0</inkml:trace>
+  <inkml:trace contextRef="#ctx0" brushRef="#br0" timeOffset="322282">14959 12738 24575,'3'2'0,"0"0"0,11-2 0,-1 1 0,15-1 0,-4 0 0,27 0 0,6 1 0,-1-1-137,-18 0 1,6 1 0,-7-1 136,10-1 0,-17-1 0,1 1 0,0 0 0,-1-1 0,14-1 0,-13 2 0,-30 1 0,-1 0 0</inkml:trace>
+  <inkml:trace contextRef="#ctx0" brushRef="#br0" timeOffset="324433">20594 13749 24575,'-2'40'0,"1"-1"0,0-4 0,0 0 0,1 1 0,1 2 0,0 3 0,1 0 0,3-4 0,0-1 0,-1 19 0,3-21 0,-8-34 0</inkml:trace>
+  <inkml:trace contextRef="#ctx0" brushRef="#br0" timeOffset="327702">15410 12751 24575,'35'2'0,"-1"0"0,15 0 0,8-2 0,1 1 0,-9-2 0,1-1 0,1 1 0,0 0-515,2 0 1,-1 0-1,1 1 1,2-1 514,-4 1 0,1-1 0,2 0 0,-2 0 0,-3 1 0,1 0 0,-3 0 0,0 0 0,-1 1 0,0-1 0,0 1 0,-1-1 0,0 0 0,11 1 0,-1-1 0,-2 0 0,-7 0 0,-1-1 0,2 0 0,0 1 0,3 1 0,-1 0 0,-3 0 0,-2-2 0,-4 0 0,4 1 0,6 1 0,3 1 0,2 0 0,1 0-6,-10-2 0,0 0 0,1 0 0,0 0 0,0 0 6,1 1 0,-1 1 0,0-1 0,1 1 0,1 0 0,-1-1 0,2 0 0,1 0 0,-1 0 0,-1 0 0,-2 0-303,7 1 0,-1-1 0,-4 1 0,-3 0 303,-6 0 0,-4 0 0,2 0 0,9-1 0,2-1 0,2 0 0,-5-1 0,2 0 0,1 0 0,-2 0 0,7 1 0,-2 0 0,1-1 233,-7 1 1,1-1-1,-1 0 1,-4 0-234,6 1 0,-1 1 0,-5 0 0,3 1 0,-4-1 0,0 0 0,0 0 169,-3 0 1,2 0-1,1 0-169,18-1 0,-4 0 0,-21 1 0,0 0 0,24-2 0,-3 1 1858,-15 2-1858,-4-2 0,-7-2 0,0 1 0,8-1 0,0 0 0,-14 1 0,8-1 0,1 2 0,-9 0 0,-9 0 0,18 0 0,-19 0 0,-2 0 0,-7 0 0</inkml:trace>
+  <inkml:trace contextRef="#ctx0" brushRef="#br0" timeOffset="337165">2295 4967 24575,'-19'16'0,"-5"8"0,-2 4 0,7-7 0,-1 2 0,-13 15 0,-3 7 0,12-12 0,-1 3 0,0 2 0,0 3 0,-1 2 0,0 3 0,0 2 0,-1 0 0,1 0-652,0-3 0,0-1 0,0 1 1,0 1-1,-1 4 652,6-9 0,-1 1 0,-1 2 0,1 1 0,-1 1 0,1 2 0,0 0 0,0 2 0,2-2 0,0 3 0,0 1 0,0 2 0,1 0 0,-1 0 0,1 0 0,0-1 0,0-1 0,1-2-650,-2 2 1,1-2 0,0-2 0,1 0-1,-1 0 1,1 1 0,0 2 0,-1 1 649,3-4 0,-1 2 0,1 2 0,-1 1 0,0 1 0,0-1 0,1 0 0,0-1 0,1-3 0,2-2 0,0-4-187,-3 15 0,1-7 0,2-2 0,1 2 0,-1 4 187,4-6 0,-1 4 0,1 2 0,0 1 0,0 1 0,0-2 0,1-2 0,0-2-543,-1-1 0,1-2 0,0-2 0,1 0 0,-1 2 0,1 2 543,0 0 0,0 3 0,0 1 0,0 2 0,0-1 0,1-1 0,1-2 0,0-4 0,1 5 0,0-6 0,1-1 0,1 4 0,1 8-144,0-13 0,2 4 1,-1 5-1,1 3 0,1 2 1,0 2-1,0 1 0,0 0 1,0-1-1,0-2 0,0-3 1,1-3-1,-2-5 144,1 8 0,0-6 0,0-2 0,1-2 0,-1 0 0,1 4 0,0 5 243,-1-6 0,-1 4 0,0 3 0,-1 2 0,1 2 0,0 0 0,1 0 0,1-1 0,2-2 0,3-3 0,2-4 0,2-4-243,10 6 0,4-3 0,3-4 0,2-2 0,1-3 0,-3-3 0,-3-1 0,1 4 0,-3-6 0,1 0 0,5 3 24,-1-3 1,3 4 0,3 1 0,2 0 0,-1-1 0,-1-4 0,-2-6-25,15 6 0,-1-7 0,2-3 0,-1-4 0,2-2 0,1-2 0,-2 1 0,-7-2 0,-2 0 0,0-1 0,3-1 941,12 0 1,3-2-1,0 0 1,-8 0-942,6 6 0,-6-1 0,0-3 0,-5-1 6351,0 9-6351,-39-17 21,-3-2 0,-2-1 1,-1-1-1</inkml:trace>
+</inkml:ink>
+</file>
+
+<file path=ppt/ink/ink2.xml><?xml version="1.0" encoding="utf-8"?>
+<inkml:ink xmlns:inkml="http://www.w3.org/2003/InkML">
+  <inkml:definitions>
+    <inkml:context xml:id="ctx0">
+      <inkml:inkSource xml:id="inkSrc0">
+        <inkml:traceFormat>
+          <inkml:channel name="X" type="integer" min="-2.14748E9" max="2.14748E9" units="cm"/>
+          <inkml:channel name="Y" type="integer" min="-2.14748E9" max="2.14748E9" units="cm"/>
+          <inkml:channel name="F" type="integer" max="32767" units="dev"/>
+        </inkml:traceFormat>
+        <inkml:channelProperties>
+          <inkml:channelProperty channel="X" name="resolution" value="1000" units="1/cm"/>
+          <inkml:channelProperty channel="Y" name="resolution" value="1000" units="1/cm"/>
+          <inkml:channelProperty channel="F" name="resolution" value="0" units="1/dev"/>
+        </inkml:channelProperties>
+      </inkml:inkSource>
+      <inkml:timestamp xml:id="ts0" timeString="2021-09-14T14:44:01.029"/>
+    </inkml:context>
+    <inkml:brush xml:id="br0">
+      <inkml:brushProperty name="width" value="0.05292" units="cm"/>
+      <inkml:brushProperty name="height" value="0.05292" units="cm"/>
+      <inkml:brushProperty name="color" value="#FF0000"/>
+    </inkml:brush>
+  </inkml:definitions>
+  <inkml:trace contextRef="#ctx0" brushRef="#br0">14072 13694 24575,'0'0'0</inkml:trace>
+  <inkml:trace contextRef="#ctx0" brushRef="#br0" timeOffset="35156">3674 14609 24575,'56'1'0,"0"0"0,0 1 0,0-1 0,0 0 0,-1 0 0,-5 1 0,8-1 0,-12 1 0,6-1 0,4 1 0,3 0 0,2 1 0,1-1 0,-1 0 0,-3-1-1093,-6 0 1,0 0 0,1 0 0,-1 0-1,0-1 1,0 1 0,0 0 0,-1 0-1,-1 0 880,7 0 0,0 0 0,-2 1 0,0 0 1,0-1-1,1 1 0,1-1 213,-1 0 0,2-1 0,1 1 0,1-1 0,-2 0 0,-1 1 0,-4-1 0,-4 0 555,11 0 0,-7 1 0,-1-1 0,4 0-555,-8 1 0,1-1 0,2 0 0,1 0 0,0 1 0,0-1 0,-3 0 0,1 0 0,0 0 0,1 1 0,-1-1 0,-1 0 0,-1 0-129,11 0 1,-2 1 0,-1-1 0,0 0-1,-2 1 129,-3-1 0,-3 0 0,1 0 0,0 0 0,3 1 0,1 0 0,3 0 0,2 0 0,-2 0 0,-2 1 0,-4-1 0,-1 0 0,-6 1 0,1-1 0,7 1 0,-4-1 0,7 1 0,4 0 0,2 1 0,0-1 0,0 0 0,-3 0 0,-5 0-134,8 0 1,-5 0 0,-1-1-1,0 1 1,4-1 133,-6 0 0,2 1 0,2-1 0,0 0 0,0 0 0,-2-1 0,-2 1 0,-1-1 0,-2-1 0,-1 1 0,-1-1 0,0 0 0,0 0 0,6 0 0,-1-1 0,0 0 0,0 0 0,0 0 0,0 0 0,0-1 0,1 1 0,0 0 0,1 0 0,-6 0 0,1 1 0,0 0 0,1-1 0,0 1 0,-1 0 0,1-1 0,1 0 0,-1-1 0,0 1 0,0 0 0,-2 0 0,2 1 0,-1 0 0,-1 0 0,1 0 0,2-1 0,-1 0 0,2-1 0,1 1 0,0-1 0,-1 1 0,-3 0 0,0 0 0,-3 1 0,0 0 0,0 0 0,1 0 0,8-1 0,3 1 0,-1 0 0,-2-1 0,-5 2 0,6-1 0,-5 1 0,-12 1 0,-6 0 2494,0 0 0,1 0-2494,0-1 294,11 1 1,3 0-295,-13 0 0,-1-1 0,-2 0 0,-1 1 1780,-5-1 0,5 1-1780,8 1 0,13 0 0,8 0 0,0 1 0,-5-1 0,-9 0 0,6 0 0,1 0 212,-6 0 0,11 0 0,6 1 0,-3-1 1,-9 1-1,-17-2-212,-5 0 0,-1 0 0,-6-1 0,32-2 0,0 0 0,-11 0 0,-15 1 0</inkml:trace>
+</inkml:ink>
+</file>
+
+<file path=ppt/ink/ink3.xml><?xml version="1.0" encoding="utf-8"?>
+<inkml:ink xmlns:inkml="http://www.w3.org/2003/InkML">
+  <inkml:definitions>
+    <inkml:context xml:id="ctx0">
+      <inkml:inkSource xml:id="inkSrc0">
+        <inkml:traceFormat>
+          <inkml:channel name="X" type="integer" min="-2.14748E9" max="2.14748E9" units="cm"/>
+          <inkml:channel name="Y" type="integer" min="-2.14748E9" max="2.14748E9" units="cm"/>
+          <inkml:channel name="F" type="integer" max="32767" units="dev"/>
+        </inkml:traceFormat>
+        <inkml:channelProperties>
+          <inkml:channelProperty channel="X" name="resolution" value="1000" units="1/cm"/>
+          <inkml:channelProperty channel="Y" name="resolution" value="1000" units="1/cm"/>
+          <inkml:channelProperty channel="F" name="resolution" value="0" units="1/dev"/>
+        </inkml:channelProperties>
+      </inkml:inkSource>
+      <inkml:timestamp xml:id="ts0" timeString="2021-09-14T14:52:10.217"/>
+    </inkml:context>
+    <inkml:brush xml:id="br0">
+      <inkml:brushProperty name="width" value="0.05292" units="cm"/>
+      <inkml:brushProperty name="height" value="0.05292" units="cm"/>
+      <inkml:brushProperty name="color" value="#FF0000"/>
+    </inkml:brush>
+  </inkml:definitions>
+  <inkml:trace contextRef="#ctx0" brushRef="#br0">21418 6507 24575,'0'0'0</inkml:trace>
+</inkml:ink>
+</file>
+
+<file path=ppt/ink/ink4.xml><?xml version="1.0" encoding="utf-8"?>
+<inkml:ink xmlns:inkml="http://www.w3.org/2003/InkML">
+  <inkml:definitions>
+    <inkml:context xml:id="ctx0">
+      <inkml:inkSource xml:id="inkSrc0">
+        <inkml:traceFormat>
+          <inkml:channel name="X" type="integer" min="-2.14748E9" max="2.14748E9" units="cm"/>
+          <inkml:channel name="Y" type="integer" min="-2.14748E9" max="2.14748E9" units="cm"/>
+          <inkml:channel name="F" type="integer" max="32767" units="dev"/>
+        </inkml:traceFormat>
+        <inkml:channelProperties>
+          <inkml:channelProperty channel="X" name="resolution" value="1000" units="1/cm"/>
+          <inkml:channelProperty channel="Y" name="resolution" value="1000" units="1/cm"/>
+          <inkml:channelProperty channel="F" name="resolution" value="0" units="1/dev"/>
+        </inkml:channelProperties>
+      </inkml:inkSource>
+      <inkml:timestamp xml:id="ts0" timeString="2021-09-14T15:07:49.820"/>
+    </inkml:context>
+    <inkml:brush xml:id="br0">
+      <inkml:brushProperty name="width" value="0.05292" units="cm"/>
+      <inkml:brushProperty name="height" value="0.05292" units="cm"/>
+      <inkml:brushProperty name="color" value="#FF0000"/>
+    </inkml:brush>
+  </inkml:definitions>
+  <inkml:trace contextRef="#ctx0" brushRef="#br0">11603 3537 24575,'49'-3'0,"0"0"0,0 1 0,1-1 0,-1 0 0,0 0 0,-2 1 0,-3 0 0,-1 1 0,5-1 0,0-1 0,5 0 0,3-1 0,-1 1 0,-3 0 0,-5 0 0,9 1 0,-6 0 0,0 1 0,6 0 0,-1 0 0,-1 1 0,-10-2 0,-2 1 0,-1-1 0,0 2 0,-1 0 0,-6-1 0,17-1 0,-3-1 0,4 2 0,-15-1 0,1 2 0,-38 0 0,0-1 0,0 1 0</inkml:trace>
+  <inkml:trace contextRef="#ctx0" brushRef="#br0" timeOffset="18118">12408 7654 24575,'49'-4'0,"-1"1"0,0 0 0,0-1 0,0 1 0,0-1 0,-5 2 0,5 0 0,3 0 0,3 0 0,3 0 0,1 1 0,2-1 0,1 0 0,0 0 0,0 1 0,-1-1 0,-1 0 0,-2 0 0,-2 0 0,-3 0-984,9 0 1,-3-1 0,-1 0 0,-2 1 0,-1-1 0,0 0 0,1 0 0,1 0 0,2 1 0,3-1 883,-8 2 1,2-1 0,4 0-1,2 0 1,1 0 0,1 1-1,0-1 1,-1 0 0,-1 1 0,-3-1-1,-2 1 1,-4 0 0,-4 0-1,-5 0 1,-5 0 1038,27 0 0,-13 1 1,-4 0-940,7-1 0,-5 2 343,-12-1 1,-3 1 0,12-1 0,-34 1 0</inkml:trace>
+  <inkml:trace contextRef="#ctx0" brushRef="#br0" timeOffset="29317">9773 12673 24575,'34'-16'0,"-1"0"0,13 0 0,4-2 0,8 2 0,-12 8 0,2 4 0,0 0 0,-3-1 0,0 1 0,1 0 0,2 0 0,0 0 0,-3 1 0,5-1 0,-3 0 0,-7 3 0,-5 0 0,5-1 0,-6 2 0,-2-1 0,2 2 0,-1 0 0,3 0 0,6 0 0,1 1 0,-1-2 0,0 1 0,-6-1 0,-1 0 0,20-4 0,-22 2 0,3-1 0,-27 2 0,-7 3 0,4 11 0,8-4 0,-2 4 0,7-8 0,17-3 0,4-2 0,14 1 0,-10-1 0,-1 1 0,-4-1 0,-28-1 0,-4 1 0,-7-1 0,0 1 0,0 0 0</inkml:trace>
+  <inkml:trace contextRef="#ctx0" brushRef="#br0" timeOffset="30104">11506 12532 24575,'-3'-10'0,"0"-3"0,1 4 0,1 1 0</inkml:trace>
+  <inkml:trace contextRef="#ctx0" brushRef="#br0" timeOffset="30583">11488 12331 24575,'1'-4'0,"-1"-2"0,1-9 0,0 2 0,-1-10 0,1 8 0,-1 0 0,0 8 0,0 1 0</inkml:trace>
+  <inkml:trace contextRef="#ctx0" brushRef="#br0" timeOffset="30801">11492 12219 24575,'0'-27'0,"0"2"0,0-15 0,0 21 0,0 7 0</inkml:trace>
+  <inkml:trace contextRef="#ctx0" brushRef="#br0" timeOffset="31196">11496 11948 24575,'2'-14'0,"0"-9"0,-1 8 0,0-2 0</inkml:trace>
+  <inkml:trace contextRef="#ctx0" brushRef="#br0" timeOffset="32393">11503 11474 24575,'31'-5'0,"0"0"0,10 1 0,6 1 0,1 1 0,-6 0 0,2 0 0,0 0 0,0 0 0,0 0 0,-1 0 0,1 1 0,-1-1-656,3 0 1,0 0-1,-1-1 1,-6 1 655,5 0 0,-5 0 0,1 1 0,3-1 0,11 1 0,6 0 0,-6 0 0,-9-1 0,1 0 0,4 1 0,5-1 0,-1 0 0,-1-1 0,-1-2 0,-7 2 0,-13 1 0,0 0 278,17-2 0,8 1 0,-15 0-278,-18 3 432,5-1-432,-17 0 0,-8 1 0,-2 0 0,-1 0 0</inkml:trace>
+</inkml:ink>
+</file>
+
+<file path=ppt/ink/ink5.xml><?xml version="1.0" encoding="utf-8"?>
+<inkml:ink xmlns:inkml="http://www.w3.org/2003/InkML">
+  <inkml:definitions>
+    <inkml:context xml:id="ctx0">
+      <inkml:inkSource xml:id="inkSrc0">
+        <inkml:traceFormat>
+          <inkml:channel name="X" type="integer" min="-2.14748E9" max="2.14748E9" units="cm"/>
+          <inkml:channel name="Y" type="integer" min="-2.14748E9" max="2.14748E9" units="cm"/>
+          <inkml:channel name="F" type="integer" max="32767" units="dev"/>
+        </inkml:traceFormat>
+        <inkml:channelProperties>
+          <inkml:channelProperty channel="X" name="resolution" value="1000" units="1/cm"/>
+          <inkml:channelProperty channel="Y" name="resolution" value="1000" units="1/cm"/>
+          <inkml:channelProperty channel="F" name="resolution" value="0" units="1/dev"/>
+        </inkml:channelProperties>
+      </inkml:inkSource>
+      <inkml:timestamp xml:id="ts0" timeString="2021-09-14T15:08:00.871"/>
+    </inkml:context>
+    <inkml:brush xml:id="br0">
+      <inkml:brushProperty name="width" value="0.05292" units="cm"/>
+      <inkml:brushProperty name="height" value="0.05292" units="cm"/>
+      <inkml:brushProperty name="color" value="#FF0000"/>
+    </inkml:brush>
+  </inkml:definitions>
+  <inkml:trace contextRef="#ctx0" brushRef="#br0">3190 7722 24575,'57'0'0,"-1"1"0,1-1 0,0 1 0,0-1 0,0 1 0,0-1 0,0 1 0,1-2 0,-4 0 0,-2-1 0,1 1 0,4 1 0,-9 1 0,3 1 0,2 0 0,1 0 0,0 1 0,-1-1 0,-2 0 0,-2-1-1351,3 0 1,-2-1 0,-2 1 0,0-1 0,-3 0 0,0 0 1350,8 0 0,-2 1 0,-2-1 0,3 0 0,-4 1 0,3-1 0,0 0 0,-3 1 0,-6-1 1131,9-1 0,-3 0-1131,5 2 0,5 0 0,-5-1 0,1 1 0,1 0 0,-2 0 0,4 0 0,-3 0 0,-9 2 0,-2-1 0,0 0 0,1 0 0,1-2 0,0 1 21,3 1 1,1 0 0,-1-1-22,-5 0 0,-1 0 0,-1-1 0,14 0 0,-1 1 0,-16 0 0,1 1 0,-1-1-1028,14-1 0,0 1 1028,-1 2 0,0-1 0,0-1 0,6-1 0,-10-1 0,8 1 0,3-2 0,-1 1 0,-7 1 0,4-1 0,-4 1 0,5-1 0,-9 0 0,6 0 0,2 0 0,1 0 0,-2 0 0,-5 1 0,1 0 0,-3 1 0,-2-1 0,2 1 0,7-1 0,2 0 0,-1 0 0,-1 1 0,-6-1 0,-1 1 0,-1-1 0,0 1 0,11-2 0,-1 1 0,-1 0 0,-3 3 0,0 1 0,-3-1 0,7 1 0,0-1 233,-10 1 0,2 0 0,-7-1-233,14 0 0,-22-5 0,0-1 0,5 0 6613,3-2-6613,-33 3 0,-6 2 0,-1-1 0</inkml:trace>
+  <inkml:trace contextRef="#ctx0" brushRef="#br0" timeOffset="87635">5705 8865 24575,'39'-2'0,"1"1"0,11 0 0,10 0 0,-19 1 0,9-1 0,4 0 0,4 1 0,0-1 0,-2 1 0,-5-1-853,5 1 1,-5-1-1,-1 1 1,4 0 0,7-1 852,-18 1 0,4 0 0,3-1 0,3 1 0,1 0 0,1-1 0,2 1 0,-1 0 0,0-1 0,-2 1 0,-1 0 0,-2-1-663,8 1 0,-2 0 0,0 0 0,-1-1 0,-1 1 0,0 0 0,0 0 0,-1 0 0,1-1 663,-2 1 0,-1 0 0,0 0 0,0 0 0,-1 0 0,1 0 0,0 0 0,0 0 0,1 0 0,1 1 0,2 0 0,0-1 0,-1 1 0,1 0 0,0 0 0,-1 0 0,0 0 0,-2 0-263,3-1 0,0 1 1,0-1-1,-1 1 1,-1-1-1,-1 1 1,-2-1-1,-1 1 263,1 0 0,-3 1 0,-1-1 0,0 0 0,0 1 0,4-2 0,2 1 0,4-1 0,1 0 0,1 0 0,-1 0 0,-3 0 0,-3-1 0,2 1 0,-2 0 0,-3-1 0,-2 1 0,-4-1 126,3 1 0,-5-1 0,3 1 0,23-1 0,2 0 1,-38 1-1,-33 0 0</inkml:trace>
+</inkml:ink>
+</file>
+
+<file path=ppt/ink/ink6.xml><?xml version="1.0" encoding="utf-8"?>
+<inkml:ink xmlns:inkml="http://www.w3.org/2003/InkML">
+  <inkml:definitions>
+    <inkml:context xml:id="ctx0">
+      <inkml:inkSource xml:id="inkSrc0">
+        <inkml:traceFormat>
+          <inkml:channel name="X" type="integer" min="-2.14748E9" max="2.14748E9" units="cm"/>
+          <inkml:channel name="Y" type="integer" min="-2.14748E9" max="2.14748E9" units="cm"/>
+          <inkml:channel name="F" type="integer" max="32767" units="dev"/>
+        </inkml:traceFormat>
+        <inkml:channelProperties>
+          <inkml:channelProperty channel="X" name="resolution" value="1000" units="1/cm"/>
+          <inkml:channelProperty channel="Y" name="resolution" value="1000" units="1/cm"/>
+          <inkml:channelProperty channel="F" name="resolution" value="0" units="1/dev"/>
+        </inkml:channelProperties>
+      </inkml:inkSource>
+      <inkml:timestamp xml:id="ts0" timeString="2021-09-14T15:09:51.356"/>
+    </inkml:context>
+    <inkml:brush xml:id="br0">
+      <inkml:brushProperty name="width" value="0.05292" units="cm"/>
+      <inkml:brushProperty name="height" value="0.05292" units="cm"/>
+      <inkml:brushProperty name="color" value="#FF0000"/>
+    </inkml:brush>
+  </inkml:definitions>
+  <inkml:trace contextRef="#ctx0" brushRef="#br0">8921 3812 24575,'41'0'0,"0"1"0,13 0 0,5 1 0,-3 0 0,-9 0 0,-2 0 0,4 1 0,7-1-586,-15 0 1,4 0 0,3 1 0,3-1-1,2 1 1,3-1 0,2 1 0,1-1 0,1 0-1,2 0 1,0 0 585,-14 0 0,3-1 0,1 0 0,2 0 0,1 0 0,2 0 0,0 0 0,1 0 0,1 0 0,1 0 0,-1-1 0,0 1 0,0 0 0,0 0 0,-1 0 0,-2 0 0,0-1 0,-2 1 0,-1 0 0,-2 0 0,10 1 0,-3-1 0,-2 1 0,-1-1 0,-2 1 0,0-1 0,0 1 0,1 0 0,0-1 0,1 1 0,3-1 0,1 0 0,4 0 0,-14 0 0,3 0 0,3-1 0,1 1 0,3 0 0,1-1 0,1 0 0,2 1 0,-1-1 0,1 1 0,0-1 0,0 0 0,-2 1 0,0-1 0,-2 0 0,-1 0 0,-3 0 0,-2 1 0,-3-1 0,-3 0 0,-3 0 0,-4 0 0,-4 1 0,25-1 0,-12 0 0,-5 1 0,0-1 0,5 0 0,1 0 0,7 1 0,3-1 0,-1 0 0,-6 0 0,-10 1 0,-13-1 470,-3 2 1,-25-2 0,-2 1 0</inkml:trace>
+  <inkml:trace contextRef="#ctx0" brushRef="#br0" timeOffset="7552">15412 14218 24575,'-1'38'0,"0"1"0,0-1 0,1 3 0,0 0 0,-1 3 0,0 3 0,0-4 0,3-7 0,1-7 0,2-11 0,0-1 0,8-7 0,-4-7 0,6-1 0,-3-2 0,6-1 0,-10 1 0,3 0 0</inkml:trace>
+  <inkml:trace contextRef="#ctx0" brushRef="#br0" timeOffset="8367">15249 14454 24575,'-3'-3'0,"39"-9"0,-8 4 0,3 1 0,8-4 0,4 1 0,14-3 0,-3 0 0,-2-2 0,-20 7 0,-6 1 0,-20 3 0</inkml:trace>
+  <inkml:trace contextRef="#ctx0" brushRef="#br0" timeOffset="9548">27574 14146 24575,'-4'29'0,"1"0"0,-2 18 0,3-17 0,1-1 0,0 3 0,1-13 0,0-7 0,1 0 0,0-7 0,-2 0 0,0-5 0,-2 1 0,2 0 0,0-1 0</inkml:trace>
+  <inkml:trace contextRef="#ctx0" brushRef="#br0" timeOffset="11083">27402 14229 24575,'46'-3'0,"1"-1"0,-1 1 0,0-1 0,9 0 0,-3 0 0,-17 1 0,-21 1 0,-13 1 0</inkml:trace>
+</inkml:ink>
+</file>
+
+<file path=ppt/ink/ink7.xml><?xml version="1.0" encoding="utf-8"?>
+<inkml:ink xmlns:inkml="http://www.w3.org/2003/InkML">
+  <inkml:definitions>
+    <inkml:context xml:id="ctx0">
+      <inkml:inkSource xml:id="inkSrc0">
+        <inkml:traceFormat>
+          <inkml:channel name="X" type="integer" min="-2.14748E9" max="2.14748E9" units="cm"/>
+          <inkml:channel name="Y" type="integer" min="-2.14748E9" max="2.14748E9" units="cm"/>
+          <inkml:channel name="F" type="integer" max="32767" units="dev"/>
+        </inkml:traceFormat>
+        <inkml:channelProperties>
+          <inkml:channelProperty channel="X" name="resolution" value="1000" units="1/cm"/>
+          <inkml:channelProperty channel="Y" name="resolution" value="1000" units="1/cm"/>
+          <inkml:channelProperty channel="F" name="resolution" value="0" units="1/dev"/>
+        </inkml:channelProperties>
+      </inkml:inkSource>
+      <inkml:timestamp xml:id="ts0" timeString="2021-09-14T15:11:10.736"/>
+    </inkml:context>
+    <inkml:brush xml:id="br0">
+      <inkml:brushProperty name="width" value="0.05292" units="cm"/>
+      <inkml:brushProperty name="height" value="0.05292" units="cm"/>
+      <inkml:brushProperty name="color" value="#FF0000"/>
+    </inkml:brush>
+  </inkml:definitions>
+  <inkml:trace contextRef="#ctx0" brushRef="#br0">7283 12133 24575,'-3'15'0,"4"-9"0,-1 4 0,4-10 0,18-18 0,-6 3 0,11-18 0,-14 14 0,-5 2 0,-7 12 0,-21-2 0,9 6 0,-16-2 0,-5 13 0,15-2 0,-20 13 0,17 2 0,4 5 0,3-8 0,9-5 0,4-12 0,28-2 0,-10 0 0,20-3 0,-3-7 0,-21 5 0,8-5 0,-21 8 0,-3 0 0,1-1 0,-1 1 0,0 0 0</inkml:trace>
+  <inkml:trace contextRef="#ctx0" brushRef="#br0" timeOffset="47517">2335 18267 24575,'0'0'0</inkml:trace>
+  <inkml:trace contextRef="#ctx0" brushRef="#br0" timeOffset="106934">7828 14532 24575,'-4'49'0,"1"-13"0,3-5 0,-1-1 0,1-2 0,1 3 0,-3-19 0,0 8 0,0-10 0,0 11 0,1-17 0,1 3 0,0 1 0,0 8 0,0-6 0,1 2 0,-1-12 0</inkml:trace>
+  <inkml:trace contextRef="#ctx0" brushRef="#br0" timeOffset="108300">8379 14600 24575,'-8'45'0,"4"-17"0,-1 22 0,5-32 0,1 13 0,0-12 0,-1-4 0,1-5 0,0-8 0,0-9 0</inkml:trace>
+  <inkml:trace contextRef="#ctx0" brushRef="#br0" timeOffset="109996">8906 14578 24575,'-2'36'0,"0"1"0,-1 12 0,3-24 0,0-18 0,1 2 0,0-4 0,1 9 0,-2-11 0,1 4 0,-1-7 0</inkml:trace>
+  <inkml:trace contextRef="#ctx0" brushRef="#br0" timeOffset="111466">9389 14546 24575,'-2'29'0,"-1"0"0,-1 24 0,3-21 0,1-1 0,0-9 0,-1-3 0,0-8 0,1-2 0,-1 3 0,1-7 0,-1-2 0,4-7 0,-3 2 0,4-5 0</inkml:trace>
+  <inkml:trace contextRef="#ctx0" brushRef="#br0" timeOffset="112803">9999 14552 24575,'-1'34'0,"0"14"0,1 0 0,-1 0 0,2-35 0,-1-4 0,0-2 0,0-6 0,3 1 0,5-4 0,-3-1 0,3 3 0</inkml:trace>
+  <inkml:trace contextRef="#ctx0" brushRef="#br0" timeOffset="114517">10684 14582 24575,'10'54'0,"0"1"0,-2-14 0,0-3 0,0 6 0,-2-11 0,-3-19 0,-2-7 0,0-6 0,-1-13 0,-1 8 0,1-7 0</inkml:trace>
+  <inkml:trace contextRef="#ctx0" brushRef="#br0" timeOffset="116134">11320 14555 24575,'-3'39'0,"2"-4"0,-2 16 0,3-16 0,0-9 0,-1-9 0,1-4 0,-1-8 0,1-5 0,-1 0 0</inkml:trace>
+  <inkml:trace contextRef="#ctx0" brushRef="#br0" timeOffset="117416">11921 14602 24575,'-2'49'0,"1"-1"0,-1-14 0,1 0 0,2 3 0,-1-2 0,3 0 0,-1-17 0,-2-7 0,1-14 0,0-2 0</inkml:trace>
+  <inkml:trace contextRef="#ctx0" brushRef="#br0" timeOffset="118788">12515 14579 24575,'-2'11'0,"1"11"0,0 5 0,0 13 0,1 13 0,1-1 0,-1-8 0,1-17 0,0-21 0,-1-4 0,0-1 0</inkml:trace>
+  <inkml:trace contextRef="#ctx0" brushRef="#br0" timeOffset="138526">13231 14626 24575,'-20'1'0,"4"4"0,-6 2 0,-18 30 0,16-10 0,-11 16 0,23 3 0,11-13 0,2 12 0,28-23 0,7-5 0,7-2 0,-2-7 0,8-2 0,-4-4 0,-7-6 0,-1-2 0,8 2 0,-2-3 0,-13-6 0,-7-4 0,-1-31 0,-4 10 0,-17-1 0,-9-2 0,-12 12 0,-3 2 0,5-5 0,-2 1 0,-15-1 0,-6 4 0,1 7 0,1 3 0,12 3 0,1 2 0,-8-1 0,0 5 0,-17 10 0,3 6 0,-5-2 0,21 4 0,24-6 0,4-1 0,1-1 0,1-1 0</inkml:trace>
+</inkml:ink>
+</file>
+
+<file path=ppt/ink/ink8.xml><?xml version="1.0" encoding="utf-8"?>
+<inkml:ink xmlns:inkml="http://www.w3.org/2003/InkML">
+  <inkml:definitions>
+    <inkml:context xml:id="ctx0">
+      <inkml:inkSource xml:id="inkSrc0">
+        <inkml:traceFormat>
+          <inkml:channel name="X" type="integer" min="-2.14748E9" max="2.14748E9" units="cm"/>
+          <inkml:channel name="Y" type="integer" min="-2.14748E9" max="2.14748E9" units="cm"/>
+          <inkml:channel name="F" type="integer" max="32767" units="dev"/>
+        </inkml:traceFormat>
+        <inkml:channelProperties>
+          <inkml:channelProperty channel="X" name="resolution" value="1000" units="1/cm"/>
+          <inkml:channelProperty channel="Y" name="resolution" value="1000" units="1/cm"/>
+          <inkml:channelProperty channel="F" name="resolution" value="0" units="1/dev"/>
+        </inkml:channelProperties>
+      </inkml:inkSource>
+      <inkml:timestamp xml:id="ts0" timeString="2021-09-14T15:19:46.456"/>
+    </inkml:context>
+    <inkml:brush xml:id="br0">
+      <inkml:brushProperty name="width" value="0.05292" units="cm"/>
+      <inkml:brushProperty name="height" value="0.05292" units="cm"/>
+      <inkml:brushProperty name="color" value="#FF0000"/>
+    </inkml:brush>
+  </inkml:definitions>
+  <inkml:trace contextRef="#ctx0" brushRef="#br0">2677 9549 24575,'39'-4'0,"8"1"0,-11 0 0,1 1 0,14 1 0,-21 0 0,-1 1 0,11 0 0,-11 1 0,-3 0 0,-21 0 0,-2-1 0,14 1 0,1-1 0,0 0 0,-2 0 0,-15 0 0,0 0 0,0 0 0</inkml:trace>
+  <inkml:trace contextRef="#ctx0" brushRef="#br0" timeOffset="1194">3048 9421 24575,'13'30'0,"1"-5"0,6-1 0,20 6 0,-15-13 0,20 10 0,-30-20 0,1 1 0,-14-6 0,-6 2 0,-7 2 0,-5 3 0,-5 3 0,-6 3 0,-3 2 0,-2 1 0,5-3 0,10-4 0,6-5 0,9-5 0,2-1 0</inkml:trace>
+  <inkml:trace contextRef="#ctx0" brushRef="#br0" timeOffset="9129">2847 10683 24575,'50'-2'0,"-18"2"0,5-1 0,4 0 0,6-1 0,-5 0 0,-6 2 0,-1-1 0,22-1 0,-12-1 0,-37 3 0,2 0 0,2 0 0,5 0 0,6-1 0,-8 0 0,-1-1 0,-10 2 0</inkml:trace>
+  <inkml:trace contextRef="#ctx0" brushRef="#br0" timeOffset="10217">3189 10478 24575,'12'20'0,"-1"-3"0,9-2 0,7-2 0,3 0 0,0 1 0,3 0 0,12 4 0,3-1 0,-4-2 0,-3-1 0,11 3 0,-7-2 0,-38-12 0,-10 4 0,-26 21 0,7-4 0,-17 11 0,-6 0 0,26-20 0,-13 8 0,28-21 0,4-2 0,-1 0 0</inkml:trace>
+  <inkml:trace contextRef="#ctx0" brushRef="#br0" timeOffset="34062">2767 11716 24575,'53'-3'0,"0"1"0,-1 0 0,2 0 0,-1 0 0,-7 0 0,-12 2 0,-5 0 0,3 1 0,-6-1 0,-15 0 0,-2-3 0,-8 2 0,1-2 0</inkml:trace>
+  <inkml:trace contextRef="#ctx0" brushRef="#br0" timeOffset="35195">3002 11496 24575,'5'3'0,"19"13"0,-14-10 0,34 22 0,-9-15 0,0 6 0,2-7 0,-1 5 0,-2 0 0,-1 0 0,-20 4 0,-28 3 0,-9 2 0,6-3 0,-1-1 0,-8 9 0,0-1 0,-9 7 0,16-19 0,7-5 0,5-6 0,7-7 0,1 1 0,-1-1 0</inkml:trace>
+</inkml:ink>
+</file>
+
+<file path=ppt/ink/ink9.xml><?xml version="1.0" encoding="utf-8"?>
+<inkml:ink xmlns:inkml="http://www.w3.org/2003/InkML">
+  <inkml:definitions>
+    <inkml:context xml:id="ctx0">
+      <inkml:inkSource xml:id="inkSrc0">
+        <inkml:traceFormat>
+          <inkml:channel name="X" type="integer" min="-2.14748E9" max="2.14748E9" units="cm"/>
+          <inkml:channel name="Y" type="integer" min="-2.14748E9" max="2.14748E9" units="cm"/>
+          <inkml:channel name="F" type="integer" max="32767" units="dev"/>
+        </inkml:traceFormat>
+        <inkml:channelProperties>
+          <inkml:channelProperty channel="X" name="resolution" value="1000" units="1/cm"/>
+          <inkml:channelProperty channel="Y" name="resolution" value="1000" units="1/cm"/>
+          <inkml:channelProperty channel="F" name="resolution" value="0" units="1/dev"/>
+        </inkml:channelProperties>
+      </inkml:inkSource>
+      <inkml:timestamp xml:id="ts0" timeString="2021-09-14T15:21:32.501"/>
+    </inkml:context>
+    <inkml:brush xml:id="br0">
+      <inkml:brushProperty name="width" value="0.05292" units="cm"/>
+      <inkml:brushProperty name="height" value="0.05292" units="cm"/>
+      <inkml:brushProperty name="color" value="#FF0000"/>
+    </inkml:brush>
+  </inkml:definitions>
+  <inkml:trace contextRef="#ctx0" brushRef="#br0">1244 9205 24575,'48'-1'0,"-10"0"0,10 0 0,2 0 0,-4 0 0,-6-1 0,-3 2 0,4-1 0,11-1 0,7 1 0,-1 0 0,-10 0 0,-7 0 0,-7 0 0,18 1 0,-18 0 0,-20 2 0,8 0 0,-6-1 0,1 1 0,6-4 0,-16 2 0,13-1 0</inkml:trace>
+  <inkml:trace contextRef="#ctx0" brushRef="#br0" timeOffset="1372">1961 9072 24575,'-12'-3'0,"7"3"0,0 0 0,46 24 0,-12-8 0,0 0 0,0-1 0,3 2 0,3 1 0,-14-7 0,-3-2 0,-27-1 0,-31 13 0,-12 4 0,14-7 0,-2 2-404,-4 1 0,-4 3 0,4-2 404,3-1 0,3 0 0,4 0 0,4-1 0,-2 2 0,9-3 0,21-20 0,1 1 0,-1-1 0</inkml:trace>
+  <inkml:trace contextRef="#ctx0" brushRef="#br0" timeOffset="2788">3834 9623 24575,'43'-2'0,"1"1"0,-1 0 0,0 0 0,2 0 0,-1 0 0,0 0 0,-1-1 0,1 0 0,-1-1 0,3 0 0,2 1 0,3 0 0,1 1 0,-1 0 0,-6 0 0,1 0 0,-2 0 0,-1 0 0,10 0 0,-2 0 0,-4 0 0,4 1 0,-12 1 0,-21-2 0,-10 1 0,15-5 0,-18 4 0,10-4 0,-14 5 0</inkml:trace>
+  <inkml:trace contextRef="#ctx0" brushRef="#br0" timeOffset="3720">4076 9714 24575,'29'-1'0,"0"-1"0,17 1 0,4 1 0,-4-1 0,0 2 0,9-1 0,3 0 0,-8 0 0,2 0 0,-1 0 0,-5 0 0,-1 0 0,1 0 0,-2 0 0,1 0 0,-4 0 0,5 0 0,-10 0 0,-21 0 0,-14 0 0</inkml:trace>
+  <inkml:trace contextRef="#ctx0" brushRef="#br0" timeOffset="109100">5976 11438 24575,'55'-4'0,"1"0"0,-1 0 0,1 0 0,0 0 0,-4 1 0,2 0 0,1 1 0,-1 0 0,-2 0 0,-4 1 0,5 2 0,-4 1 0,-2 0 0,0-1 0,-2 1 0,-2-1 0,1 0 0,2 1 0,10-1 0,4 1 0,-3-1 0,-10 0 0,-8-2 0,-4 1 0,21 1 0,-1-1 0,-18-3 0,-5 1 0,1 1 0,9-3 0,-42 4 0,-1 0 0</inkml:trace>
+  <inkml:trace contextRef="#ctx0" brushRef="#br0" timeOffset="137700">3511 9783 24575,'2'-4'0,"3"-2"0,3 0 0,31 0 0,12 1 0,-19 2 0,5 0 0,4 1 0,8-1 0,4 0 0,-1 1 0,2 0 0,2 0 0,0 0 0,-3 0 0,-8 0 0,-2 1 0,1-1 0,3 1 0,7-1 0,6 1 0,1 0 0,-4 0 0,-10 0 0,3 0 0,-4 0 0,-2 1 0,4 0 0,-7-1 0,-8 0 0,-5 0 0,22-1 0,-1 1 0,-20 2 0,4-1 0,23 0 0,-1 0 0,-3 2 0,-12 0 0,-15 0 0,-55 0 0,-6 2 0,-8 1 0,-3-3 0,-6-1 0,3 0 0,11 1 0,1 0 0,-2 0-413,-15-1 1,-5 0-1,8 0 413,9-1 0,3 1 0,-3-1 0,-3-1 0,4 1 0,4-1 0,1 0-44,-20 1 0,4-2 44,6-1 0,-1 1 0,-3-1 0,16 1 0,0 1 0,-9-1 0,2 0 0,-6 0 0,13 2 0,0 0 0,-14-3 616,8 3 0,-1-1-616,-3-3 23,23 3 1,1 0-1,21 1 1</inkml:trace>
+  <inkml:trace contextRef="#ctx0" brushRef="#br0" timeOffset="151252">20889 1891 24575,'0'0'0</inkml:trace>
+</inkml:ink>
+</file>
+
 <file path=ppt/notesMasters/notesMaster1.xml><?xml version="1.0" encoding="utf-8"?>
 <p:notesMaster xmlns:a="http://schemas.openxmlformats.org/drawingml/2006/main" xmlns:r="http://schemas.openxmlformats.org/officeDocument/2006/relationships" xmlns:p="http://schemas.openxmlformats.org/presentationml/2006/main">
   <p:cSld>
@@ -213,7 +604,7 @@
           <a:p>
             <a:fld id="{4319935E-32BD-6A46-87DB-62C9086CB3BC}" type="datetimeFigureOut">
               <a:rPr lang="en-US" smtClean="0"/>
-              <a:t>8/17/21</a:t>
+              <a:t>9/14/21</a:t>
             </a:fld>
             <a:endParaRPr lang="en-US"/>
           </a:p>
@@ -1038,7 +1429,7 @@
                 </a:solidFill>
               </a:rPr>
               <a:pPr eaLnBrk="1" hangingPunct="1"/>
-              <a:t>7</a:t>
+              <a:t>8</a:t>
             </a:fld>
             <a:endParaRPr lang="en-GB" sz="1200">
               <a:solidFill>
@@ -1447,7 +1838,7 @@
                 </a:solidFill>
               </a:rPr>
               <a:pPr eaLnBrk="1" hangingPunct="1"/>
-              <a:t>12</a:t>
+              <a:t>13</a:t>
             </a:fld>
             <a:endParaRPr lang="en-GB" sz="1200">
               <a:solidFill>
@@ -1856,7 +2247,7 @@
                 </a:solidFill>
               </a:rPr>
               <a:pPr eaLnBrk="1" hangingPunct="1"/>
-              <a:t>13</a:t>
+              <a:t>14</a:t>
             </a:fld>
             <a:endParaRPr lang="en-GB" sz="1200">
               <a:solidFill>
@@ -2265,7 +2656,7 @@
                 </a:solidFill>
               </a:rPr>
               <a:pPr eaLnBrk="1" hangingPunct="1"/>
-              <a:t>15</a:t>
+              <a:t>16</a:t>
             </a:fld>
             <a:endParaRPr lang="en-GB" sz="1200">
               <a:solidFill>
@@ -2674,7 +3065,7 @@
                 </a:solidFill>
               </a:rPr>
               <a:pPr eaLnBrk="1" hangingPunct="1"/>
-              <a:t>16</a:t>
+              <a:t>17</a:t>
             </a:fld>
             <a:endParaRPr lang="en-GB" sz="1200">
               <a:solidFill>
@@ -6095,7 +6486,7 @@
     <p:sldLayoutId id="2147483658" r:id="rId10"/>
     <p:sldLayoutId id="2147483659" r:id="rId11"/>
   </p:sldLayoutIdLst>
-  <p:hf sldNum="0" hdr="0" dt="0"/>
+  <p:hf hdr="0" dt="0"/>
   <p:txStyles>
     <p:titleStyle>
       <a:lvl1pPr algn="l" defTabSz="914400" rtl="0" eaLnBrk="1" latinLnBrk="0" hangingPunct="1">
@@ -6516,6 +6907,230 @@
       </p:grpSpPr>
       <p:sp>
         <p:nvSpPr>
+          <p:cNvPr id="17410" name="Title 1"/>
+          <p:cNvSpPr>
+            <a:spLocks noGrp="1"/>
+          </p:cNvSpPr>
+          <p:nvPr>
+            <p:ph type="title"/>
+          </p:nvPr>
+        </p:nvSpPr>
+        <p:spPr/>
+        <p:txBody>
+          <a:bodyPr/>
+          <a:lstStyle/>
+          <a:p>
+            <a:pPr eaLnBrk="1" hangingPunct="1"/>
+            <a:r>
+              <a:rPr lang="en-US" dirty="0">
+                <a:cs typeface="Arial" charset="0"/>
+              </a:rPr>
+              <a:t>States</a:t>
+            </a:r>
+          </a:p>
+        </p:txBody>
+      </p:sp>
+      <p:sp>
+        <p:nvSpPr>
+          <p:cNvPr id="17411" name="Content Placeholder 2"/>
+          <p:cNvSpPr>
+            <a:spLocks noGrp="1"/>
+          </p:cNvSpPr>
+          <p:nvPr>
+            <p:ph idx="1"/>
+          </p:nvPr>
+        </p:nvSpPr>
+        <p:spPr/>
+        <p:txBody>
+          <a:bodyPr/>
+          <a:lstStyle/>
+          <a:p>
+            <a:pPr eaLnBrk="1" hangingPunct="1"/>
+            <a:r>
+              <a:rPr lang="en-US">
+                <a:latin typeface="Arial" charset="0"/>
+                <a:cs typeface="Arial" charset="0"/>
+              </a:rPr>
+              <a:t>Variables that describe snapshot of system</a:t>
+            </a:r>
+          </a:p>
+          <a:p>
+            <a:pPr eaLnBrk="1" hangingPunct="1"/>
+            <a:r>
+              <a:rPr lang="en-US">
+                <a:latin typeface="Arial" charset="0"/>
+                <a:cs typeface="Arial" charset="0"/>
+              </a:rPr>
+              <a:t>State trajectory</a:t>
+            </a:r>
+          </a:p>
+          <a:p>
+            <a:pPr lvl="1" eaLnBrk="1" hangingPunct="1"/>
+            <a:r>
+              <a:rPr lang="en-US">
+                <a:latin typeface="Arial" charset="0"/>
+                <a:cs typeface="Arial" charset="0"/>
+              </a:rPr>
+              <a:t>Graph of state over time</a:t>
+            </a:r>
+          </a:p>
+          <a:p>
+            <a:pPr eaLnBrk="1" hangingPunct="1"/>
+            <a:r>
+              <a:rPr lang="en-US">
+                <a:latin typeface="Arial" charset="0"/>
+                <a:cs typeface="Arial" charset="0"/>
+              </a:rPr>
+              <a:t>DES States change instantaneously</a:t>
+            </a:r>
+          </a:p>
+          <a:p>
+            <a:pPr lvl="1" eaLnBrk="1" hangingPunct="1"/>
+            <a:r>
+              <a:rPr lang="en-US">
+                <a:latin typeface="Arial" charset="0"/>
+                <a:cs typeface="Arial" charset="0"/>
+              </a:rPr>
+              <a:t>State trajectories must be piecewise constant</a:t>
+            </a:r>
+          </a:p>
+        </p:txBody>
+      </p:sp>
+      <p:sp>
+        <p:nvSpPr>
+          <p:cNvPr id="5" name="Footer Placeholder 4">
+            <a:extLst>
+              <a:ext uri="{FF2B5EF4-FFF2-40B4-BE49-F238E27FC236}">
+                <a16:creationId xmlns:a16="http://schemas.microsoft.com/office/drawing/2014/main" id="{AE706A32-EFFF-4241-A6F7-CF68379DD977}"/>
+              </a:ext>
+            </a:extLst>
+          </p:cNvPr>
+          <p:cNvSpPr>
+            <a:spLocks noGrp="1"/>
+          </p:cNvSpPr>
+          <p:nvPr>
+            <p:ph type="ftr" sz="quarter" idx="11"/>
+          </p:nvPr>
+        </p:nvSpPr>
+        <p:spPr/>
+        <p:txBody>
+          <a:bodyPr/>
+          <a:lstStyle/>
+          <a:p>
+            <a:r>
+              <a:rPr lang="en-US"/>
+              <a:t>DES Short Course - Session 1</a:t>
+            </a:r>
+          </a:p>
+        </p:txBody>
+      </p:sp>
+      <p:sp>
+        <p:nvSpPr>
+          <p:cNvPr id="2" name="Slide Number Placeholder 1">
+            <a:extLst>
+              <a:ext uri="{FF2B5EF4-FFF2-40B4-BE49-F238E27FC236}">
+                <a16:creationId xmlns:a16="http://schemas.microsoft.com/office/drawing/2014/main" id="{6D4B522C-9EF4-574C-ABEF-C4E071FADEF4}"/>
+              </a:ext>
+            </a:extLst>
+          </p:cNvPr>
+          <p:cNvSpPr>
+            <a:spLocks noGrp="1"/>
+          </p:cNvSpPr>
+          <p:nvPr>
+            <p:ph type="sldNum" sz="quarter" idx="12"/>
+          </p:nvPr>
+        </p:nvSpPr>
+        <p:spPr/>
+        <p:txBody>
+          <a:bodyPr/>
+          <a:lstStyle/>
+          <a:p>
+            <a:fld id="{7B5F8CF4-080C-6448-A4C0-B6A3C5CD13C0}" type="slidenum">
+              <a:rPr lang="en-US" smtClean="0"/>
+              <a:t>10</a:t>
+            </a:fld>
+            <a:endParaRPr lang="en-US"/>
+          </a:p>
+        </p:txBody>
+      </p:sp>
+      <mc:AlternateContent xmlns:mc="http://schemas.openxmlformats.org/markup-compatibility/2006">
+        <mc:Choice xmlns:p14="http://schemas.microsoft.com/office/powerpoint/2010/main" Requires="p14">
+          <p:contentPart p14:bwMode="auto" r:id="rId2">
+            <p14:nvContentPartPr>
+              <p14:cNvPr id="3" name="Ink 2">
+                <a:extLst>
+                  <a:ext uri="{FF2B5EF4-FFF2-40B4-BE49-F238E27FC236}">
+                    <a16:creationId xmlns:a16="http://schemas.microsoft.com/office/drawing/2014/main" id="{ED111606-CB2B-6246-9DDA-1575FBADD9E5}"/>
+                  </a:ext>
+                </a:extLst>
+              </p14:cNvPr>
+              <p14:cNvContentPartPr/>
+              <p14:nvPr/>
+            </p14:nvContentPartPr>
+            <p14:xfrm>
+              <a:off x="1148400" y="2779560"/>
+              <a:ext cx="2586240" cy="413280"/>
+            </p14:xfrm>
+          </p:contentPart>
+        </mc:Choice>
+        <mc:Fallback>
+          <p:pic>
+            <p:nvPicPr>
+              <p:cNvPr id="3" name="Ink 2">
+                <a:extLst>
+                  <a:ext uri="{FF2B5EF4-FFF2-40B4-BE49-F238E27FC236}">
+                    <a16:creationId xmlns:a16="http://schemas.microsoft.com/office/drawing/2014/main" id="{ED111606-CB2B-6246-9DDA-1575FBADD9E5}"/>
+                  </a:ext>
+                </a:extLst>
+              </p:cNvPr>
+              <p:cNvPicPr/>
+              <p:nvPr/>
+            </p:nvPicPr>
+            <p:blipFill>
+              <a:blip r:embed="rId3"/>
+              <a:stretch>
+                <a:fillRect/>
+              </a:stretch>
+            </p:blipFill>
+            <p:spPr>
+              <a:xfrm>
+                <a:off x="1139040" y="2770200"/>
+                <a:ext cx="2604960" cy="432000"/>
+              </a:xfrm>
+              <a:prstGeom prst="rect">
+                <a:avLst/>
+              </a:prstGeom>
+            </p:spPr>
+          </p:pic>
+        </mc:Fallback>
+      </mc:AlternateContent>
+    </p:spTree>
+  </p:cSld>
+  <p:clrMapOvr>
+    <a:masterClrMapping/>
+  </p:clrMapOvr>
+</p:sld>
+</file>
+
+<file path=ppt/slides/slide11.xml><?xml version="1.0" encoding="utf-8"?>
+<p:sld xmlns:a="http://schemas.openxmlformats.org/drawingml/2006/main" xmlns:r="http://schemas.openxmlformats.org/officeDocument/2006/relationships" xmlns:p="http://schemas.openxmlformats.org/presentationml/2006/main">
+  <p:cSld>
+    <p:spTree>
+      <p:nvGrpSpPr>
+        <p:cNvPr id="1" name=""/>
+        <p:cNvGrpSpPr/>
+        <p:nvPr/>
+      </p:nvGrpSpPr>
+      <p:grpSpPr>
+        <a:xfrm>
+          <a:off x="0" y="0"/>
+          <a:ext cx="0" cy="0"/>
+          <a:chOff x="0" y="0"/>
+          <a:chExt cx="0" cy="0"/>
+        </a:xfrm>
+      </p:grpSpPr>
+      <p:sp>
+        <p:nvSpPr>
           <p:cNvPr id="19458" name="Title 1"/>
           <p:cNvSpPr>
             <a:spLocks noGrp="1"/>
@@ -6622,6 +7237,86 @@
           </a:p>
         </p:txBody>
       </p:sp>
+      <p:sp>
+        <p:nvSpPr>
+          <p:cNvPr id="2" name="Slide Number Placeholder 1">
+            <a:extLst>
+              <a:ext uri="{FF2B5EF4-FFF2-40B4-BE49-F238E27FC236}">
+                <a16:creationId xmlns:a16="http://schemas.microsoft.com/office/drawing/2014/main" id="{6FF78113-9BC4-8245-9371-8A5927ACFEBA}"/>
+              </a:ext>
+            </a:extLst>
+          </p:cNvPr>
+          <p:cNvSpPr>
+            <a:spLocks noGrp="1"/>
+          </p:cNvSpPr>
+          <p:nvPr>
+            <p:ph type="sldNum" sz="quarter" idx="12"/>
+          </p:nvPr>
+        </p:nvSpPr>
+        <p:spPr/>
+        <p:txBody>
+          <a:bodyPr/>
+          <a:lstStyle/>
+          <a:p>
+            <a:fld id="{7B5F8CF4-080C-6448-A4C0-B6A3C5CD13C0}" type="slidenum">
+              <a:rPr lang="en-US" smtClean="0"/>
+              <a:t>11</a:t>
+            </a:fld>
+            <a:endParaRPr lang="en-US"/>
+          </a:p>
+        </p:txBody>
+      </p:sp>
+      <mc:AlternateContent xmlns:mc="http://schemas.openxmlformats.org/markup-compatibility/2006">
+        <mc:Choice xmlns:p14="http://schemas.microsoft.com/office/powerpoint/2010/main" Requires="p14">
+          <p:contentPart p14:bwMode="auto" r:id="rId3">
+            <p14:nvContentPartPr>
+              <p14:cNvPr id="3" name="Ink 2">
+                <a:extLst>
+                  <a:ext uri="{FF2B5EF4-FFF2-40B4-BE49-F238E27FC236}">
+                    <a16:creationId xmlns:a16="http://schemas.microsoft.com/office/drawing/2014/main" id="{4A2F8945-1521-4548-960C-F4754387BEF4}"/>
+                  </a:ext>
+                </a:extLst>
+              </p14:cNvPr>
+              <p14:cNvContentPartPr/>
+              <p14:nvPr/>
+            </p14:nvContentPartPr>
+            <p14:xfrm>
+              <a:off x="3211560" y="1372320"/>
+              <a:ext cx="6776640" cy="3907080"/>
+            </p14:xfrm>
+          </p:contentPart>
+        </mc:Choice>
+        <mc:Fallback>
+          <p:pic>
+            <p:nvPicPr>
+              <p:cNvPr id="3" name="Ink 2">
+                <a:extLst>
+                  <a:ext uri="{FF2B5EF4-FFF2-40B4-BE49-F238E27FC236}">
+                    <a16:creationId xmlns:a16="http://schemas.microsoft.com/office/drawing/2014/main" id="{4A2F8945-1521-4548-960C-F4754387BEF4}"/>
+                  </a:ext>
+                </a:extLst>
+              </p:cNvPr>
+              <p:cNvPicPr/>
+              <p:nvPr/>
+            </p:nvPicPr>
+            <p:blipFill>
+              <a:blip r:embed="rId4"/>
+              <a:stretch>
+                <a:fillRect/>
+              </a:stretch>
+            </p:blipFill>
+            <p:spPr>
+              <a:xfrm>
+                <a:off x="3202200" y="1362960"/>
+                <a:ext cx="6795360" cy="3925800"/>
+              </a:xfrm>
+              <a:prstGeom prst="rect">
+                <a:avLst/>
+              </a:prstGeom>
+            </p:spPr>
+          </p:pic>
+        </mc:Fallback>
+      </mc:AlternateContent>
     </p:spTree>
   </p:cSld>
   <p:clrMapOvr>
@@ -6630,7 +7325,7 @@
 </p:sld>
 </file>
 
-<file path=ppt/slides/slide11.xml><?xml version="1.0" encoding="utf-8"?>
+<file path=ppt/slides/slide12.xml><?xml version="1.0" encoding="utf-8"?>
 <p:sld xmlns:a="http://schemas.openxmlformats.org/drawingml/2006/main" xmlns:r="http://schemas.openxmlformats.org/officeDocument/2006/relationships" xmlns:p="http://schemas.openxmlformats.org/presentationml/2006/main">
   <p:cSld>
     <p:spTree>
@@ -7108,6 +7803,86 @@
           </a:effectLst>
         </p:spPr>
       </p:cxnSp>
+      <p:sp>
+        <p:nvSpPr>
+          <p:cNvPr id="2" name="Slide Number Placeholder 1">
+            <a:extLst>
+              <a:ext uri="{FF2B5EF4-FFF2-40B4-BE49-F238E27FC236}">
+                <a16:creationId xmlns:a16="http://schemas.microsoft.com/office/drawing/2014/main" id="{EB6A9385-8031-5640-BA48-3ADB3F467B82}"/>
+              </a:ext>
+            </a:extLst>
+          </p:cNvPr>
+          <p:cNvSpPr>
+            <a:spLocks noGrp="1"/>
+          </p:cNvSpPr>
+          <p:nvPr>
+            <p:ph type="sldNum" sz="quarter" idx="12"/>
+          </p:nvPr>
+        </p:nvSpPr>
+        <p:spPr/>
+        <p:txBody>
+          <a:bodyPr/>
+          <a:lstStyle/>
+          <a:p>
+            <a:fld id="{7B5F8CF4-080C-6448-A4C0-B6A3C5CD13C0}" type="slidenum">
+              <a:rPr lang="en-US" smtClean="0"/>
+              <a:t>12</a:t>
+            </a:fld>
+            <a:endParaRPr lang="en-US"/>
+          </a:p>
+        </p:txBody>
+      </p:sp>
+      <mc:AlternateContent xmlns:mc="http://schemas.openxmlformats.org/markup-compatibility/2006">
+        <mc:Choice xmlns:p14="http://schemas.microsoft.com/office/powerpoint/2010/main" Requires="p14">
+          <p:contentPart p14:bwMode="auto" r:id="rId3">
+            <p14:nvContentPartPr>
+              <p14:cNvPr id="3" name="Ink 2">
+                <a:extLst>
+                  <a:ext uri="{FF2B5EF4-FFF2-40B4-BE49-F238E27FC236}">
+                    <a16:creationId xmlns:a16="http://schemas.microsoft.com/office/drawing/2014/main" id="{7876BB87-E66F-A24F-8B18-E260277B44A4}"/>
+                  </a:ext>
+                </a:extLst>
+              </p14:cNvPr>
+              <p14:cNvContentPartPr/>
+              <p14:nvPr/>
+            </p14:nvContentPartPr>
+            <p14:xfrm>
+              <a:off x="840600" y="4336560"/>
+              <a:ext cx="4042080" cy="2239920"/>
+            </p14:xfrm>
+          </p:contentPart>
+        </mc:Choice>
+        <mc:Fallback>
+          <p:pic>
+            <p:nvPicPr>
+              <p:cNvPr id="3" name="Ink 2">
+                <a:extLst>
+                  <a:ext uri="{FF2B5EF4-FFF2-40B4-BE49-F238E27FC236}">
+                    <a16:creationId xmlns:a16="http://schemas.microsoft.com/office/drawing/2014/main" id="{7876BB87-E66F-A24F-8B18-E260277B44A4}"/>
+                  </a:ext>
+                </a:extLst>
+              </p:cNvPr>
+              <p:cNvPicPr/>
+              <p:nvPr/>
+            </p:nvPicPr>
+            <p:blipFill>
+              <a:blip r:embed="rId4"/>
+              <a:stretch>
+                <a:fillRect/>
+              </a:stretch>
+            </p:blipFill>
+            <p:spPr>
+              <a:xfrm>
+                <a:off x="831240" y="4327200"/>
+                <a:ext cx="4060800" cy="2258640"/>
+              </a:xfrm>
+              <a:prstGeom prst="rect">
+                <a:avLst/>
+              </a:prstGeom>
+            </p:spPr>
+          </p:pic>
+        </mc:Fallback>
+      </mc:AlternateContent>
     </p:spTree>
   </p:cSld>
   <p:clrMapOvr>
@@ -7605,276 +8380,6 @@
 </p:sld>
 </file>
 
-<file path=ppt/slides/slide12.xml><?xml version="1.0" encoding="utf-8"?>
-<p:sld xmlns:a="http://schemas.openxmlformats.org/drawingml/2006/main" xmlns:r="http://schemas.openxmlformats.org/officeDocument/2006/relationships" xmlns:p="http://schemas.openxmlformats.org/presentationml/2006/main">
-  <p:cSld>
-    <p:spTree>
-      <p:nvGrpSpPr>
-        <p:cNvPr id="1" name=""/>
-        <p:cNvGrpSpPr/>
-        <p:nvPr/>
-      </p:nvGrpSpPr>
-      <p:grpSpPr>
-        <a:xfrm>
-          <a:off x="0" y="0"/>
-          <a:ext cx="0" cy="0"/>
-          <a:chOff x="0" y="0"/>
-          <a:chExt cx="0" cy="0"/>
-        </a:xfrm>
-      </p:grpSpPr>
-      <p:sp>
-        <p:nvSpPr>
-          <p:cNvPr id="18437" name="Rectangle 1"/>
-          <p:cNvSpPr>
-            <a:spLocks noGrp="1" noChangeArrowheads="1"/>
-          </p:cNvSpPr>
-          <p:nvPr>
-            <p:ph type="title"/>
-          </p:nvPr>
-        </p:nvSpPr>
-        <p:spPr>
-          <a:xfrm>
-            <a:off x="2732036" y="723207"/>
-            <a:ext cx="7336303" cy="609398"/>
-          </a:xfrm>
-        </p:spPr>
-        <p:txBody>
-          <a:bodyPr vert="horz" lIns="0" tIns="0" rIns="0" bIns="0" rtlCol="0" anchor="ctr">
-            <a:spAutoFit/>
-          </a:bodyPr>
-          <a:lstStyle/>
-          <a:p>
-            <a:pPr>
-              <a:tabLst>
-                <a:tab pos="0" algn="l"/>
-                <a:tab pos="914400" algn="l"/>
-                <a:tab pos="1828800" algn="l"/>
-                <a:tab pos="2743200" algn="l"/>
-                <a:tab pos="3657600" algn="l"/>
-                <a:tab pos="4572000" algn="l"/>
-                <a:tab pos="5486400" algn="l"/>
-                <a:tab pos="6400800" algn="l"/>
-                <a:tab pos="7315200" algn="l"/>
-                <a:tab pos="8229600" algn="l"/>
-                <a:tab pos="9144000" algn="l"/>
-                <a:tab pos="10058400" algn="l"/>
-              </a:tabLst>
-            </a:pPr>
-            <a:r>
-              <a:rPr lang="en-GB" dirty="0">
-                <a:cs typeface="Arial" charset="0"/>
-              </a:rPr>
-              <a:t>Events</a:t>
-            </a:r>
-          </a:p>
-        </p:txBody>
-      </p:sp>
-      <p:sp>
-        <p:nvSpPr>
-          <p:cNvPr id="18438" name="Rectangle 2"/>
-          <p:cNvSpPr>
-            <a:spLocks noGrp="1" noChangeArrowheads="1"/>
-          </p:cNvSpPr>
-          <p:nvPr>
-            <p:ph idx="1"/>
-          </p:nvPr>
-        </p:nvSpPr>
-        <p:spPr/>
-        <p:txBody>
-          <a:bodyPr vert="horz" lIns="0" tIns="0" rIns="0" bIns="0" rtlCol="0">
-            <a:spAutoFit/>
-          </a:bodyPr>
-          <a:lstStyle/>
-          <a:p>
-            <a:pPr>
-              <a:tabLst>
-                <a:tab pos="911225" algn="l"/>
-                <a:tab pos="1825625" algn="l"/>
-                <a:tab pos="2740025" algn="l"/>
-                <a:tab pos="3654425" algn="l"/>
-                <a:tab pos="4568825" algn="l"/>
-                <a:tab pos="5483225" algn="l"/>
-                <a:tab pos="6397625" algn="l"/>
-                <a:tab pos="7312025" algn="l"/>
-                <a:tab pos="8226425" algn="l"/>
-                <a:tab pos="9140825" algn="l"/>
-                <a:tab pos="10055225" algn="l"/>
-              </a:tabLst>
-            </a:pPr>
-            <a:r>
-              <a:rPr lang="en-GB" dirty="0">
-                <a:latin typeface="Arial" charset="0"/>
-                <a:cs typeface="Arial" charset="0"/>
-              </a:rPr>
-              <a:t>Event = </a:t>
-            </a:r>
-            <a:r>
-              <a:rPr lang="ja-JP" altLang="en-GB">
-                <a:latin typeface="Arial" charset="0"/>
-                <a:cs typeface="Arial" charset="0"/>
-              </a:rPr>
-              <a:t>“</a:t>
-            </a:r>
-            <a:r>
-              <a:rPr lang="en-GB" dirty="0">
-                <a:latin typeface="Arial" charset="0"/>
-                <a:cs typeface="Arial" charset="0"/>
-              </a:rPr>
-              <a:t>Interesting</a:t>
-            </a:r>
-            <a:r>
-              <a:rPr lang="ja-JP" altLang="en-GB">
-                <a:latin typeface="Arial" charset="0"/>
-                <a:cs typeface="Arial" charset="0"/>
-              </a:rPr>
-              <a:t>”</a:t>
-            </a:r>
-            <a:r>
-              <a:rPr lang="en-GB" dirty="0">
-                <a:latin typeface="Arial" charset="0"/>
-                <a:cs typeface="Arial" charset="0"/>
-              </a:rPr>
-              <a:t> occurrence</a:t>
-            </a:r>
-          </a:p>
-          <a:p>
-            <a:pPr>
-              <a:tabLst>
-                <a:tab pos="911225" algn="l"/>
-                <a:tab pos="1825625" algn="l"/>
-                <a:tab pos="2740025" algn="l"/>
-                <a:tab pos="3654425" algn="l"/>
-                <a:tab pos="4568825" algn="l"/>
-                <a:tab pos="5483225" algn="l"/>
-                <a:tab pos="6397625" algn="l"/>
-                <a:tab pos="7312025" algn="l"/>
-                <a:tab pos="8226425" algn="l"/>
-                <a:tab pos="9140825" algn="l"/>
-                <a:tab pos="10055225" algn="l"/>
-              </a:tabLst>
-            </a:pPr>
-            <a:r>
-              <a:rPr lang="en-GB" dirty="0">
-                <a:latin typeface="Arial" charset="0"/>
-                <a:cs typeface="Arial" charset="0"/>
-              </a:rPr>
-              <a:t>Between events, nothing happens in model</a:t>
-            </a:r>
-          </a:p>
-          <a:p>
-            <a:pPr>
-              <a:tabLst>
-                <a:tab pos="911225" algn="l"/>
-                <a:tab pos="1825625" algn="l"/>
-                <a:tab pos="2740025" algn="l"/>
-                <a:tab pos="3654425" algn="l"/>
-                <a:tab pos="4568825" algn="l"/>
-                <a:tab pos="5483225" algn="l"/>
-                <a:tab pos="6397625" algn="l"/>
-                <a:tab pos="7312025" algn="l"/>
-                <a:tab pos="8226425" algn="l"/>
-                <a:tab pos="9140825" algn="l"/>
-                <a:tab pos="10055225" algn="l"/>
-              </a:tabLst>
-            </a:pPr>
-            <a:r>
-              <a:rPr lang="en-GB" dirty="0">
-                <a:latin typeface="Arial" charset="0"/>
-                <a:cs typeface="Arial" charset="0"/>
-              </a:rPr>
-              <a:t>Events may schedule other events</a:t>
-            </a:r>
-          </a:p>
-          <a:p>
-            <a:pPr>
-              <a:tabLst>
-                <a:tab pos="911225" algn="l"/>
-                <a:tab pos="1825625" algn="l"/>
-                <a:tab pos="2740025" algn="l"/>
-                <a:tab pos="3654425" algn="l"/>
-                <a:tab pos="4568825" algn="l"/>
-                <a:tab pos="5483225" algn="l"/>
-                <a:tab pos="6397625" algn="l"/>
-                <a:tab pos="7312025" algn="l"/>
-                <a:tab pos="8226425" algn="l"/>
-                <a:tab pos="9140825" algn="l"/>
-                <a:tab pos="10055225" algn="l"/>
-              </a:tabLst>
-            </a:pPr>
-            <a:r>
-              <a:rPr lang="en-GB" dirty="0">
-                <a:latin typeface="Arial" charset="0"/>
-                <a:cs typeface="Arial" charset="0"/>
-              </a:rPr>
-              <a:t>Order of events' occurrence not necessarily same as order scheduled</a:t>
-            </a:r>
-          </a:p>
-        </p:txBody>
-      </p:sp>
-      <p:sp>
-        <p:nvSpPr>
-          <p:cNvPr id="5" name="Footer Placeholder 4">
-            <a:extLst>
-              <a:ext uri="{FF2B5EF4-FFF2-40B4-BE49-F238E27FC236}">
-                <a16:creationId xmlns:a16="http://schemas.microsoft.com/office/drawing/2014/main" id="{E26E3F30-89BB-6E49-9A99-F8C2DEAE3639}"/>
-              </a:ext>
-            </a:extLst>
-          </p:cNvPr>
-          <p:cNvSpPr>
-            <a:spLocks noGrp="1"/>
-          </p:cNvSpPr>
-          <p:nvPr>
-            <p:ph type="ftr" sz="quarter" idx="11"/>
-          </p:nvPr>
-        </p:nvSpPr>
-        <p:spPr/>
-        <p:txBody>
-          <a:bodyPr/>
-          <a:lstStyle/>
-          <a:p>
-            <a:r>
-              <a:rPr lang="en-US"/>
-              <a:t>DES Short Course - Session 1</a:t>
-            </a:r>
-          </a:p>
-        </p:txBody>
-      </p:sp>
-    </p:spTree>
-  </p:cSld>
-  <p:clrMapOvr>
-    <a:masterClrMapping/>
-  </p:clrMapOvr>
-  <p:transition spd="med"/>
-  <p:timing>
-    <p:tnLst>
-      <p:par>
-        <p:cTn id="1" dur="indefinite" restart="never" nodeType="tmRoot">
-          <p:childTnLst>
-            <p:seq concurrent="1" nextAc="seek">
-              <p:cTn id="2" dur="0" nodeType="mainSeq"/>
-              <p:prevCondLst>
-                <p:cond evt="onPrev" delay="0">
-                  <p:tgtEl>
-                    <p:sldTgt/>
-                  </p:tgtEl>
-                </p:cond>
-              </p:prevCondLst>
-              <p:nextCondLst>
-                <p:cond evt="onNext" delay="0">
-                  <p:tgtEl>
-                    <p:sldTgt/>
-                  </p:tgtEl>
-                </p:cond>
-              </p:nextCondLst>
-            </p:seq>
-          </p:childTnLst>
-        </p:cTn>
-      </p:par>
-    </p:tnLst>
-  </p:timing>
-</p:sld>
-</file>
-
 <file path=ppt/slides/slide13.xml><?xml version="1.0" encoding="utf-8"?>
 <p:sld xmlns:a="http://schemas.openxmlformats.org/drawingml/2006/main" xmlns:r="http://schemas.openxmlformats.org/officeDocument/2006/relationships" xmlns:p="http://schemas.openxmlformats.org/presentationml/2006/main">
   <p:cSld>
@@ -7894,7 +8399,7 @@
       </p:grpSpPr>
       <p:sp>
         <p:nvSpPr>
-          <p:cNvPr id="20485" name="Rectangle 1"/>
+          <p:cNvPr id="18437" name="Rectangle 1"/>
           <p:cNvSpPr>
             <a:spLocks noGrp="1" noChangeArrowheads="1"/>
           </p:cNvSpPr>
@@ -7934,14 +8439,14 @@
               <a:rPr lang="en-GB" dirty="0">
                 <a:cs typeface="Arial" charset="0"/>
               </a:rPr>
-              <a:t>Event List</a:t>
-            </a:r>
-          </a:p>
-        </p:txBody>
-      </p:sp>
-      <p:sp>
-        <p:nvSpPr>
-          <p:cNvPr id="20486" name="Rectangle 2"/>
+              <a:t>Events</a:t>
+            </a:r>
+          </a:p>
+        </p:txBody>
+      </p:sp>
+      <p:sp>
+        <p:nvSpPr>
+          <p:cNvPr id="18438" name="Rectangle 2"/>
           <p:cNvSpPr>
             <a:spLocks noGrp="1" noChangeArrowheads="1"/>
           </p:cNvSpPr>
@@ -7972,11 +8477,39 @@
               </a:tabLst>
             </a:pPr>
             <a:r>
-              <a:rPr lang="en-GB">
+              <a:rPr lang="en-GB" dirty="0">
                 <a:latin typeface="Arial" charset="0"/>
                 <a:cs typeface="Arial" charset="0"/>
               </a:rPr>
-              <a:t>Keeps pending events in list</a:t>
+              <a:t>Event = </a:t>
+            </a:r>
+            <a:r>
+              <a:rPr lang="ja-JP" altLang="en-GB">
+                <a:latin typeface="Arial" charset="0"/>
+                <a:cs typeface="Arial" charset="0"/>
+              </a:rPr>
+              <a:t>“</a:t>
+            </a:r>
+            <a:r>
+              <a:rPr lang="en-GB" dirty="0">
+                <a:latin typeface="Arial" charset="0"/>
+                <a:cs typeface="Arial" charset="0"/>
+              </a:rPr>
+              <a:t>Interesting</a:t>
+            </a:r>
+            <a:r>
+              <a:rPr lang="ja-JP" altLang="en-GB">
+                <a:latin typeface="Arial" charset="0"/>
+                <a:cs typeface="Arial" charset="0"/>
+              </a:rPr>
+              <a:t>”</a:t>
+            </a:r>
+            <a:r>
+              <a:rPr lang="en-GB" dirty="0">
+                <a:latin typeface="Arial" charset="0"/>
+                <a:cs typeface="Arial" charset="0"/>
+              </a:rPr>
+              <a:t> occurrence</a:t>
             </a:r>
           </a:p>
           <a:p>
@@ -7996,11 +8529,11 @@
               </a:tabLst>
             </a:pPr>
             <a:r>
-              <a:rPr lang="en-GB">
+              <a:rPr lang="en-GB" dirty="0">
                 <a:latin typeface="Arial" charset="0"/>
                 <a:cs typeface="Arial" charset="0"/>
               </a:rPr>
-              <a:t>Inserts events in order when scheduled</a:t>
+              <a:t>Between events, nothing happens in model</a:t>
             </a:r>
           </a:p>
           <a:p>
@@ -8020,15 +8553,15 @@
               </a:tabLst>
             </a:pPr>
             <a:r>
-              <a:rPr lang="en-GB">
+              <a:rPr lang="en-GB" dirty="0">
                 <a:latin typeface="Arial" charset="0"/>
                 <a:cs typeface="Arial" charset="0"/>
               </a:rPr>
-              <a:t>Advances time:</a:t>
-            </a:r>
-          </a:p>
-          <a:p>
-            <a:pPr lvl="1">
+              <a:t>Events may schedule other events</a:t>
+            </a:r>
+          </a:p>
+          <a:p>
+            <a:pPr>
               <a:tabLst>
                 <a:tab pos="911225" algn="l"/>
                 <a:tab pos="1825625" algn="l"/>
@@ -8044,59 +8577,11 @@
               </a:tabLst>
             </a:pPr>
             <a:r>
-              <a:rPr lang="en-GB">
+              <a:rPr lang="en-GB" dirty="0">
                 <a:latin typeface="Arial" charset="0"/>
                 <a:cs typeface="Arial" charset="0"/>
               </a:rPr>
-              <a:t>Advance time to next scheduled event</a:t>
-            </a:r>
-          </a:p>
-          <a:p>
-            <a:pPr lvl="1">
-              <a:tabLst>
-                <a:tab pos="911225" algn="l"/>
-                <a:tab pos="1825625" algn="l"/>
-                <a:tab pos="2740025" algn="l"/>
-                <a:tab pos="3654425" algn="l"/>
-                <a:tab pos="4568825" algn="l"/>
-                <a:tab pos="5483225" algn="l"/>
-                <a:tab pos="6397625" algn="l"/>
-                <a:tab pos="7312025" algn="l"/>
-                <a:tab pos="8226425" algn="l"/>
-                <a:tab pos="9140825" algn="l"/>
-                <a:tab pos="10055225" algn="l"/>
-              </a:tabLst>
-            </a:pPr>
-            <a:r>
-              <a:rPr lang="en-GB">
-                <a:latin typeface="Arial" charset="0"/>
-                <a:cs typeface="Arial" charset="0"/>
-              </a:rPr>
-              <a:t>Remove event and process</a:t>
-            </a:r>
-          </a:p>
-          <a:p>
-            <a:pPr lvl="1">
-              <a:tabLst>
-                <a:tab pos="911225" algn="l"/>
-                <a:tab pos="1825625" algn="l"/>
-                <a:tab pos="2740025" algn="l"/>
-                <a:tab pos="3654425" algn="l"/>
-                <a:tab pos="4568825" algn="l"/>
-                <a:tab pos="5483225" algn="l"/>
-                <a:tab pos="6397625" algn="l"/>
-                <a:tab pos="7312025" algn="l"/>
-                <a:tab pos="8226425" algn="l"/>
-                <a:tab pos="9140825" algn="l"/>
-                <a:tab pos="10055225" algn="l"/>
-              </a:tabLst>
-            </a:pPr>
-            <a:r>
-              <a:rPr lang="en-GB">
-                <a:latin typeface="Arial" charset="0"/>
-                <a:cs typeface="Arial" charset="0"/>
-              </a:rPr>
-              <a:t>Repeat while Event List not empty</a:t>
+              <a:t>Order of events' occurrence not necessarily same as order scheduled</a:t>
             </a:r>
           </a:p>
         </p:txBody>
@@ -8106,7 +8591,7 @@
           <p:cNvPr id="5" name="Footer Placeholder 4">
             <a:extLst>
               <a:ext uri="{FF2B5EF4-FFF2-40B4-BE49-F238E27FC236}">
-                <a16:creationId xmlns:a16="http://schemas.microsoft.com/office/drawing/2014/main" id="{629A83DA-1D41-EC44-AD2B-AAFE924314A2}"/>
+                <a16:creationId xmlns:a16="http://schemas.microsoft.com/office/drawing/2014/main" id="{E26E3F30-89BB-6E49-9A99-F8C2DEAE3639}"/>
               </a:ext>
             </a:extLst>
           </p:cNvPr>
@@ -8126,6 +8611,35 @@
               <a:rPr lang="en-US"/>
               <a:t>DES Short Course - Session 1</a:t>
             </a:r>
+          </a:p>
+        </p:txBody>
+      </p:sp>
+      <p:sp>
+        <p:nvSpPr>
+          <p:cNvPr id="2" name="Slide Number Placeholder 1">
+            <a:extLst>
+              <a:ext uri="{FF2B5EF4-FFF2-40B4-BE49-F238E27FC236}">
+                <a16:creationId xmlns:a16="http://schemas.microsoft.com/office/drawing/2014/main" id="{38B4381F-AE28-B54F-9A37-F520175B38F0}"/>
+              </a:ext>
+            </a:extLst>
+          </p:cNvPr>
+          <p:cNvSpPr>
+            <a:spLocks noGrp="1"/>
+          </p:cNvSpPr>
+          <p:nvPr>
+            <p:ph type="sldNum" sz="quarter" idx="12"/>
+          </p:nvPr>
+        </p:nvSpPr>
+        <p:spPr/>
+        <p:txBody>
+          <a:bodyPr/>
+          <a:lstStyle/>
+          <a:p>
+            <a:fld id="{7B5F8CF4-080C-6448-A4C0-B6A3C5CD13C0}" type="slidenum">
+              <a:rPr lang="en-US" smtClean="0"/>
+              <a:t>13</a:t>
+            </a:fld>
+            <a:endParaRPr lang="en-US"/>
           </a:p>
         </p:txBody>
       </p:sp>
@@ -8184,171 +8698,7 @@
       </p:grpSpPr>
       <p:sp>
         <p:nvSpPr>
-          <p:cNvPr id="22533" name="Rectangle 2"/>
-          <p:cNvSpPr>
-            <a:spLocks noGrp="1" noChangeArrowheads="1"/>
-          </p:cNvSpPr>
-          <p:nvPr>
-            <p:ph type="title"/>
-          </p:nvPr>
-        </p:nvSpPr>
-        <p:spPr/>
-        <p:txBody>
-          <a:bodyPr/>
-          <a:lstStyle/>
-          <a:p>
-            <a:pPr eaLnBrk="1" hangingPunct="1"/>
-            <a:r>
-              <a:rPr lang="en-US" dirty="0">
-                <a:cs typeface="Arial" charset="0"/>
-              </a:rPr>
-              <a:t>Starting Up</a:t>
-            </a:r>
-          </a:p>
-        </p:txBody>
-      </p:sp>
-      <p:sp>
-        <p:nvSpPr>
-          <p:cNvPr id="22534" name="Rectangle 3"/>
-          <p:cNvSpPr>
-            <a:spLocks noGrp="1" noChangeArrowheads="1"/>
-          </p:cNvSpPr>
-          <p:nvPr>
-            <p:ph type="body" idx="1"/>
-          </p:nvPr>
-        </p:nvSpPr>
-        <p:spPr/>
-        <p:txBody>
-          <a:bodyPr/>
-          <a:lstStyle/>
-          <a:p>
-            <a:pPr eaLnBrk="1" hangingPunct="1">
-              <a:lnSpc>
-                <a:spcPct val="109000"/>
-              </a:lnSpc>
-            </a:pPr>
-            <a:r>
-              <a:rPr lang="en-US" dirty="0">
-                <a:latin typeface="Arial" charset="0"/>
-                <a:cs typeface="Arial" charset="0"/>
-              </a:rPr>
-              <a:t>Initially Event List is empty</a:t>
-            </a:r>
-          </a:p>
-          <a:p>
-            <a:pPr eaLnBrk="1" hangingPunct="1">
-              <a:lnSpc>
-                <a:spcPct val="109000"/>
-              </a:lnSpc>
-            </a:pPr>
-            <a:r>
-              <a:rPr lang="en-US" dirty="0">
-                <a:latin typeface="Arial" charset="0"/>
-                <a:cs typeface="Arial" charset="0"/>
-              </a:rPr>
-              <a:t>Need at least one initial event</a:t>
-            </a:r>
-          </a:p>
-          <a:p>
-            <a:pPr eaLnBrk="1" hangingPunct="1">
-              <a:lnSpc>
-                <a:spcPct val="109000"/>
-              </a:lnSpc>
-            </a:pPr>
-            <a:r>
-              <a:rPr lang="en-US" dirty="0">
-                <a:latin typeface="Arial" charset="0"/>
-                <a:cs typeface="Arial" charset="0"/>
-              </a:rPr>
-              <a:t>“Run” event always scheduled to occur at time 0.0</a:t>
-            </a:r>
-          </a:p>
-          <a:p>
-            <a:pPr eaLnBrk="1" hangingPunct="1">
-              <a:lnSpc>
-                <a:spcPct val="109000"/>
-              </a:lnSpc>
-            </a:pPr>
-            <a:r>
-              <a:rPr lang="en-US" dirty="0">
-                <a:latin typeface="Arial" charset="0"/>
-                <a:cs typeface="Arial" charset="0"/>
-              </a:rPr>
-              <a:t>Like “main” method – starting point for  Event List</a:t>
-            </a:r>
-          </a:p>
-          <a:p>
-            <a:pPr eaLnBrk="1" hangingPunct="1">
-              <a:lnSpc>
-                <a:spcPct val="109000"/>
-              </a:lnSpc>
-            </a:pPr>
-            <a:r>
-              <a:rPr lang="en-US" dirty="0">
-                <a:latin typeface="Arial" charset="0"/>
-                <a:cs typeface="Arial" charset="0"/>
-              </a:rPr>
-              <a:t>Processed like any other Event</a:t>
-            </a:r>
-          </a:p>
-        </p:txBody>
-      </p:sp>
-      <p:sp>
-        <p:nvSpPr>
-          <p:cNvPr id="5" name="Footer Placeholder 4">
-            <a:extLst>
-              <a:ext uri="{FF2B5EF4-FFF2-40B4-BE49-F238E27FC236}">
-                <a16:creationId xmlns:a16="http://schemas.microsoft.com/office/drawing/2014/main" id="{601E86D5-275B-9B48-A481-439BC3C736D2}"/>
-              </a:ext>
-            </a:extLst>
-          </p:cNvPr>
-          <p:cNvSpPr>
-            <a:spLocks noGrp="1"/>
-          </p:cNvSpPr>
-          <p:nvPr>
-            <p:ph type="ftr" sz="quarter" idx="11"/>
-          </p:nvPr>
-        </p:nvSpPr>
-        <p:spPr/>
-        <p:txBody>
-          <a:bodyPr/>
-          <a:lstStyle/>
-          <a:p>
-            <a:r>
-              <a:rPr lang="en-US"/>
-              <a:t>DES Short Course - Session 1</a:t>
-            </a:r>
-          </a:p>
-        </p:txBody>
-      </p:sp>
-    </p:spTree>
-  </p:cSld>
-  <p:clrMapOvr>
-    <a:masterClrMapping/>
-  </p:clrMapOvr>
-</p:sld>
-</file>
-
-<file path=ppt/slides/slide15.xml><?xml version="1.0" encoding="utf-8"?>
-<p:sld xmlns:a="http://schemas.openxmlformats.org/drawingml/2006/main" xmlns:r="http://schemas.openxmlformats.org/officeDocument/2006/relationships" xmlns:p="http://schemas.openxmlformats.org/presentationml/2006/main">
-  <p:cSld>
-    <p:spTree>
-      <p:nvGrpSpPr>
-        <p:cNvPr id="1" name=""/>
-        <p:cNvGrpSpPr/>
-        <p:nvPr/>
-      </p:nvGrpSpPr>
-      <p:grpSpPr>
-        <a:xfrm>
-          <a:off x="0" y="0"/>
-          <a:ext cx="0" cy="0"/>
-          <a:chOff x="0" y="0"/>
-          <a:chExt cx="0" cy="0"/>
-        </a:xfrm>
-      </p:grpSpPr>
-      <p:sp>
-        <p:nvSpPr>
-          <p:cNvPr id="23557" name="Rectangle 1"/>
+          <p:cNvPr id="20485" name="Rectangle 1"/>
           <p:cNvSpPr>
             <a:spLocks noGrp="1" noChangeArrowheads="1"/>
           </p:cNvSpPr>
@@ -8388,14 +8738,14 @@
               <a:rPr lang="en-GB" dirty="0">
                 <a:cs typeface="Arial" charset="0"/>
               </a:rPr>
-              <a:t>Structure of DES Model</a:t>
-            </a:r>
-          </a:p>
-        </p:txBody>
-      </p:sp>
-      <p:sp>
-        <p:nvSpPr>
-          <p:cNvPr id="23558" name="Rectangle 2"/>
+              <a:t>Event List</a:t>
+            </a:r>
+          </a:p>
+        </p:txBody>
+      </p:sp>
+      <p:sp>
+        <p:nvSpPr>
+          <p:cNvPr id="20486" name="Rectangle 2"/>
           <p:cNvSpPr>
             <a:spLocks noGrp="1" noChangeArrowheads="1"/>
           </p:cNvSpPr>
@@ -8426,11 +8776,59 @@
               </a:tabLst>
             </a:pPr>
             <a:r>
-              <a:rPr lang="en-GB" dirty="0">
+              <a:rPr lang="en-GB">
                 <a:latin typeface="Arial" charset="0"/>
                 <a:cs typeface="Arial" charset="0"/>
               </a:rPr>
-              <a:t>Parameters</a:t>
+              <a:t>Keeps pending events in list</a:t>
+            </a:r>
+          </a:p>
+          <a:p>
+            <a:pPr>
+              <a:tabLst>
+                <a:tab pos="911225" algn="l"/>
+                <a:tab pos="1825625" algn="l"/>
+                <a:tab pos="2740025" algn="l"/>
+                <a:tab pos="3654425" algn="l"/>
+                <a:tab pos="4568825" algn="l"/>
+                <a:tab pos="5483225" algn="l"/>
+                <a:tab pos="6397625" algn="l"/>
+                <a:tab pos="7312025" algn="l"/>
+                <a:tab pos="8226425" algn="l"/>
+                <a:tab pos="9140825" algn="l"/>
+                <a:tab pos="10055225" algn="l"/>
+              </a:tabLst>
+            </a:pPr>
+            <a:r>
+              <a:rPr lang="en-GB">
+                <a:latin typeface="Arial" charset="0"/>
+                <a:cs typeface="Arial" charset="0"/>
+              </a:rPr>
+              <a:t>Inserts events in order when scheduled</a:t>
+            </a:r>
+          </a:p>
+          <a:p>
+            <a:pPr>
+              <a:tabLst>
+                <a:tab pos="911225" algn="l"/>
+                <a:tab pos="1825625" algn="l"/>
+                <a:tab pos="2740025" algn="l"/>
+                <a:tab pos="3654425" algn="l"/>
+                <a:tab pos="4568825" algn="l"/>
+                <a:tab pos="5483225" algn="l"/>
+                <a:tab pos="6397625" algn="l"/>
+                <a:tab pos="7312025" algn="l"/>
+                <a:tab pos="8226425" algn="l"/>
+                <a:tab pos="9140825" algn="l"/>
+                <a:tab pos="10055225" algn="l"/>
+              </a:tabLst>
+            </a:pPr>
+            <a:r>
+              <a:rPr lang="en-GB">
+                <a:latin typeface="Arial" charset="0"/>
+                <a:cs typeface="Arial" charset="0"/>
+              </a:rPr>
+              <a:t>Advances time:</a:t>
             </a:r>
           </a:p>
           <a:p>
@@ -8450,35 +8848,11 @@
               </a:tabLst>
             </a:pPr>
             <a:r>
-              <a:rPr lang="en-GB" dirty="0">
+              <a:rPr lang="en-GB">
                 <a:latin typeface="Arial" charset="0"/>
                 <a:cs typeface="Arial" charset="0"/>
               </a:rPr>
-              <a:t>Don’t “change” during a single run</a:t>
-            </a:r>
-          </a:p>
-          <a:p>
-            <a:pPr>
-              <a:tabLst>
-                <a:tab pos="911225" algn="l"/>
-                <a:tab pos="1825625" algn="l"/>
-                <a:tab pos="2740025" algn="l"/>
-                <a:tab pos="3654425" algn="l"/>
-                <a:tab pos="4568825" algn="l"/>
-                <a:tab pos="5483225" algn="l"/>
-                <a:tab pos="6397625" algn="l"/>
-                <a:tab pos="7312025" algn="l"/>
-                <a:tab pos="8226425" algn="l"/>
-                <a:tab pos="9140825" algn="l"/>
-                <a:tab pos="10055225" algn="l"/>
-              </a:tabLst>
-            </a:pPr>
-            <a:r>
-              <a:rPr lang="en-GB" dirty="0">
-                <a:latin typeface="Arial" charset="0"/>
-                <a:cs typeface="Arial" charset="0"/>
-              </a:rPr>
-              <a:t>State Variables</a:t>
+              <a:t>Advance time to next scheduled event</a:t>
             </a:r>
           </a:p>
           <a:p>
@@ -8498,35 +8872,11 @@
               </a:tabLst>
             </a:pPr>
             <a:r>
-              <a:rPr lang="en-GB" dirty="0">
+              <a:rPr lang="en-GB">
                 <a:latin typeface="Arial" charset="0"/>
                 <a:cs typeface="Arial" charset="0"/>
               </a:rPr>
-              <a:t>Typically do change during a single run</a:t>
-            </a:r>
-          </a:p>
-          <a:p>
-            <a:pPr>
-              <a:tabLst>
-                <a:tab pos="911225" algn="l"/>
-                <a:tab pos="1825625" algn="l"/>
-                <a:tab pos="2740025" algn="l"/>
-                <a:tab pos="3654425" algn="l"/>
-                <a:tab pos="4568825" algn="l"/>
-                <a:tab pos="5483225" algn="l"/>
-                <a:tab pos="6397625" algn="l"/>
-                <a:tab pos="7312025" algn="l"/>
-                <a:tab pos="8226425" algn="l"/>
-                <a:tab pos="9140825" algn="l"/>
-                <a:tab pos="10055225" algn="l"/>
-              </a:tabLst>
-            </a:pPr>
-            <a:r>
-              <a:rPr lang="en-GB" dirty="0">
-                <a:latin typeface="Arial" charset="0"/>
-                <a:cs typeface="Arial" charset="0"/>
-              </a:rPr>
-              <a:t>Events</a:t>
+              <a:t>Remove event and process</a:t>
             </a:r>
           </a:p>
           <a:p>
@@ -8546,59 +8896,11 @@
               </a:tabLst>
             </a:pPr>
             <a:r>
-              <a:rPr lang="en-GB" dirty="0">
+              <a:rPr lang="en-GB">
                 <a:latin typeface="Arial" charset="0"/>
                 <a:cs typeface="Arial" charset="0"/>
               </a:rPr>
-              <a:t>When state transitions occur</a:t>
-            </a:r>
-          </a:p>
-          <a:p>
-            <a:pPr>
-              <a:tabLst>
-                <a:tab pos="911225" algn="l"/>
-                <a:tab pos="1825625" algn="l"/>
-                <a:tab pos="2740025" algn="l"/>
-                <a:tab pos="3654425" algn="l"/>
-                <a:tab pos="4568825" algn="l"/>
-                <a:tab pos="5483225" algn="l"/>
-                <a:tab pos="6397625" algn="l"/>
-                <a:tab pos="7312025" algn="l"/>
-                <a:tab pos="8226425" algn="l"/>
-                <a:tab pos="9140825" algn="l"/>
-                <a:tab pos="10055225" algn="l"/>
-              </a:tabLst>
-            </a:pPr>
-            <a:r>
-              <a:rPr lang="en-GB" dirty="0">
-                <a:latin typeface="Arial" charset="0"/>
-                <a:cs typeface="Arial" charset="0"/>
-              </a:rPr>
-              <a:t>Scheduling Relationships</a:t>
-            </a:r>
-          </a:p>
-          <a:p>
-            <a:pPr lvl="1">
-              <a:tabLst>
-                <a:tab pos="911225" algn="l"/>
-                <a:tab pos="1825625" algn="l"/>
-                <a:tab pos="2740025" algn="l"/>
-                <a:tab pos="3654425" algn="l"/>
-                <a:tab pos="4568825" algn="l"/>
-                <a:tab pos="5483225" algn="l"/>
-                <a:tab pos="6397625" algn="l"/>
-                <a:tab pos="7312025" algn="l"/>
-                <a:tab pos="8226425" algn="l"/>
-                <a:tab pos="9140825" algn="l"/>
-                <a:tab pos="10055225" algn="l"/>
-              </a:tabLst>
-            </a:pPr>
-            <a:r>
-              <a:rPr lang="en-GB" dirty="0">
-                <a:latin typeface="Arial" charset="0"/>
-                <a:cs typeface="Arial" charset="0"/>
-              </a:rPr>
-              <a:t>Events that schedule other events</a:t>
+              <a:t>Repeat while Event List not empty</a:t>
             </a:r>
           </a:p>
         </p:txBody>
@@ -8608,7 +8910,7 @@
           <p:cNvPr id="5" name="Footer Placeholder 4">
             <a:extLst>
               <a:ext uri="{FF2B5EF4-FFF2-40B4-BE49-F238E27FC236}">
-                <a16:creationId xmlns:a16="http://schemas.microsoft.com/office/drawing/2014/main" id="{7042C4AD-585B-684D-ACB2-9EE4F40529AB}"/>
+                <a16:creationId xmlns:a16="http://schemas.microsoft.com/office/drawing/2014/main" id="{629A83DA-1D41-EC44-AD2B-AAFE924314A2}"/>
               </a:ext>
             </a:extLst>
           </p:cNvPr>
@@ -8631,6 +8933,86 @@
           </a:p>
         </p:txBody>
       </p:sp>
+      <p:sp>
+        <p:nvSpPr>
+          <p:cNvPr id="2" name="Slide Number Placeholder 1">
+            <a:extLst>
+              <a:ext uri="{FF2B5EF4-FFF2-40B4-BE49-F238E27FC236}">
+                <a16:creationId xmlns:a16="http://schemas.microsoft.com/office/drawing/2014/main" id="{33767709-4743-974A-9777-411EFF506D29}"/>
+              </a:ext>
+            </a:extLst>
+          </p:cNvPr>
+          <p:cNvSpPr>
+            <a:spLocks noGrp="1"/>
+          </p:cNvSpPr>
+          <p:nvPr>
+            <p:ph type="sldNum" sz="quarter" idx="12"/>
+          </p:nvPr>
+        </p:nvSpPr>
+        <p:spPr/>
+        <p:txBody>
+          <a:bodyPr/>
+          <a:lstStyle/>
+          <a:p>
+            <a:fld id="{7B5F8CF4-080C-6448-A4C0-B6A3C5CD13C0}" type="slidenum">
+              <a:rPr lang="en-US" smtClean="0"/>
+              <a:t>14</a:t>
+            </a:fld>
+            <a:endParaRPr lang="en-US"/>
+          </a:p>
+        </p:txBody>
+      </p:sp>
+      <mc:AlternateContent xmlns:mc="http://schemas.openxmlformats.org/markup-compatibility/2006">
+        <mc:Choice xmlns:p14="http://schemas.microsoft.com/office/powerpoint/2010/main" Requires="p14">
+          <p:contentPart p14:bwMode="auto" r:id="rId3">
+            <p14:nvContentPartPr>
+              <p14:cNvPr id="3" name="Ink 2">
+                <a:extLst>
+                  <a:ext uri="{FF2B5EF4-FFF2-40B4-BE49-F238E27FC236}">
+                    <a16:creationId xmlns:a16="http://schemas.microsoft.com/office/drawing/2014/main" id="{BD3018EF-0693-7449-8FB3-F59EA437C0A9}"/>
+                  </a:ext>
+                </a:extLst>
+              </p14:cNvPr>
+              <p14:cNvContentPartPr/>
+              <p14:nvPr/>
+            </p14:nvContentPartPr>
+            <p14:xfrm>
+              <a:off x="963720" y="3391560"/>
+              <a:ext cx="344880" cy="891720"/>
+            </p14:xfrm>
+          </p:contentPart>
+        </mc:Choice>
+        <mc:Fallback>
+          <p:pic>
+            <p:nvPicPr>
+              <p:cNvPr id="3" name="Ink 2">
+                <a:extLst>
+                  <a:ext uri="{FF2B5EF4-FFF2-40B4-BE49-F238E27FC236}">
+                    <a16:creationId xmlns:a16="http://schemas.microsoft.com/office/drawing/2014/main" id="{BD3018EF-0693-7449-8FB3-F59EA437C0A9}"/>
+                  </a:ext>
+                </a:extLst>
+              </p:cNvPr>
+              <p:cNvPicPr/>
+              <p:nvPr/>
+            </p:nvPicPr>
+            <p:blipFill>
+              <a:blip r:embed="rId4"/>
+              <a:stretch>
+                <a:fillRect/>
+              </a:stretch>
+            </p:blipFill>
+            <p:spPr>
+              <a:xfrm>
+                <a:off x="954360" y="3382200"/>
+                <a:ext cx="363600" cy="910440"/>
+              </a:xfrm>
+              <a:prstGeom prst="rect">
+                <a:avLst/>
+              </a:prstGeom>
+            </p:spPr>
+          </p:pic>
+        </mc:Fallback>
+      </mc:AlternateContent>
     </p:spTree>
   </p:cSld>
   <p:clrMapOvr>
@@ -8667,6 +9049,250 @@
 </p:sld>
 </file>
 
+<file path=ppt/slides/slide15.xml><?xml version="1.0" encoding="utf-8"?>
+<p:sld xmlns:a="http://schemas.openxmlformats.org/drawingml/2006/main" xmlns:r="http://schemas.openxmlformats.org/officeDocument/2006/relationships" xmlns:p="http://schemas.openxmlformats.org/presentationml/2006/main">
+  <p:cSld>
+    <p:spTree>
+      <p:nvGrpSpPr>
+        <p:cNvPr id="1" name=""/>
+        <p:cNvGrpSpPr/>
+        <p:nvPr/>
+      </p:nvGrpSpPr>
+      <p:grpSpPr>
+        <a:xfrm>
+          <a:off x="0" y="0"/>
+          <a:ext cx="0" cy="0"/>
+          <a:chOff x="0" y="0"/>
+          <a:chExt cx="0" cy="0"/>
+        </a:xfrm>
+      </p:grpSpPr>
+      <p:sp>
+        <p:nvSpPr>
+          <p:cNvPr id="22533" name="Rectangle 2"/>
+          <p:cNvSpPr>
+            <a:spLocks noGrp="1" noChangeArrowheads="1"/>
+          </p:cNvSpPr>
+          <p:nvPr>
+            <p:ph type="title"/>
+          </p:nvPr>
+        </p:nvSpPr>
+        <p:spPr/>
+        <p:txBody>
+          <a:bodyPr/>
+          <a:lstStyle/>
+          <a:p>
+            <a:pPr eaLnBrk="1" hangingPunct="1"/>
+            <a:r>
+              <a:rPr lang="en-US" dirty="0">
+                <a:cs typeface="Arial" charset="0"/>
+              </a:rPr>
+              <a:t>Starting Up</a:t>
+            </a:r>
+          </a:p>
+        </p:txBody>
+      </p:sp>
+      <p:sp>
+        <p:nvSpPr>
+          <p:cNvPr id="22534" name="Rectangle 3"/>
+          <p:cNvSpPr>
+            <a:spLocks noGrp="1" noChangeArrowheads="1"/>
+          </p:cNvSpPr>
+          <p:nvPr>
+            <p:ph type="body" idx="1"/>
+          </p:nvPr>
+        </p:nvSpPr>
+        <p:spPr/>
+        <p:txBody>
+          <a:bodyPr/>
+          <a:lstStyle/>
+          <a:p>
+            <a:pPr eaLnBrk="1" hangingPunct="1">
+              <a:lnSpc>
+                <a:spcPct val="109000"/>
+              </a:lnSpc>
+            </a:pPr>
+            <a:r>
+              <a:rPr lang="en-US" dirty="0">
+                <a:latin typeface="Arial" charset="0"/>
+                <a:cs typeface="Arial" charset="0"/>
+              </a:rPr>
+              <a:t>Initially Event List is empty</a:t>
+            </a:r>
+          </a:p>
+          <a:p>
+            <a:pPr eaLnBrk="1" hangingPunct="1">
+              <a:lnSpc>
+                <a:spcPct val="109000"/>
+              </a:lnSpc>
+            </a:pPr>
+            <a:r>
+              <a:rPr lang="en-US" dirty="0">
+                <a:latin typeface="Arial" charset="0"/>
+                <a:cs typeface="Arial" charset="0"/>
+              </a:rPr>
+              <a:t>Need at least one initial event</a:t>
+            </a:r>
+          </a:p>
+          <a:p>
+            <a:pPr eaLnBrk="1" hangingPunct="1">
+              <a:lnSpc>
+                <a:spcPct val="109000"/>
+              </a:lnSpc>
+            </a:pPr>
+            <a:r>
+              <a:rPr lang="en-US" dirty="0">
+                <a:latin typeface="Arial" charset="0"/>
+                <a:cs typeface="Arial" charset="0"/>
+              </a:rPr>
+              <a:t>“Run” event always scheduled to occur at time 0.0</a:t>
+            </a:r>
+          </a:p>
+          <a:p>
+            <a:pPr eaLnBrk="1" hangingPunct="1">
+              <a:lnSpc>
+                <a:spcPct val="109000"/>
+              </a:lnSpc>
+            </a:pPr>
+            <a:r>
+              <a:rPr lang="en-US" dirty="0">
+                <a:latin typeface="Arial" charset="0"/>
+                <a:cs typeface="Arial" charset="0"/>
+              </a:rPr>
+              <a:t>Like “main” method – starting point for  Event List</a:t>
+            </a:r>
+          </a:p>
+          <a:p>
+            <a:pPr eaLnBrk="1" hangingPunct="1">
+              <a:lnSpc>
+                <a:spcPct val="109000"/>
+              </a:lnSpc>
+            </a:pPr>
+            <a:r>
+              <a:rPr lang="en-US" dirty="0">
+                <a:latin typeface="Arial" charset="0"/>
+                <a:cs typeface="Arial" charset="0"/>
+              </a:rPr>
+              <a:t>Processed like any other Event</a:t>
+            </a:r>
+          </a:p>
+        </p:txBody>
+      </p:sp>
+      <p:sp>
+        <p:nvSpPr>
+          <p:cNvPr id="5" name="Footer Placeholder 4">
+            <a:extLst>
+              <a:ext uri="{FF2B5EF4-FFF2-40B4-BE49-F238E27FC236}">
+                <a16:creationId xmlns:a16="http://schemas.microsoft.com/office/drawing/2014/main" id="{601E86D5-275B-9B48-A481-439BC3C736D2}"/>
+              </a:ext>
+            </a:extLst>
+          </p:cNvPr>
+          <p:cNvSpPr>
+            <a:spLocks noGrp="1"/>
+          </p:cNvSpPr>
+          <p:nvPr>
+            <p:ph type="ftr" sz="quarter" idx="11"/>
+          </p:nvPr>
+        </p:nvSpPr>
+        <p:spPr/>
+        <p:txBody>
+          <a:bodyPr/>
+          <a:lstStyle/>
+          <a:p>
+            <a:r>
+              <a:rPr lang="en-US"/>
+              <a:t>DES Short Course - Session 1</a:t>
+            </a:r>
+          </a:p>
+        </p:txBody>
+      </p:sp>
+      <p:sp>
+        <p:nvSpPr>
+          <p:cNvPr id="2" name="Slide Number Placeholder 1">
+            <a:extLst>
+              <a:ext uri="{FF2B5EF4-FFF2-40B4-BE49-F238E27FC236}">
+                <a16:creationId xmlns:a16="http://schemas.microsoft.com/office/drawing/2014/main" id="{01899B9F-9AC6-7A43-B27A-1113E68502F5}"/>
+              </a:ext>
+            </a:extLst>
+          </p:cNvPr>
+          <p:cNvSpPr>
+            <a:spLocks noGrp="1"/>
+          </p:cNvSpPr>
+          <p:nvPr>
+            <p:ph type="sldNum" sz="quarter" idx="12"/>
+          </p:nvPr>
+        </p:nvSpPr>
+        <p:spPr/>
+        <p:txBody>
+          <a:bodyPr/>
+          <a:lstStyle/>
+          <a:p>
+            <a:fld id="{7B5F8CF4-080C-6448-A4C0-B6A3C5CD13C0}" type="slidenum">
+              <a:rPr lang="en-US" smtClean="0"/>
+              <a:t>15</a:t>
+            </a:fld>
+            <a:endParaRPr lang="en-US"/>
+          </a:p>
+        </p:txBody>
+      </p:sp>
+      <mc:AlternateContent xmlns:mc="http://schemas.openxmlformats.org/markup-compatibility/2006">
+        <mc:Choice xmlns:p14="http://schemas.microsoft.com/office/powerpoint/2010/main" Requires="p14">
+          <p:contentPart p14:bwMode="auto" r:id="rId2">
+            <p14:nvContentPartPr>
+              <p14:cNvPr id="3" name="Ink 2">
+                <a:extLst>
+                  <a:ext uri="{FF2B5EF4-FFF2-40B4-BE49-F238E27FC236}">
+                    <a16:creationId xmlns:a16="http://schemas.microsoft.com/office/drawing/2014/main" id="{144C69DA-92CE-2E4E-A1AB-301D35CAD197}"/>
+                  </a:ext>
+                </a:extLst>
+              </p14:cNvPr>
+              <p14:cNvContentPartPr/>
+              <p14:nvPr/>
+            </p14:nvContentPartPr>
+            <p14:xfrm>
+              <a:off x="447840" y="680760"/>
+              <a:ext cx="7072560" cy="3437280"/>
+            </p14:xfrm>
+          </p:contentPart>
+        </mc:Choice>
+        <mc:Fallback>
+          <p:pic>
+            <p:nvPicPr>
+              <p:cNvPr id="3" name="Ink 2">
+                <a:extLst>
+                  <a:ext uri="{FF2B5EF4-FFF2-40B4-BE49-F238E27FC236}">
+                    <a16:creationId xmlns:a16="http://schemas.microsoft.com/office/drawing/2014/main" id="{144C69DA-92CE-2E4E-A1AB-301D35CAD197}"/>
+                  </a:ext>
+                </a:extLst>
+              </p:cNvPr>
+              <p:cNvPicPr/>
+              <p:nvPr/>
+            </p:nvPicPr>
+            <p:blipFill>
+              <a:blip r:embed="rId3"/>
+              <a:stretch>
+                <a:fillRect/>
+              </a:stretch>
+            </p:blipFill>
+            <p:spPr>
+              <a:xfrm>
+                <a:off x="438480" y="671400"/>
+                <a:ext cx="7091280" cy="3456000"/>
+              </a:xfrm>
+              <a:prstGeom prst="rect">
+                <a:avLst/>
+              </a:prstGeom>
+            </p:spPr>
+          </p:pic>
+        </mc:Fallback>
+      </mc:AlternateContent>
+    </p:spTree>
+  </p:cSld>
+  <p:clrMapOvr>
+    <a:masterClrMapping/>
+  </p:clrMapOvr>
+</p:sld>
+</file>
+
 <file path=ppt/slides/slide16.xml><?xml version="1.0" encoding="utf-8"?>
 <p:sld xmlns:a="http://schemas.openxmlformats.org/drawingml/2006/main" xmlns:r="http://schemas.openxmlformats.org/officeDocument/2006/relationships" xmlns:p="http://schemas.openxmlformats.org/presentationml/2006/main">
   <p:cSld>
@@ -8686,7 +9312,7 @@
       </p:grpSpPr>
       <p:sp>
         <p:nvSpPr>
-          <p:cNvPr id="25605" name="Rectangle 1"/>
+          <p:cNvPr id="23557" name="Rectangle 1"/>
           <p:cNvSpPr>
             <a:spLocks noGrp="1" noChangeArrowheads="1"/>
           </p:cNvSpPr>
@@ -8726,14 +9352,14 @@
               <a:rPr lang="en-GB" dirty="0">
                 <a:cs typeface="Arial" charset="0"/>
               </a:rPr>
-              <a:t>Example: Arrival Process</a:t>
-            </a:r>
-          </a:p>
-        </p:txBody>
-      </p:sp>
-      <p:sp>
-        <p:nvSpPr>
-          <p:cNvPr id="25606" name="Rectangle 2"/>
+              <a:t>Structure of DES Model</a:t>
+            </a:r>
+          </a:p>
+        </p:txBody>
+      </p:sp>
+      <p:sp>
+        <p:nvSpPr>
+          <p:cNvPr id="23558" name="Rectangle 2"/>
           <p:cNvSpPr>
             <a:spLocks noGrp="1" noChangeArrowheads="1"/>
           </p:cNvSpPr>
@@ -8768,28 +9394,31 @@
                 <a:latin typeface="Arial" charset="0"/>
                 <a:cs typeface="Arial" charset="0"/>
               </a:rPr>
-              <a:t>Parameter: Interarrival times {</a:t>
-            </a:r>
-            <a:r>
-              <a:rPr lang="en-GB" dirty="0" err="1">
-                <a:latin typeface="Arial" charset="0"/>
-                <a:cs typeface="Arial" charset="0"/>
-              </a:rPr>
-              <a:t>t</a:t>
-            </a:r>
-            <a:r>
-              <a:rPr lang="en-GB" baseline="-25000" dirty="0" err="1">
-                <a:latin typeface="Arial" charset="0"/>
-                <a:cs typeface="Arial" charset="0"/>
-              </a:rPr>
-              <a:t>A</a:t>
-            </a:r>
+              <a:t>Parameters</a:t>
+            </a:r>
+          </a:p>
+          <a:p>
+            <a:pPr lvl="1">
+              <a:tabLst>
+                <a:tab pos="911225" algn="l"/>
+                <a:tab pos="1825625" algn="l"/>
+                <a:tab pos="2740025" algn="l"/>
+                <a:tab pos="3654425" algn="l"/>
+                <a:tab pos="4568825" algn="l"/>
+                <a:tab pos="5483225" algn="l"/>
+                <a:tab pos="6397625" algn="l"/>
+                <a:tab pos="7312025" algn="l"/>
+                <a:tab pos="8226425" algn="l"/>
+                <a:tab pos="9140825" algn="l"/>
+                <a:tab pos="10055225" algn="l"/>
+              </a:tabLst>
+            </a:pPr>
             <a:r>
               <a:rPr lang="en-GB" dirty="0">
                 <a:latin typeface="Arial" charset="0"/>
                 <a:cs typeface="Arial" charset="0"/>
               </a:rPr>
-              <a:t>}</a:t>
+              <a:t>Don’t “change” during a single run</a:t>
             </a:r>
           </a:p>
           <a:p>
@@ -8813,7 +9442,31 @@
                 <a:latin typeface="Arial" charset="0"/>
                 <a:cs typeface="Arial" charset="0"/>
               </a:rPr>
-              <a:t>State: Number Arrivals (N)</a:t>
+              <a:t>State Variables</a:t>
+            </a:r>
+          </a:p>
+          <a:p>
+            <a:pPr lvl="1">
+              <a:tabLst>
+                <a:tab pos="911225" algn="l"/>
+                <a:tab pos="1825625" algn="l"/>
+                <a:tab pos="2740025" algn="l"/>
+                <a:tab pos="3654425" algn="l"/>
+                <a:tab pos="4568825" algn="l"/>
+                <a:tab pos="5483225" algn="l"/>
+                <a:tab pos="6397625" algn="l"/>
+                <a:tab pos="7312025" algn="l"/>
+                <a:tab pos="8226425" algn="l"/>
+                <a:tab pos="9140825" algn="l"/>
+                <a:tab pos="10055225" algn="l"/>
+              </a:tabLst>
+            </a:pPr>
+            <a:r>
+              <a:rPr lang="en-GB" dirty="0">
+                <a:latin typeface="Arial" charset="0"/>
+                <a:cs typeface="Arial" charset="0"/>
+              </a:rPr>
+              <a:t>Typically do change during a single run</a:t>
             </a:r>
           </a:p>
           <a:p>
@@ -8837,7 +9490,7 @@
                 <a:latin typeface="Arial" charset="0"/>
                 <a:cs typeface="Arial" charset="0"/>
               </a:rPr>
-              <a:t>Events:</a:t>
+              <a:t>Events</a:t>
             </a:r>
           </a:p>
           <a:p>
@@ -8861,28 +9514,31 @@
                 <a:latin typeface="Arial" charset="0"/>
                 <a:cs typeface="Arial" charset="0"/>
               </a:rPr>
-              <a:t>Run: N = 0; Schedule first Arrival with delay of first </a:t>
-            </a:r>
-            <a:r>
-              <a:rPr lang="en-GB" dirty="0" err="1">
-                <a:latin typeface="Arial" charset="0"/>
-                <a:cs typeface="Arial" charset="0"/>
-              </a:rPr>
-              <a:t>t</a:t>
-            </a:r>
-            <a:r>
-              <a:rPr lang="en-GB" baseline="-25000" dirty="0" err="1">
-                <a:latin typeface="Arial" charset="0"/>
-                <a:cs typeface="Arial" charset="0"/>
-              </a:rPr>
-              <a:t>A</a:t>
-            </a:r>
+              <a:t>When state transitions occur</a:t>
+            </a:r>
+          </a:p>
+          <a:p>
+            <a:pPr>
+              <a:tabLst>
+                <a:tab pos="911225" algn="l"/>
+                <a:tab pos="1825625" algn="l"/>
+                <a:tab pos="2740025" algn="l"/>
+                <a:tab pos="3654425" algn="l"/>
+                <a:tab pos="4568825" algn="l"/>
+                <a:tab pos="5483225" algn="l"/>
+                <a:tab pos="6397625" algn="l"/>
+                <a:tab pos="7312025" algn="l"/>
+                <a:tab pos="8226425" algn="l"/>
+                <a:tab pos="9140825" algn="l"/>
+                <a:tab pos="10055225" algn="l"/>
+              </a:tabLst>
+            </a:pPr>
             <a:r>
               <a:rPr lang="en-GB" dirty="0">
                 <a:latin typeface="Arial" charset="0"/>
                 <a:cs typeface="Arial" charset="0"/>
               </a:rPr>
-              <a:t> value</a:t>
+              <a:t>Scheduling Relationships</a:t>
             </a:r>
           </a:p>
           <a:p>
@@ -8906,28 +9562,7 @@
                 <a:latin typeface="Arial" charset="0"/>
                 <a:cs typeface="Arial" charset="0"/>
               </a:rPr>
-              <a:t>Arrival: N = N + 1; Schedule next arrival with delay of subsequent </a:t>
-            </a:r>
-            <a:r>
-              <a:rPr lang="en-GB" dirty="0" err="1">
-                <a:latin typeface="Arial" charset="0"/>
-                <a:cs typeface="Arial" charset="0"/>
-              </a:rPr>
-              <a:t>t</a:t>
-            </a:r>
-            <a:r>
-              <a:rPr lang="en-GB" baseline="-25000" dirty="0" err="1">
-                <a:latin typeface="Arial" charset="0"/>
-                <a:cs typeface="Arial" charset="0"/>
-              </a:rPr>
-              <a:t>A</a:t>
-            </a:r>
-            <a:r>
-              <a:rPr lang="en-GB" dirty="0">
-                <a:latin typeface="Arial" charset="0"/>
-                <a:cs typeface="Arial" charset="0"/>
-              </a:rPr>
-              <a:t> values</a:t>
+              <a:t>Events that schedule other events</a:t>
             </a:r>
           </a:p>
         </p:txBody>
@@ -8937,7 +9572,7 @@
           <p:cNvPr id="5" name="Footer Placeholder 4">
             <a:extLst>
               <a:ext uri="{FF2B5EF4-FFF2-40B4-BE49-F238E27FC236}">
-                <a16:creationId xmlns:a16="http://schemas.microsoft.com/office/drawing/2014/main" id="{37EF4C70-3CFD-0345-AEC5-1F58D78103A6}"/>
+                <a16:creationId xmlns:a16="http://schemas.microsoft.com/office/drawing/2014/main" id="{7042C4AD-585B-684D-ACB2-9EE4F40529AB}"/>
               </a:ext>
             </a:extLst>
           </p:cNvPr>
@@ -8960,6 +9595,86 @@
           </a:p>
         </p:txBody>
       </p:sp>
+      <p:sp>
+        <p:nvSpPr>
+          <p:cNvPr id="2" name="Slide Number Placeholder 1">
+            <a:extLst>
+              <a:ext uri="{FF2B5EF4-FFF2-40B4-BE49-F238E27FC236}">
+                <a16:creationId xmlns:a16="http://schemas.microsoft.com/office/drawing/2014/main" id="{486C0B41-63DD-4243-8E45-5922243F3513}"/>
+              </a:ext>
+            </a:extLst>
+          </p:cNvPr>
+          <p:cNvSpPr>
+            <a:spLocks noGrp="1"/>
+          </p:cNvSpPr>
+          <p:nvPr>
+            <p:ph type="sldNum" sz="quarter" idx="12"/>
+          </p:nvPr>
+        </p:nvSpPr>
+        <p:spPr/>
+        <p:txBody>
+          <a:bodyPr/>
+          <a:lstStyle/>
+          <a:p>
+            <a:fld id="{7B5F8CF4-080C-6448-A4C0-B6A3C5CD13C0}" type="slidenum">
+              <a:rPr lang="en-US" smtClean="0"/>
+              <a:t>16</a:t>
+            </a:fld>
+            <a:endParaRPr lang="en-US"/>
+          </a:p>
+        </p:txBody>
+      </p:sp>
+      <mc:AlternateContent xmlns:mc="http://schemas.openxmlformats.org/markup-compatibility/2006">
+        <mc:Choice xmlns:p14="http://schemas.microsoft.com/office/powerpoint/2010/main" Requires="p14">
+          <p:contentPart p14:bwMode="auto" r:id="rId3">
+            <p14:nvContentPartPr>
+              <p14:cNvPr id="3" name="Ink 2">
+                <a:extLst>
+                  <a:ext uri="{FF2B5EF4-FFF2-40B4-BE49-F238E27FC236}">
+                    <a16:creationId xmlns:a16="http://schemas.microsoft.com/office/drawing/2014/main" id="{030F7265-2470-244D-8B55-D7C223D1E625}"/>
+                  </a:ext>
+                </a:extLst>
+              </p14:cNvPr>
+              <p14:cNvContentPartPr/>
+              <p14:nvPr/>
+            </p14:nvContentPartPr>
+            <p14:xfrm>
+              <a:off x="458280" y="1955160"/>
+              <a:ext cx="3920760" cy="2952720"/>
+            </p14:xfrm>
+          </p:contentPart>
+        </mc:Choice>
+        <mc:Fallback>
+          <p:pic>
+            <p:nvPicPr>
+              <p:cNvPr id="3" name="Ink 2">
+                <a:extLst>
+                  <a:ext uri="{FF2B5EF4-FFF2-40B4-BE49-F238E27FC236}">
+                    <a16:creationId xmlns:a16="http://schemas.microsoft.com/office/drawing/2014/main" id="{030F7265-2470-244D-8B55-D7C223D1E625}"/>
+                  </a:ext>
+                </a:extLst>
+              </p:cNvPr>
+              <p:cNvPicPr/>
+              <p:nvPr/>
+            </p:nvPicPr>
+            <p:blipFill>
+              <a:blip r:embed="rId4"/>
+              <a:stretch>
+                <a:fillRect/>
+              </a:stretch>
+            </p:blipFill>
+            <p:spPr>
+              <a:xfrm>
+                <a:off x="448920" y="1945800"/>
+                <a:ext cx="3939480" cy="2971440"/>
+              </a:xfrm>
+              <a:prstGeom prst="rect">
+                <a:avLst/>
+              </a:prstGeom>
+            </p:spPr>
+          </p:pic>
+        </mc:Fallback>
+      </mc:AlternateContent>
     </p:spTree>
   </p:cSld>
   <p:clrMapOvr>
@@ -9015,975 +9730,64 @@
       </p:grpSpPr>
       <p:sp>
         <p:nvSpPr>
-          <p:cNvPr id="2" name="Title 1">
-            <a:extLst>
-              <a:ext uri="{FF2B5EF4-FFF2-40B4-BE49-F238E27FC236}">
-                <a16:creationId xmlns:a16="http://schemas.microsoft.com/office/drawing/2014/main" id="{53DD3BBE-6CF4-924E-9EC9-B0492F3F2DED}"/>
-              </a:ext>
-            </a:extLst>
-          </p:cNvPr>
-          <p:cNvSpPr>
-            <a:spLocks noGrp="1"/>
+          <p:cNvPr id="25605" name="Rectangle 1"/>
+          <p:cNvSpPr>
+            <a:spLocks noGrp="1" noChangeArrowheads="1"/>
           </p:cNvSpPr>
           <p:nvPr>
             <p:ph type="title"/>
           </p:nvPr>
         </p:nvSpPr>
-        <p:spPr/>
-        <p:txBody>
-          <a:bodyPr/>
-          <a:lstStyle/>
-          <a:p>
-            <a:r>
-              <a:rPr lang="en-US" dirty="0"/>
-              <a:t>Possible State Trajectory</a:t>
-            </a:r>
-          </a:p>
-        </p:txBody>
-      </p:sp>
-      <p:pic>
-        <p:nvPicPr>
-          <p:cNvPr id="6" name="Picture 5">
-            <a:extLst>
-              <a:ext uri="{FF2B5EF4-FFF2-40B4-BE49-F238E27FC236}">
-                <a16:creationId xmlns:a16="http://schemas.microsoft.com/office/drawing/2014/main" id="{A2EC1586-715E-0942-9B17-8423B411A1C6}"/>
-              </a:ext>
-            </a:extLst>
-          </p:cNvPr>
-          <p:cNvPicPr>
-            <a:picLocks noChangeAspect="1"/>
-          </p:cNvPicPr>
-          <p:nvPr/>
-        </p:nvPicPr>
-        <p:blipFill>
-          <a:blip r:embed="rId2"/>
-          <a:stretch>
-            <a:fillRect/>
-          </a:stretch>
-        </p:blipFill>
         <p:spPr>
           <a:xfrm>
-            <a:off x="2743200" y="1847691"/>
-            <a:ext cx="6235700" cy="3937000"/>
+            <a:off x="2732036" y="723207"/>
+            <a:ext cx="7336303" cy="609398"/>
           </a:xfrm>
-          <a:prstGeom prst="rect">
-            <a:avLst/>
-          </a:prstGeom>
         </p:spPr>
-      </p:pic>
-      <p:sp>
-        <p:nvSpPr>
-          <p:cNvPr id="8" name="Footer Placeholder 7">
-            <a:extLst>
-              <a:ext uri="{FF2B5EF4-FFF2-40B4-BE49-F238E27FC236}">
-                <a16:creationId xmlns:a16="http://schemas.microsoft.com/office/drawing/2014/main" id="{7F0BA512-2BFA-7A45-B6D3-F2D87D309070}"/>
-              </a:ext>
-            </a:extLst>
-          </p:cNvPr>
-          <p:cNvSpPr>
-            <a:spLocks noGrp="1"/>
-          </p:cNvSpPr>
-          <p:nvPr>
-            <p:ph type="ftr" sz="quarter" idx="11"/>
-          </p:nvPr>
-        </p:nvSpPr>
-        <p:spPr/>
-        <p:txBody>
-          <a:bodyPr/>
-          <a:lstStyle/>
-          <a:p>
-            <a:r>
-              <a:rPr lang="en-US"/>
-              <a:t>DES Short Course - Session 1</a:t>
-            </a:r>
-          </a:p>
-        </p:txBody>
-      </p:sp>
-    </p:spTree>
-    <p:extLst>
-      <p:ext uri="{BB962C8B-B14F-4D97-AF65-F5344CB8AC3E}">
-        <p14:creationId xmlns:p14="http://schemas.microsoft.com/office/powerpoint/2010/main" val="3900731439"/>
-      </p:ext>
-    </p:extLst>
-  </p:cSld>
-  <p:clrMapOvr>
-    <a:masterClrMapping/>
-  </p:clrMapOvr>
-</p:sld>
-</file>
-
-<file path=ppt/slides/slide2.xml><?xml version="1.0" encoding="utf-8"?>
-<p:sld xmlns:a="http://schemas.openxmlformats.org/drawingml/2006/main" xmlns:r="http://schemas.openxmlformats.org/officeDocument/2006/relationships" xmlns:p="http://schemas.openxmlformats.org/presentationml/2006/main">
-  <p:cSld>
-    <p:spTree>
-      <p:nvGrpSpPr>
-        <p:cNvPr id="1" name=""/>
-        <p:cNvGrpSpPr/>
-        <p:nvPr/>
-      </p:nvGrpSpPr>
-      <p:grpSpPr>
-        <a:xfrm>
-          <a:off x="0" y="0"/>
-          <a:ext cx="0" cy="0"/>
-          <a:chOff x="0" y="0"/>
-          <a:chExt cx="0" cy="0"/>
-        </a:xfrm>
-      </p:grpSpPr>
-      <p:sp>
-        <p:nvSpPr>
-          <p:cNvPr id="2" name="Title 1">
-            <a:extLst>
-              <a:ext uri="{FF2B5EF4-FFF2-40B4-BE49-F238E27FC236}">
-                <a16:creationId xmlns:a16="http://schemas.microsoft.com/office/drawing/2014/main" id="{FBFE3914-A092-894C-B1BE-4FD544B1BB46}"/>
-              </a:ext>
-            </a:extLst>
-          </p:cNvPr>
-          <p:cNvSpPr>
-            <a:spLocks noGrp="1"/>
-          </p:cNvSpPr>
-          <p:nvPr>
-            <p:ph type="title"/>
-          </p:nvPr>
-        </p:nvSpPr>
-        <p:spPr/>
-        <p:txBody>
-          <a:bodyPr/>
-          <a:lstStyle/>
-          <a:p>
-            <a:r>
-              <a:rPr lang="en-US"/>
-              <a:t>Session 1 Overview</a:t>
-            </a:r>
-            <a:endParaRPr lang="en-US" dirty="0"/>
-          </a:p>
-        </p:txBody>
-      </p:sp>
-      <p:sp>
-        <p:nvSpPr>
-          <p:cNvPr id="3" name="Content Placeholder 2">
-            <a:extLst>
-              <a:ext uri="{FF2B5EF4-FFF2-40B4-BE49-F238E27FC236}">
-                <a16:creationId xmlns:a16="http://schemas.microsoft.com/office/drawing/2014/main" id="{4934D379-650D-7241-A8E2-557362D568C3}"/>
-              </a:ext>
-            </a:extLst>
-          </p:cNvPr>
-          <p:cNvSpPr>
-            <a:spLocks noGrp="1"/>
-          </p:cNvSpPr>
-          <p:nvPr>
-            <p:ph idx="1"/>
-          </p:nvPr>
-        </p:nvSpPr>
-        <p:spPr/>
-        <p:txBody>
-          <a:bodyPr>
-            <a:normAutofit lnSpcReduction="10000"/>
+        <p:txBody>
+          <a:bodyPr vert="horz" lIns="0" tIns="0" rIns="0" bIns="0" rtlCol="0" anchor="ctr">
+            <a:spAutoFit/>
           </a:bodyPr>
           <a:lstStyle/>
           <a:p>
-            <a:r>
-              <a:rPr lang="en-US" dirty="0"/>
-              <a:t>Course Objectives</a:t>
-            </a:r>
-          </a:p>
-          <a:p>
-            <a:r>
-              <a:rPr lang="en-US" dirty="0"/>
-              <a:t>Course Materials</a:t>
-            </a:r>
-          </a:p>
-          <a:p>
-            <a:r>
-              <a:rPr lang="en-US" dirty="0"/>
-              <a:t>Purpose of Simulation Models</a:t>
-            </a:r>
-          </a:p>
-          <a:p>
-            <a:r>
-              <a:rPr lang="en-US" dirty="0"/>
-              <a:t>Modeling Time</a:t>
-            </a:r>
-          </a:p>
-          <a:p>
-            <a:r>
-              <a:rPr lang="en-US" dirty="0"/>
-              <a:t>States and Events</a:t>
-            </a:r>
-          </a:p>
-          <a:p>
-            <a:r>
-              <a:rPr lang="en-US" dirty="0"/>
-              <a:t>State Trajectories</a:t>
-            </a:r>
-          </a:p>
-          <a:p>
-            <a:r>
-              <a:rPr lang="en-US" dirty="0"/>
-              <a:t>Event List</a:t>
-            </a:r>
-          </a:p>
-          <a:p>
-            <a:r>
-              <a:rPr lang="en-US" dirty="0"/>
-              <a:t>Structure of DES Model</a:t>
-            </a:r>
-          </a:p>
-          <a:p>
-            <a:r>
-              <a:rPr lang="en-US" dirty="0"/>
-              <a:t>Example</a:t>
-            </a:r>
-          </a:p>
-        </p:txBody>
-      </p:sp>
-      <p:sp>
-        <p:nvSpPr>
-          <p:cNvPr id="8" name="Footer Placeholder 7">
-            <a:extLst>
-              <a:ext uri="{FF2B5EF4-FFF2-40B4-BE49-F238E27FC236}">
-                <a16:creationId xmlns:a16="http://schemas.microsoft.com/office/drawing/2014/main" id="{5D1182EC-6B57-D742-BA7D-8D57303B7111}"/>
-              </a:ext>
-            </a:extLst>
-          </p:cNvPr>
-          <p:cNvSpPr>
-            <a:spLocks noGrp="1"/>
-          </p:cNvSpPr>
-          <p:nvPr>
-            <p:ph type="ftr" sz="quarter" idx="11"/>
-          </p:nvPr>
-        </p:nvSpPr>
-        <p:spPr/>
-        <p:txBody>
-          <a:bodyPr/>
-          <a:lstStyle/>
-          <a:p>
-            <a:r>
-              <a:rPr lang="en-US"/>
-              <a:t>DES Short Course - Session 1</a:t>
-            </a:r>
-          </a:p>
-        </p:txBody>
-      </p:sp>
-    </p:spTree>
-    <p:extLst>
-      <p:ext uri="{BB962C8B-B14F-4D97-AF65-F5344CB8AC3E}">
-        <p14:creationId xmlns:p14="http://schemas.microsoft.com/office/powerpoint/2010/main" val="3112028288"/>
-      </p:ext>
-    </p:extLst>
-  </p:cSld>
-  <p:clrMapOvr>
-    <a:masterClrMapping/>
-  </p:clrMapOvr>
-</p:sld>
-</file>
-
-<file path=ppt/slides/slide3.xml><?xml version="1.0" encoding="utf-8"?>
-<p:sld xmlns:a="http://schemas.openxmlformats.org/drawingml/2006/main" xmlns:r="http://schemas.openxmlformats.org/officeDocument/2006/relationships" xmlns:p="http://schemas.openxmlformats.org/presentationml/2006/main">
-  <p:cSld>
-    <p:spTree>
-      <p:nvGrpSpPr>
-        <p:cNvPr id="1" name=""/>
-        <p:cNvGrpSpPr/>
-        <p:nvPr/>
-      </p:nvGrpSpPr>
-      <p:grpSpPr>
-        <a:xfrm>
-          <a:off x="0" y="0"/>
-          <a:ext cx="0" cy="0"/>
-          <a:chOff x="0" y="0"/>
-          <a:chExt cx="0" cy="0"/>
-        </a:xfrm>
-      </p:grpSpPr>
-      <p:sp>
-        <p:nvSpPr>
-          <p:cNvPr id="2" name="Title 1">
-            <a:extLst>
-              <a:ext uri="{FF2B5EF4-FFF2-40B4-BE49-F238E27FC236}">
-                <a16:creationId xmlns:a16="http://schemas.microsoft.com/office/drawing/2014/main" id="{C338C5F5-0074-7944-89C8-7478A39B56F8}"/>
-              </a:ext>
-            </a:extLst>
-          </p:cNvPr>
-          <p:cNvSpPr>
-            <a:spLocks noGrp="1"/>
-          </p:cNvSpPr>
-          <p:nvPr>
-            <p:ph type="title"/>
-          </p:nvPr>
-        </p:nvSpPr>
-        <p:spPr/>
-        <p:txBody>
-          <a:bodyPr/>
-          <a:lstStyle/>
-          <a:p>
-            <a:r>
-              <a:rPr lang="en-US" dirty="0"/>
-              <a:t>Course Overview</a:t>
-            </a:r>
-          </a:p>
-        </p:txBody>
-      </p:sp>
-      <p:sp>
-        <p:nvSpPr>
-          <p:cNvPr id="3" name="Content Placeholder 2">
-            <a:extLst>
-              <a:ext uri="{FF2B5EF4-FFF2-40B4-BE49-F238E27FC236}">
-                <a16:creationId xmlns:a16="http://schemas.microsoft.com/office/drawing/2014/main" id="{948412A4-8D32-8C4F-9822-0D1617DAC575}"/>
-              </a:ext>
-            </a:extLst>
-          </p:cNvPr>
-          <p:cNvSpPr>
-            <a:spLocks noGrp="1"/>
-          </p:cNvSpPr>
-          <p:nvPr>
-            <p:ph idx="1"/>
-          </p:nvPr>
-        </p:nvSpPr>
-        <p:spPr/>
-        <p:txBody>
-          <a:bodyPr>
-            <a:normAutofit lnSpcReduction="10000"/>
-          </a:bodyPr>
-          <a:lstStyle/>
-          <a:p>
-            <a:r>
-              <a:rPr lang="en-US" dirty="0"/>
-              <a:t>Day 1</a:t>
-            </a:r>
-          </a:p>
-          <a:p>
-            <a:pPr lvl="1"/>
-            <a:r>
-              <a:rPr lang="en-US" dirty="0"/>
-              <a:t>Introduction to DES &amp; Event Graphs</a:t>
-            </a:r>
-          </a:p>
-          <a:p>
-            <a:r>
-              <a:rPr lang="en-US" dirty="0"/>
-              <a:t>Day 2</a:t>
-            </a:r>
-          </a:p>
-          <a:p>
-            <a:pPr lvl="1"/>
-            <a:r>
-              <a:rPr lang="en-US" dirty="0"/>
-              <a:t>Event Graph Modeling</a:t>
-            </a:r>
-          </a:p>
-          <a:p>
-            <a:pPr lvl="1"/>
-            <a:r>
-              <a:rPr lang="en-US" dirty="0"/>
-              <a:t>Using </a:t>
-            </a:r>
-            <a:r>
-              <a:rPr lang="en-US" dirty="0" err="1"/>
-              <a:t>EventGraphGUI</a:t>
-            </a:r>
-            <a:r>
-              <a:rPr lang="en-US" dirty="0"/>
-              <a:t> Program</a:t>
-            </a:r>
-          </a:p>
-          <a:p>
-            <a:r>
-              <a:rPr lang="en-US" dirty="0"/>
-              <a:t>Day 3</a:t>
-            </a:r>
-          </a:p>
-          <a:p>
-            <a:pPr lvl="1"/>
-            <a:r>
-              <a:rPr lang="en-US" dirty="0"/>
-              <a:t>More Event Graph Modeling</a:t>
-            </a:r>
-          </a:p>
-          <a:p>
-            <a:pPr lvl="1"/>
-            <a:r>
-              <a:rPr lang="en-US" dirty="0"/>
-              <a:t>Dealing with Output</a:t>
-            </a:r>
-          </a:p>
-          <a:p>
-            <a:r>
-              <a:rPr lang="en-US" dirty="0"/>
-              <a:t>Day 4</a:t>
-            </a:r>
-          </a:p>
-          <a:p>
-            <a:pPr lvl="1"/>
-            <a:r>
-              <a:rPr lang="en-US" dirty="0"/>
-              <a:t>Output Analysis</a:t>
-            </a:r>
-          </a:p>
-          <a:p>
-            <a:pPr lvl="1"/>
-            <a:endParaRPr lang="en-US" dirty="0"/>
-          </a:p>
-        </p:txBody>
-      </p:sp>
-      <p:sp>
-        <p:nvSpPr>
-          <p:cNvPr id="5" name="Footer Placeholder 4">
-            <a:extLst>
-              <a:ext uri="{FF2B5EF4-FFF2-40B4-BE49-F238E27FC236}">
-                <a16:creationId xmlns:a16="http://schemas.microsoft.com/office/drawing/2014/main" id="{26366942-2EED-E642-8EF9-61468F4FA872}"/>
-              </a:ext>
-            </a:extLst>
-          </p:cNvPr>
-          <p:cNvSpPr>
-            <a:spLocks noGrp="1"/>
-          </p:cNvSpPr>
-          <p:nvPr>
-            <p:ph type="ftr" sz="quarter" idx="11"/>
-          </p:nvPr>
-        </p:nvSpPr>
-        <p:spPr/>
-        <p:txBody>
-          <a:bodyPr/>
-          <a:lstStyle/>
-          <a:p>
-            <a:r>
-              <a:rPr lang="en-US"/>
-              <a:t>DES Short Course - Session 1</a:t>
-            </a:r>
-          </a:p>
-        </p:txBody>
-      </p:sp>
-    </p:spTree>
-    <p:extLst>
-      <p:ext uri="{BB962C8B-B14F-4D97-AF65-F5344CB8AC3E}">
-        <p14:creationId xmlns:p14="http://schemas.microsoft.com/office/powerpoint/2010/main" val="701600363"/>
-      </p:ext>
-    </p:extLst>
-  </p:cSld>
-  <p:clrMapOvr>
-    <a:masterClrMapping/>
-  </p:clrMapOvr>
-</p:sld>
-</file>
-
-<file path=ppt/slides/slide4.xml><?xml version="1.0" encoding="utf-8"?>
-<p:sld xmlns:a="http://schemas.openxmlformats.org/drawingml/2006/main" xmlns:r="http://schemas.openxmlformats.org/officeDocument/2006/relationships" xmlns:p="http://schemas.openxmlformats.org/presentationml/2006/main">
-  <p:cSld>
-    <p:spTree>
-      <p:nvGrpSpPr>
-        <p:cNvPr id="1" name=""/>
-        <p:cNvGrpSpPr/>
-        <p:nvPr/>
-      </p:nvGrpSpPr>
-      <p:grpSpPr>
-        <a:xfrm>
-          <a:off x="0" y="0"/>
-          <a:ext cx="0" cy="0"/>
-          <a:chOff x="0" y="0"/>
-          <a:chExt cx="0" cy="0"/>
-        </a:xfrm>
-      </p:grpSpPr>
-      <p:sp>
-        <p:nvSpPr>
-          <p:cNvPr id="2" name="Title 1">
-            <a:extLst>
-              <a:ext uri="{FF2B5EF4-FFF2-40B4-BE49-F238E27FC236}">
-                <a16:creationId xmlns:a16="http://schemas.microsoft.com/office/drawing/2014/main" id="{DE68E80A-DC87-AE48-AD1A-576E30D39E1E}"/>
-              </a:ext>
-            </a:extLst>
-          </p:cNvPr>
-          <p:cNvSpPr>
-            <a:spLocks noGrp="1"/>
-          </p:cNvSpPr>
-          <p:nvPr>
-            <p:ph type="title"/>
-          </p:nvPr>
-        </p:nvSpPr>
-        <p:spPr/>
-        <p:txBody>
-          <a:bodyPr/>
-          <a:lstStyle/>
-          <a:p>
-            <a:r>
-              <a:rPr lang="en-US" dirty="0"/>
-              <a:t>Course Objectives</a:t>
-            </a:r>
-          </a:p>
-        </p:txBody>
-      </p:sp>
-      <p:sp>
-        <p:nvSpPr>
-          <p:cNvPr id="3" name="Content Placeholder 2">
-            <a:extLst>
-              <a:ext uri="{FF2B5EF4-FFF2-40B4-BE49-F238E27FC236}">
-                <a16:creationId xmlns:a16="http://schemas.microsoft.com/office/drawing/2014/main" id="{931B5EE7-F54A-E74F-BCCD-8514AD7CD88A}"/>
-              </a:ext>
-            </a:extLst>
-          </p:cNvPr>
-          <p:cNvSpPr>
-            <a:spLocks noGrp="1"/>
-          </p:cNvSpPr>
-          <p:nvPr>
-            <p:ph idx="1"/>
-          </p:nvPr>
-        </p:nvSpPr>
-        <p:spPr/>
-        <p:txBody>
-          <a:bodyPr/>
-          <a:lstStyle/>
-          <a:p>
-            <a:r>
-              <a:rPr lang="en-US" dirty="0"/>
-              <a:t>Understand Structure of Discrete Event Simulation Models</a:t>
-            </a:r>
-          </a:p>
-          <a:p>
-            <a:r>
-              <a:rPr lang="en-US" dirty="0"/>
-              <a:t>Explain the difference between time step and next event</a:t>
-            </a:r>
-          </a:p>
-          <a:p>
-            <a:r>
-              <a:rPr lang="en-US" dirty="0"/>
-              <a:t>Understand the structure of an Event Graph model</a:t>
-            </a:r>
-          </a:p>
-          <a:p>
-            <a:r>
-              <a:rPr lang="en-US" dirty="0"/>
-              <a:t>Formulate medium-size Event Graph model</a:t>
-            </a:r>
-          </a:p>
-          <a:p>
-            <a:r>
-              <a:rPr lang="en-US" dirty="0"/>
-              <a:t>Execute a pre-built Event Graph Model</a:t>
-            </a:r>
-          </a:p>
-          <a:p>
-            <a:r>
-              <a:rPr lang="en-US" dirty="0"/>
-              <a:t>Perform basic output analysis on a pre-built Event Graph model</a:t>
-            </a:r>
-          </a:p>
-        </p:txBody>
-      </p:sp>
-      <p:sp>
-        <p:nvSpPr>
-          <p:cNvPr id="8" name="Footer Placeholder 7">
-            <a:extLst>
-              <a:ext uri="{FF2B5EF4-FFF2-40B4-BE49-F238E27FC236}">
-                <a16:creationId xmlns:a16="http://schemas.microsoft.com/office/drawing/2014/main" id="{D7ACC2D1-DC28-8742-A0BB-D852C1493E31}"/>
-              </a:ext>
-            </a:extLst>
-          </p:cNvPr>
-          <p:cNvSpPr>
-            <a:spLocks noGrp="1"/>
-          </p:cNvSpPr>
-          <p:nvPr>
-            <p:ph type="ftr" sz="quarter" idx="11"/>
-          </p:nvPr>
-        </p:nvSpPr>
-        <p:spPr/>
-        <p:txBody>
-          <a:bodyPr/>
-          <a:lstStyle/>
-          <a:p>
-            <a:r>
-              <a:rPr lang="en-US"/>
-              <a:t>DES Short Course - Session 1</a:t>
-            </a:r>
-          </a:p>
-        </p:txBody>
-      </p:sp>
-    </p:spTree>
-    <p:extLst>
-      <p:ext uri="{BB962C8B-B14F-4D97-AF65-F5344CB8AC3E}">
-        <p14:creationId xmlns:p14="http://schemas.microsoft.com/office/powerpoint/2010/main" val="2942175357"/>
-      </p:ext>
-    </p:extLst>
-  </p:cSld>
-  <p:clrMapOvr>
-    <a:masterClrMapping/>
-  </p:clrMapOvr>
-</p:sld>
-</file>
-
-<file path=ppt/slides/slide5.xml><?xml version="1.0" encoding="utf-8"?>
-<p:sld xmlns:a="http://schemas.openxmlformats.org/drawingml/2006/main" xmlns:r="http://schemas.openxmlformats.org/officeDocument/2006/relationships" xmlns:p="http://schemas.openxmlformats.org/presentationml/2006/main">
-  <p:cSld>
-    <p:spTree>
-      <p:nvGrpSpPr>
-        <p:cNvPr id="1" name=""/>
-        <p:cNvGrpSpPr/>
-        <p:nvPr/>
-      </p:nvGrpSpPr>
-      <p:grpSpPr>
-        <a:xfrm>
-          <a:off x="0" y="0"/>
-          <a:ext cx="0" cy="0"/>
-          <a:chOff x="0" y="0"/>
-          <a:chExt cx="0" cy="0"/>
-        </a:xfrm>
-      </p:grpSpPr>
-      <p:sp>
-        <p:nvSpPr>
-          <p:cNvPr id="2" name="Title 1">
-            <a:extLst>
-              <a:ext uri="{FF2B5EF4-FFF2-40B4-BE49-F238E27FC236}">
-                <a16:creationId xmlns:a16="http://schemas.microsoft.com/office/drawing/2014/main" id="{FE140486-4E99-944F-8843-ACC39AD94DDB}"/>
-              </a:ext>
-            </a:extLst>
-          </p:cNvPr>
-          <p:cNvSpPr>
-            <a:spLocks noGrp="1"/>
-          </p:cNvSpPr>
-          <p:nvPr>
-            <p:ph type="title"/>
-          </p:nvPr>
-        </p:nvSpPr>
-        <p:spPr/>
-        <p:txBody>
-          <a:bodyPr/>
-          <a:lstStyle/>
-          <a:p>
-            <a:r>
-              <a:rPr lang="en-US" dirty="0"/>
-              <a:t>Course Materials</a:t>
-            </a:r>
-          </a:p>
-        </p:txBody>
-      </p:sp>
-      <p:sp>
-        <p:nvSpPr>
-          <p:cNvPr id="3" name="Content Placeholder 2">
-            <a:extLst>
-              <a:ext uri="{FF2B5EF4-FFF2-40B4-BE49-F238E27FC236}">
-                <a16:creationId xmlns:a16="http://schemas.microsoft.com/office/drawing/2014/main" id="{93C2324C-197E-8B48-9BC3-57CBB5E28CE6}"/>
-              </a:ext>
-            </a:extLst>
-          </p:cNvPr>
-          <p:cNvSpPr>
-            <a:spLocks noGrp="1"/>
-          </p:cNvSpPr>
-          <p:nvPr>
-            <p:ph idx="1"/>
-          </p:nvPr>
-        </p:nvSpPr>
-        <p:spPr/>
-        <p:txBody>
-          <a:bodyPr/>
-          <a:lstStyle/>
-          <a:p>
-            <a:r>
-              <a:rPr lang="en-US" dirty="0" err="1"/>
-              <a:t>Powerpoint</a:t>
-            </a:r>
-            <a:r>
-              <a:rPr lang="en-US" dirty="0"/>
-              <a:t> Slides</a:t>
-            </a:r>
-          </a:p>
-          <a:p>
-            <a:r>
-              <a:rPr lang="en-US" dirty="0"/>
-              <a:t>Introduction to Discrete Event Simulation (Handout)</a:t>
-            </a:r>
-          </a:p>
-          <a:p>
-            <a:r>
-              <a:rPr lang="en-US" dirty="0"/>
-              <a:t>Problems and Exercises (Handouts)</a:t>
-            </a:r>
-          </a:p>
-          <a:p>
-            <a:r>
-              <a:rPr lang="en-US" dirty="0" err="1"/>
-              <a:t>EventGraphGUI</a:t>
-            </a:r>
-            <a:r>
-              <a:rPr lang="en-US" dirty="0"/>
-              <a:t> program</a:t>
-            </a:r>
-          </a:p>
-          <a:p>
-            <a:r>
-              <a:rPr lang="en-US" dirty="0"/>
-              <a:t>Java version 8 or above (required to run </a:t>
-            </a:r>
-            <a:r>
-              <a:rPr lang="en-US" dirty="0" err="1"/>
-              <a:t>EventGraphGUI</a:t>
-            </a:r>
-            <a:r>
-              <a:rPr lang="en-US" dirty="0"/>
-              <a:t>)</a:t>
-            </a:r>
-          </a:p>
-        </p:txBody>
-      </p:sp>
-      <p:sp>
-        <p:nvSpPr>
-          <p:cNvPr id="5" name="Footer Placeholder 4">
-            <a:extLst>
-              <a:ext uri="{FF2B5EF4-FFF2-40B4-BE49-F238E27FC236}">
-                <a16:creationId xmlns:a16="http://schemas.microsoft.com/office/drawing/2014/main" id="{BE17DF1B-DB57-2646-95F2-F4B0DFCF8887}"/>
-              </a:ext>
-            </a:extLst>
-          </p:cNvPr>
-          <p:cNvSpPr>
-            <a:spLocks noGrp="1"/>
-          </p:cNvSpPr>
-          <p:nvPr>
-            <p:ph type="ftr" sz="quarter" idx="11"/>
-          </p:nvPr>
-        </p:nvSpPr>
-        <p:spPr/>
-        <p:txBody>
-          <a:bodyPr/>
-          <a:lstStyle/>
-          <a:p>
-            <a:r>
-              <a:rPr lang="en-US"/>
-              <a:t>DES Short Course - Session 1</a:t>
-            </a:r>
-          </a:p>
-        </p:txBody>
-      </p:sp>
-    </p:spTree>
-    <p:extLst>
-      <p:ext uri="{BB962C8B-B14F-4D97-AF65-F5344CB8AC3E}">
-        <p14:creationId xmlns:p14="http://schemas.microsoft.com/office/powerpoint/2010/main" val="3063658885"/>
-      </p:ext>
-    </p:extLst>
-  </p:cSld>
-  <p:clrMapOvr>
-    <a:masterClrMapping/>
-  </p:clrMapOvr>
-</p:sld>
-</file>
-
-<file path=ppt/slides/slide6.xml><?xml version="1.0" encoding="utf-8"?>
-<p:sld xmlns:a="http://schemas.openxmlformats.org/drawingml/2006/main" xmlns:r="http://schemas.openxmlformats.org/officeDocument/2006/relationships" xmlns:p="http://schemas.openxmlformats.org/presentationml/2006/main">
-  <p:cSld>
-    <p:spTree>
-      <p:nvGrpSpPr>
-        <p:cNvPr id="1" name=""/>
-        <p:cNvGrpSpPr/>
-        <p:nvPr/>
-      </p:nvGrpSpPr>
-      <p:grpSpPr>
-        <a:xfrm>
-          <a:off x="0" y="0"/>
-          <a:ext cx="0" cy="0"/>
-          <a:chOff x="0" y="0"/>
-          <a:chExt cx="0" cy="0"/>
-        </a:xfrm>
-      </p:grpSpPr>
-      <p:sp>
-        <p:nvSpPr>
-          <p:cNvPr id="17412" name="Rectangle 2"/>
-          <p:cNvSpPr>
-            <a:spLocks noGrp="1" noChangeArrowheads="1"/>
-          </p:cNvSpPr>
-          <p:nvPr>
-            <p:ph type="title"/>
-          </p:nvPr>
-        </p:nvSpPr>
-        <p:spPr/>
-        <p:txBody>
-          <a:bodyPr/>
-          <a:lstStyle/>
-          <a:p>
-            <a:pPr eaLnBrk="1" hangingPunct="1"/>
-            <a:r>
-              <a:rPr lang="en-US" dirty="0"/>
-              <a:t>Simulation Modeling Overview</a:t>
-            </a:r>
-          </a:p>
-        </p:txBody>
-      </p:sp>
-      <p:sp>
-        <p:nvSpPr>
-          <p:cNvPr id="17413" name="Rectangle 3"/>
-          <p:cNvSpPr>
-            <a:spLocks noGrp="1" noChangeArrowheads="1"/>
-          </p:cNvSpPr>
-          <p:nvPr>
-            <p:ph type="body" idx="1"/>
-          </p:nvPr>
-        </p:nvSpPr>
-        <p:spPr/>
-        <p:txBody>
-          <a:bodyPr/>
-          <a:lstStyle/>
-          <a:p>
-            <a:pPr eaLnBrk="1" hangingPunct="1"/>
-            <a:r>
-              <a:rPr lang="en-US" dirty="0">
-                <a:latin typeface="Arial" charset="0"/>
+            <a:pPr>
+              <a:tabLst>
+                <a:tab pos="0" algn="l"/>
+                <a:tab pos="914400" algn="l"/>
+                <a:tab pos="1828800" algn="l"/>
+                <a:tab pos="2743200" algn="l"/>
+                <a:tab pos="3657600" algn="l"/>
+                <a:tab pos="4572000" algn="l"/>
+                <a:tab pos="5486400" algn="l"/>
+                <a:tab pos="6400800" algn="l"/>
+                <a:tab pos="7315200" algn="l"/>
+                <a:tab pos="8229600" algn="l"/>
+                <a:tab pos="9144000" algn="l"/>
+                <a:tab pos="10058400" algn="l"/>
+              </a:tabLst>
+            </a:pPr>
+            <a:r>
+              <a:rPr lang="en-GB" dirty="0">
                 <a:cs typeface="Arial" charset="0"/>
               </a:rPr>
-              <a:t>Purpose of simulation model</a:t>
-            </a:r>
-          </a:p>
-          <a:p>
-            <a:pPr lvl="1" eaLnBrk="1" hangingPunct="1"/>
-            <a:r>
-              <a:rPr lang="en-US" dirty="0">
-                <a:latin typeface="Arial" charset="0"/>
-                <a:cs typeface="Arial" charset="0"/>
-              </a:rPr>
-              <a:t>Training</a:t>
-            </a:r>
-          </a:p>
-          <a:p>
-            <a:pPr lvl="1" eaLnBrk="1" hangingPunct="1"/>
-            <a:r>
-              <a:rPr lang="en-US" b="1" dirty="0">
-                <a:latin typeface="Arial" charset="0"/>
-                <a:cs typeface="Arial" charset="0"/>
-              </a:rPr>
-              <a:t>Analysis</a:t>
-            </a:r>
-          </a:p>
-          <a:p>
-            <a:pPr eaLnBrk="1" hangingPunct="1"/>
-            <a:r>
-              <a:rPr lang="en-US" dirty="0">
-                <a:latin typeface="Arial" charset="0"/>
-                <a:cs typeface="Arial" charset="0"/>
-              </a:rPr>
-              <a:t>Modeling Time in Simulation</a:t>
-            </a:r>
-          </a:p>
-          <a:p>
-            <a:pPr lvl="1" eaLnBrk="1" hangingPunct="1"/>
-            <a:r>
-              <a:rPr lang="en-US" dirty="0">
-                <a:latin typeface="Arial" charset="0"/>
-                <a:cs typeface="Arial" charset="0"/>
-              </a:rPr>
-              <a:t>Time Step</a:t>
-            </a:r>
-          </a:p>
-          <a:p>
-            <a:pPr lvl="1" eaLnBrk="1" hangingPunct="1"/>
-            <a:r>
-              <a:rPr lang="en-US" b="1" dirty="0">
-                <a:latin typeface="Arial" charset="0"/>
-                <a:cs typeface="Arial" charset="0"/>
-              </a:rPr>
-              <a:t>Next Event</a:t>
-            </a:r>
-          </a:p>
-          <a:p>
-            <a:pPr lvl="1" eaLnBrk="1" hangingPunct="1"/>
-            <a:r>
-              <a:rPr lang="en-US" dirty="0">
-                <a:latin typeface="Arial" charset="0"/>
-                <a:cs typeface="Arial" charset="0"/>
-              </a:rPr>
-              <a:t>Hybrid</a:t>
-            </a:r>
-          </a:p>
-          <a:p>
-            <a:pPr eaLnBrk="1" hangingPunct="1"/>
-            <a:r>
-              <a:rPr lang="en-US" dirty="0">
-                <a:latin typeface="Arial" charset="0"/>
-                <a:cs typeface="Arial" charset="0"/>
-              </a:rPr>
-              <a:t>“All models are wrong”</a:t>
-            </a:r>
-          </a:p>
-          <a:p>
-            <a:pPr eaLnBrk="1" hangingPunct="1"/>
-            <a:endParaRPr lang="en-US" dirty="0">
-              <a:latin typeface="Arial" charset="0"/>
-              <a:cs typeface="Arial" charset="0"/>
-            </a:endParaRPr>
-          </a:p>
-          <a:p>
-            <a:pPr eaLnBrk="1" hangingPunct="1"/>
-            <a:endParaRPr lang="en-US" u="sng" dirty="0">
-              <a:latin typeface="Arial" charset="0"/>
-              <a:cs typeface="Arial" charset="0"/>
-            </a:endParaRPr>
-          </a:p>
-        </p:txBody>
-      </p:sp>
-      <p:sp>
-        <p:nvSpPr>
-          <p:cNvPr id="3" name="Footer Placeholder 2">
-            <a:extLst>
-              <a:ext uri="{FF2B5EF4-FFF2-40B4-BE49-F238E27FC236}">
-                <a16:creationId xmlns:a16="http://schemas.microsoft.com/office/drawing/2014/main" id="{2DC67FCB-854D-4343-B888-14B72186227E}"/>
-              </a:ext>
-            </a:extLst>
-          </p:cNvPr>
-          <p:cNvSpPr>
-            <a:spLocks noGrp="1"/>
-          </p:cNvSpPr>
-          <p:nvPr>
-            <p:ph type="ftr" sz="quarter" idx="11"/>
+              <a:t>Example: Arrival Process</a:t>
+            </a:r>
+          </a:p>
+        </p:txBody>
+      </p:sp>
+      <p:sp>
+        <p:nvSpPr>
+          <p:cNvPr id="25606" name="Rectangle 2"/>
+          <p:cNvSpPr>
+            <a:spLocks noGrp="1" noChangeArrowheads="1"/>
+          </p:cNvSpPr>
+          <p:nvPr>
+            <p:ph idx="1"/>
           </p:nvPr>
         </p:nvSpPr>
         <p:spPr/>
         <p:txBody>
-          <a:bodyPr/>
-          <a:lstStyle/>
-          <a:p>
-            <a:r>
-              <a:rPr lang="en-US"/>
-              <a:t>DES Short Course - Session 1</a:t>
-            </a:r>
-          </a:p>
-        </p:txBody>
-      </p:sp>
-    </p:spTree>
-  </p:cSld>
-  <p:clrMapOvr>
-    <a:masterClrMapping/>
-  </p:clrMapOvr>
-</p:sld>
-</file>
-
-<file path=ppt/slides/slide7.xml><?xml version="1.0" encoding="utf-8"?>
-<p:sld xmlns:a="http://schemas.openxmlformats.org/drawingml/2006/main" xmlns:r="http://schemas.openxmlformats.org/officeDocument/2006/relationships" xmlns:p="http://schemas.openxmlformats.org/presentationml/2006/main">
-  <p:cSld>
-    <p:spTree>
-      <p:nvGrpSpPr>
-        <p:cNvPr id="1" name=""/>
-        <p:cNvGrpSpPr/>
-        <p:nvPr/>
-      </p:nvGrpSpPr>
-      <p:grpSpPr>
-        <a:xfrm>
-          <a:off x="0" y="0"/>
-          <a:ext cx="0" cy="0"/>
-          <a:chOff x="0" y="0"/>
-          <a:chExt cx="0" cy="0"/>
-        </a:xfrm>
-      </p:grpSpPr>
-      <p:sp>
-        <p:nvSpPr>
-          <p:cNvPr id="15365" name="Rectangle 1"/>
-          <p:cNvSpPr>
-            <a:spLocks noGrp="1" noChangeArrowheads="1"/>
-          </p:cNvSpPr>
-          <p:nvPr>
-            <p:ph type="title"/>
-          </p:nvPr>
-        </p:nvSpPr>
-        <p:spPr>
-          <a:xfrm>
-            <a:off x="2732036" y="677041"/>
-            <a:ext cx="7336303" cy="701731"/>
-          </a:xfrm>
-        </p:spPr>
-        <p:txBody>
-          <a:bodyPr>
+          <a:bodyPr vert="horz" lIns="0" tIns="0" rIns="0" bIns="0" rtlCol="0">
             <a:spAutoFit/>
           </a:bodyPr>
           <a:lstStyle/>
@@ -10005,29 +9809,33 @@
             </a:pPr>
             <a:r>
               <a:rPr lang="en-GB" dirty="0">
+                <a:latin typeface="Arial" charset="0"/>
                 <a:cs typeface="Arial" charset="0"/>
               </a:rPr>
-              <a:t>Discrete Event Simulation (DES)</a:t>
-            </a:r>
-          </a:p>
-        </p:txBody>
-      </p:sp>
-      <p:sp>
-        <p:nvSpPr>
-          <p:cNvPr id="15366" name="Rectangle 2"/>
-          <p:cNvSpPr>
-            <a:spLocks noGrp="1" noChangeArrowheads="1"/>
-          </p:cNvSpPr>
-          <p:nvPr>
-            <p:ph idx="1"/>
-          </p:nvPr>
-        </p:nvSpPr>
-        <p:spPr/>
-        <p:txBody>
-          <a:bodyPr vert="horz" lIns="0" tIns="0" rIns="0" bIns="0" rtlCol="0">
-            <a:spAutoFit/>
-          </a:bodyPr>
-          <a:lstStyle/>
+              <a:t>Parameter: Interarrival times {</a:t>
+            </a:r>
+            <a:r>
+              <a:rPr lang="en-GB" dirty="0" err="1">
+                <a:latin typeface="Arial" charset="0"/>
+                <a:cs typeface="Arial" charset="0"/>
+              </a:rPr>
+              <a:t>t</a:t>
+            </a:r>
+            <a:r>
+              <a:rPr lang="en-GB" baseline="-25000" dirty="0" err="1">
+                <a:latin typeface="Arial" charset="0"/>
+                <a:cs typeface="Arial" charset="0"/>
+              </a:rPr>
+              <a:t>A</a:t>
+            </a:r>
+            <a:r>
+              <a:rPr lang="en-GB" dirty="0">
+                <a:latin typeface="Arial" charset="0"/>
+                <a:cs typeface="Arial" charset="0"/>
+              </a:rPr>
+              <a:t>}</a:t>
+            </a:r>
+          </a:p>
           <a:p>
             <a:pPr>
               <a:tabLst>
@@ -10049,7 +9857,7 @@
                 <a:latin typeface="Arial" charset="0"/>
                 <a:cs typeface="Arial" charset="0"/>
               </a:rPr>
-              <a:t>States</a:t>
+              <a:t>State: Number Arrivals (N)</a:t>
             </a:r>
           </a:p>
           <a:p>
@@ -10073,11 +9881,11 @@
                 <a:latin typeface="Arial" charset="0"/>
                 <a:cs typeface="Arial" charset="0"/>
               </a:rPr>
-              <a:t>Events</a:t>
-            </a:r>
-          </a:p>
-          <a:p>
-            <a:pPr>
+              <a:t>Events:</a:t>
+            </a:r>
+          </a:p>
+          <a:p>
+            <a:pPr lvl="1">
               <a:tabLst>
                 <a:tab pos="911225" algn="l"/>
                 <a:tab pos="1825625" algn="l"/>
@@ -10097,11 +9905,32 @@
                 <a:latin typeface="Arial" charset="0"/>
                 <a:cs typeface="Arial" charset="0"/>
               </a:rPr>
-              <a:t>Event List</a:t>
-            </a:r>
-          </a:p>
-          <a:p>
-            <a:pPr>
+              <a:t>Run: N = 0; Schedule first Arrival with delay of first </a:t>
+            </a:r>
+            <a:r>
+              <a:rPr lang="en-GB" dirty="0" err="1">
+                <a:latin typeface="Arial" charset="0"/>
+                <a:cs typeface="Arial" charset="0"/>
+              </a:rPr>
+              <a:t>t</a:t>
+            </a:r>
+            <a:r>
+              <a:rPr lang="en-GB" baseline="-25000" dirty="0" err="1">
+                <a:latin typeface="Arial" charset="0"/>
+                <a:cs typeface="Arial" charset="0"/>
+              </a:rPr>
+              <a:t>A</a:t>
+            </a:r>
+            <a:r>
+              <a:rPr lang="en-GB" dirty="0">
+                <a:latin typeface="Arial" charset="0"/>
+                <a:cs typeface="Arial" charset="0"/>
+              </a:rPr>
+              <a:t> value</a:t>
+            </a:r>
+          </a:p>
+          <a:p>
+            <a:pPr lvl="1">
               <a:tabLst>
                 <a:tab pos="911225" algn="l"/>
                 <a:tab pos="1825625" algn="l"/>
@@ -10121,31 +9950,28 @@
                 <a:latin typeface="Arial" charset="0"/>
                 <a:cs typeface="Arial" charset="0"/>
               </a:rPr>
-              <a:t>Structure of DES Model</a:t>
-            </a:r>
-          </a:p>
-          <a:p>
-            <a:pPr>
-              <a:tabLst>
-                <a:tab pos="911225" algn="l"/>
-                <a:tab pos="1825625" algn="l"/>
-                <a:tab pos="2740025" algn="l"/>
-                <a:tab pos="3654425" algn="l"/>
-                <a:tab pos="4568825" algn="l"/>
-                <a:tab pos="5483225" algn="l"/>
-                <a:tab pos="6397625" algn="l"/>
-                <a:tab pos="7312025" algn="l"/>
-                <a:tab pos="8226425" algn="l"/>
-                <a:tab pos="9140825" algn="l"/>
-                <a:tab pos="10055225" algn="l"/>
-              </a:tabLst>
-            </a:pPr>
+              <a:t>Arrival: N = N + 1; Schedule next arrival with delay of subsequent </a:t>
+            </a:r>
+            <a:r>
+              <a:rPr lang="en-GB" dirty="0" err="1">
+                <a:latin typeface="Arial" charset="0"/>
+                <a:cs typeface="Arial" charset="0"/>
+              </a:rPr>
+              <a:t>t</a:t>
+            </a:r>
+            <a:r>
+              <a:rPr lang="en-GB" baseline="-25000" dirty="0" err="1">
+                <a:latin typeface="Arial" charset="0"/>
+                <a:cs typeface="Arial" charset="0"/>
+              </a:rPr>
+              <a:t>A</a:t>
+            </a:r>
             <a:r>
               <a:rPr lang="en-GB" dirty="0">
                 <a:latin typeface="Arial" charset="0"/>
                 <a:cs typeface="Arial" charset="0"/>
               </a:rPr>
-              <a:t>DES Examples</a:t>
+              <a:t> values</a:t>
             </a:r>
           </a:p>
         </p:txBody>
@@ -10155,7 +9981,7 @@
           <p:cNvPr id="5" name="Footer Placeholder 4">
             <a:extLst>
               <a:ext uri="{FF2B5EF4-FFF2-40B4-BE49-F238E27FC236}">
-                <a16:creationId xmlns:a16="http://schemas.microsoft.com/office/drawing/2014/main" id="{0F494EC0-D8B7-3945-8290-69163C8FA3B6}"/>
+                <a16:creationId xmlns:a16="http://schemas.microsoft.com/office/drawing/2014/main" id="{37EF4C70-3CFD-0345-AEC5-1F58D78103A6}"/>
               </a:ext>
             </a:extLst>
           </p:cNvPr>
@@ -10178,6 +10004,86 @@
           </a:p>
         </p:txBody>
       </p:sp>
+      <p:sp>
+        <p:nvSpPr>
+          <p:cNvPr id="2" name="Slide Number Placeholder 1">
+            <a:extLst>
+              <a:ext uri="{FF2B5EF4-FFF2-40B4-BE49-F238E27FC236}">
+                <a16:creationId xmlns:a16="http://schemas.microsoft.com/office/drawing/2014/main" id="{055AF602-9463-854D-9453-947FA077D1CD}"/>
+              </a:ext>
+            </a:extLst>
+          </p:cNvPr>
+          <p:cNvSpPr>
+            <a:spLocks noGrp="1"/>
+          </p:cNvSpPr>
+          <p:nvPr>
+            <p:ph type="sldNum" sz="quarter" idx="12"/>
+          </p:nvPr>
+        </p:nvSpPr>
+        <p:spPr/>
+        <p:txBody>
+          <a:bodyPr/>
+          <a:lstStyle/>
+          <a:p>
+            <a:fld id="{7B5F8CF4-080C-6448-A4C0-B6A3C5CD13C0}" type="slidenum">
+              <a:rPr lang="en-US" smtClean="0"/>
+              <a:t>17</a:t>
+            </a:fld>
+            <a:endParaRPr lang="en-US"/>
+          </a:p>
+        </p:txBody>
+      </p:sp>
+      <mc:AlternateContent xmlns:mc="http://schemas.openxmlformats.org/markup-compatibility/2006">
+        <mc:Choice xmlns:p14="http://schemas.microsoft.com/office/powerpoint/2010/main" Requires="p14">
+          <p:contentPart p14:bwMode="auto" r:id="rId3">
+            <p14:nvContentPartPr>
+              <p14:cNvPr id="3" name="Ink 2">
+                <a:extLst>
+                  <a:ext uri="{FF2B5EF4-FFF2-40B4-BE49-F238E27FC236}">
+                    <a16:creationId xmlns:a16="http://schemas.microsoft.com/office/drawing/2014/main" id="{21AA1534-9B1C-1A42-8B62-2D746233E9E5}"/>
+                  </a:ext>
+                </a:extLst>
+              </p14:cNvPr>
+              <p14:cNvContentPartPr/>
+              <p14:nvPr/>
+            </p14:nvContentPartPr>
+            <p14:xfrm>
+              <a:off x="291600" y="1788120"/>
+              <a:ext cx="10457640" cy="3929040"/>
+            </p14:xfrm>
+          </p:contentPart>
+        </mc:Choice>
+        <mc:Fallback>
+          <p:pic>
+            <p:nvPicPr>
+              <p:cNvPr id="3" name="Ink 2">
+                <a:extLst>
+                  <a:ext uri="{FF2B5EF4-FFF2-40B4-BE49-F238E27FC236}">
+                    <a16:creationId xmlns:a16="http://schemas.microsoft.com/office/drawing/2014/main" id="{21AA1534-9B1C-1A42-8B62-2D746233E9E5}"/>
+                  </a:ext>
+                </a:extLst>
+              </p:cNvPr>
+              <p:cNvPicPr/>
+              <p:nvPr/>
+            </p:nvPicPr>
+            <p:blipFill>
+              <a:blip r:embed="rId4"/>
+              <a:stretch>
+                <a:fillRect/>
+              </a:stretch>
+            </p:blipFill>
+            <p:spPr>
+              <a:xfrm>
+                <a:off x="282240" y="1778760"/>
+                <a:ext cx="10476360" cy="3947760"/>
+              </a:xfrm>
+              <a:prstGeom prst="rect">
+                <a:avLst/>
+              </a:prstGeom>
+            </p:spPr>
+          </p:pic>
+        </mc:Fallback>
+      </mc:AlternateContent>
     </p:spTree>
   </p:cSld>
   <p:clrMapOvr>
@@ -10214,6 +10120,1480 @@
 </p:sld>
 </file>
 
+<file path=ppt/slides/slide18.xml><?xml version="1.0" encoding="utf-8"?>
+<p:sld xmlns:a="http://schemas.openxmlformats.org/drawingml/2006/main" xmlns:r="http://schemas.openxmlformats.org/officeDocument/2006/relationships" xmlns:p="http://schemas.openxmlformats.org/presentationml/2006/main">
+  <p:cSld>
+    <p:spTree>
+      <p:nvGrpSpPr>
+        <p:cNvPr id="1" name=""/>
+        <p:cNvGrpSpPr/>
+        <p:nvPr/>
+      </p:nvGrpSpPr>
+      <p:grpSpPr>
+        <a:xfrm>
+          <a:off x="0" y="0"/>
+          <a:ext cx="0" cy="0"/>
+          <a:chOff x="0" y="0"/>
+          <a:chExt cx="0" cy="0"/>
+        </a:xfrm>
+      </p:grpSpPr>
+      <p:sp>
+        <p:nvSpPr>
+          <p:cNvPr id="2" name="Title 1">
+            <a:extLst>
+              <a:ext uri="{FF2B5EF4-FFF2-40B4-BE49-F238E27FC236}">
+                <a16:creationId xmlns:a16="http://schemas.microsoft.com/office/drawing/2014/main" id="{53DD3BBE-6CF4-924E-9EC9-B0492F3F2DED}"/>
+              </a:ext>
+            </a:extLst>
+          </p:cNvPr>
+          <p:cNvSpPr>
+            <a:spLocks noGrp="1"/>
+          </p:cNvSpPr>
+          <p:nvPr>
+            <p:ph type="title"/>
+          </p:nvPr>
+        </p:nvSpPr>
+        <p:spPr/>
+        <p:txBody>
+          <a:bodyPr/>
+          <a:lstStyle/>
+          <a:p>
+            <a:r>
+              <a:rPr lang="en-US" dirty="0"/>
+              <a:t>Possible State Trajectory</a:t>
+            </a:r>
+          </a:p>
+        </p:txBody>
+      </p:sp>
+      <p:pic>
+        <p:nvPicPr>
+          <p:cNvPr id="6" name="Picture 5">
+            <a:extLst>
+              <a:ext uri="{FF2B5EF4-FFF2-40B4-BE49-F238E27FC236}">
+                <a16:creationId xmlns:a16="http://schemas.microsoft.com/office/drawing/2014/main" id="{A2EC1586-715E-0942-9B17-8423B411A1C6}"/>
+              </a:ext>
+            </a:extLst>
+          </p:cNvPr>
+          <p:cNvPicPr>
+            <a:picLocks noChangeAspect="1"/>
+          </p:cNvPicPr>
+          <p:nvPr/>
+        </p:nvPicPr>
+        <p:blipFill>
+          <a:blip r:embed="rId2"/>
+          <a:stretch>
+            <a:fillRect/>
+          </a:stretch>
+        </p:blipFill>
+        <p:spPr>
+          <a:xfrm>
+            <a:off x="2743200" y="1847691"/>
+            <a:ext cx="6235700" cy="3937000"/>
+          </a:xfrm>
+          <a:prstGeom prst="rect">
+            <a:avLst/>
+          </a:prstGeom>
+        </p:spPr>
+      </p:pic>
+      <p:sp>
+        <p:nvSpPr>
+          <p:cNvPr id="8" name="Footer Placeholder 7">
+            <a:extLst>
+              <a:ext uri="{FF2B5EF4-FFF2-40B4-BE49-F238E27FC236}">
+                <a16:creationId xmlns:a16="http://schemas.microsoft.com/office/drawing/2014/main" id="{7F0BA512-2BFA-7A45-B6D3-F2D87D309070}"/>
+              </a:ext>
+            </a:extLst>
+          </p:cNvPr>
+          <p:cNvSpPr>
+            <a:spLocks noGrp="1"/>
+          </p:cNvSpPr>
+          <p:nvPr>
+            <p:ph type="ftr" sz="quarter" idx="11"/>
+          </p:nvPr>
+        </p:nvSpPr>
+        <p:spPr/>
+        <p:txBody>
+          <a:bodyPr/>
+          <a:lstStyle/>
+          <a:p>
+            <a:r>
+              <a:rPr lang="en-US"/>
+              <a:t>DES Short Course - Session 1</a:t>
+            </a:r>
+          </a:p>
+        </p:txBody>
+      </p:sp>
+      <p:sp>
+        <p:nvSpPr>
+          <p:cNvPr id="3" name="Slide Number Placeholder 2">
+            <a:extLst>
+              <a:ext uri="{FF2B5EF4-FFF2-40B4-BE49-F238E27FC236}">
+                <a16:creationId xmlns:a16="http://schemas.microsoft.com/office/drawing/2014/main" id="{1C9DFCF3-F163-B34E-9647-A492B3FC2517}"/>
+              </a:ext>
+            </a:extLst>
+          </p:cNvPr>
+          <p:cNvSpPr>
+            <a:spLocks noGrp="1"/>
+          </p:cNvSpPr>
+          <p:nvPr>
+            <p:ph type="sldNum" sz="quarter" idx="12"/>
+          </p:nvPr>
+        </p:nvSpPr>
+        <p:spPr/>
+        <p:txBody>
+          <a:bodyPr/>
+          <a:lstStyle/>
+          <a:p>
+            <a:fld id="{7B5F8CF4-080C-6448-A4C0-B6A3C5CD13C0}" type="slidenum">
+              <a:rPr lang="en-US" smtClean="0"/>
+              <a:t>18</a:t>
+            </a:fld>
+            <a:endParaRPr lang="en-US"/>
+          </a:p>
+        </p:txBody>
+      </p:sp>
+    </p:spTree>
+    <p:extLst>
+      <p:ext uri="{BB962C8B-B14F-4D97-AF65-F5344CB8AC3E}">
+        <p14:creationId xmlns:p14="http://schemas.microsoft.com/office/powerpoint/2010/main" val="3900731439"/>
+      </p:ext>
+    </p:extLst>
+  </p:cSld>
+  <p:clrMapOvr>
+    <a:masterClrMapping/>
+  </p:clrMapOvr>
+</p:sld>
+</file>
+
+<file path=ppt/slides/slide2.xml><?xml version="1.0" encoding="utf-8"?>
+<p:sld xmlns:a="http://schemas.openxmlformats.org/drawingml/2006/main" xmlns:r="http://schemas.openxmlformats.org/officeDocument/2006/relationships" xmlns:p="http://schemas.openxmlformats.org/presentationml/2006/main">
+  <p:cSld>
+    <p:spTree>
+      <p:nvGrpSpPr>
+        <p:cNvPr id="1" name=""/>
+        <p:cNvGrpSpPr/>
+        <p:nvPr/>
+      </p:nvGrpSpPr>
+      <p:grpSpPr>
+        <a:xfrm>
+          <a:off x="0" y="0"/>
+          <a:ext cx="0" cy="0"/>
+          <a:chOff x="0" y="0"/>
+          <a:chExt cx="0" cy="0"/>
+        </a:xfrm>
+      </p:grpSpPr>
+      <p:sp>
+        <p:nvSpPr>
+          <p:cNvPr id="2" name="Title 1">
+            <a:extLst>
+              <a:ext uri="{FF2B5EF4-FFF2-40B4-BE49-F238E27FC236}">
+                <a16:creationId xmlns:a16="http://schemas.microsoft.com/office/drawing/2014/main" id="{FBFE3914-A092-894C-B1BE-4FD544B1BB46}"/>
+              </a:ext>
+            </a:extLst>
+          </p:cNvPr>
+          <p:cNvSpPr>
+            <a:spLocks noGrp="1"/>
+          </p:cNvSpPr>
+          <p:nvPr>
+            <p:ph type="title"/>
+          </p:nvPr>
+        </p:nvSpPr>
+        <p:spPr/>
+        <p:txBody>
+          <a:bodyPr/>
+          <a:lstStyle/>
+          <a:p>
+            <a:r>
+              <a:rPr lang="en-US"/>
+              <a:t>Session 1 Overview</a:t>
+            </a:r>
+            <a:endParaRPr lang="en-US" dirty="0"/>
+          </a:p>
+        </p:txBody>
+      </p:sp>
+      <p:sp>
+        <p:nvSpPr>
+          <p:cNvPr id="3" name="Content Placeholder 2">
+            <a:extLst>
+              <a:ext uri="{FF2B5EF4-FFF2-40B4-BE49-F238E27FC236}">
+                <a16:creationId xmlns:a16="http://schemas.microsoft.com/office/drawing/2014/main" id="{4934D379-650D-7241-A8E2-557362D568C3}"/>
+              </a:ext>
+            </a:extLst>
+          </p:cNvPr>
+          <p:cNvSpPr>
+            <a:spLocks noGrp="1"/>
+          </p:cNvSpPr>
+          <p:nvPr>
+            <p:ph idx="1"/>
+          </p:nvPr>
+        </p:nvSpPr>
+        <p:spPr/>
+        <p:txBody>
+          <a:bodyPr>
+            <a:normAutofit lnSpcReduction="10000"/>
+          </a:bodyPr>
+          <a:lstStyle/>
+          <a:p>
+            <a:r>
+              <a:rPr lang="en-US" dirty="0"/>
+              <a:t>Course Objectives</a:t>
+            </a:r>
+          </a:p>
+          <a:p>
+            <a:r>
+              <a:rPr lang="en-US" dirty="0"/>
+              <a:t>Course Materials</a:t>
+            </a:r>
+          </a:p>
+          <a:p>
+            <a:r>
+              <a:rPr lang="en-US" dirty="0"/>
+              <a:t>Purpose of Simulation Models</a:t>
+            </a:r>
+          </a:p>
+          <a:p>
+            <a:r>
+              <a:rPr lang="en-US" dirty="0"/>
+              <a:t>Modeling Time</a:t>
+            </a:r>
+          </a:p>
+          <a:p>
+            <a:r>
+              <a:rPr lang="en-US" dirty="0"/>
+              <a:t>States and Events</a:t>
+            </a:r>
+          </a:p>
+          <a:p>
+            <a:r>
+              <a:rPr lang="en-US" dirty="0"/>
+              <a:t>State Trajectories</a:t>
+            </a:r>
+          </a:p>
+          <a:p>
+            <a:r>
+              <a:rPr lang="en-US" dirty="0"/>
+              <a:t>Event List</a:t>
+            </a:r>
+          </a:p>
+          <a:p>
+            <a:r>
+              <a:rPr lang="en-US" dirty="0"/>
+              <a:t>Structure of DES Model</a:t>
+            </a:r>
+          </a:p>
+          <a:p>
+            <a:r>
+              <a:rPr lang="en-US" dirty="0"/>
+              <a:t>Example</a:t>
+            </a:r>
+          </a:p>
+        </p:txBody>
+      </p:sp>
+      <p:sp>
+        <p:nvSpPr>
+          <p:cNvPr id="8" name="Footer Placeholder 7">
+            <a:extLst>
+              <a:ext uri="{FF2B5EF4-FFF2-40B4-BE49-F238E27FC236}">
+                <a16:creationId xmlns:a16="http://schemas.microsoft.com/office/drawing/2014/main" id="{5D1182EC-6B57-D742-BA7D-8D57303B7111}"/>
+              </a:ext>
+            </a:extLst>
+          </p:cNvPr>
+          <p:cNvSpPr>
+            <a:spLocks noGrp="1"/>
+          </p:cNvSpPr>
+          <p:nvPr>
+            <p:ph type="ftr" sz="quarter" idx="11"/>
+          </p:nvPr>
+        </p:nvSpPr>
+        <p:spPr/>
+        <p:txBody>
+          <a:bodyPr/>
+          <a:lstStyle/>
+          <a:p>
+            <a:r>
+              <a:rPr lang="en-US"/>
+              <a:t>DES Short Course - Session 1</a:t>
+            </a:r>
+          </a:p>
+        </p:txBody>
+      </p:sp>
+      <p:sp>
+        <p:nvSpPr>
+          <p:cNvPr id="4" name="Slide Number Placeholder 3">
+            <a:extLst>
+              <a:ext uri="{FF2B5EF4-FFF2-40B4-BE49-F238E27FC236}">
+                <a16:creationId xmlns:a16="http://schemas.microsoft.com/office/drawing/2014/main" id="{09466AB1-FDD9-904A-9779-039A5AF1138F}"/>
+              </a:ext>
+            </a:extLst>
+          </p:cNvPr>
+          <p:cNvSpPr>
+            <a:spLocks noGrp="1"/>
+          </p:cNvSpPr>
+          <p:nvPr>
+            <p:ph type="sldNum" sz="quarter" idx="12"/>
+          </p:nvPr>
+        </p:nvSpPr>
+        <p:spPr/>
+        <p:txBody>
+          <a:bodyPr/>
+          <a:lstStyle/>
+          <a:p>
+            <a:fld id="{7B5F8CF4-080C-6448-A4C0-B6A3C5CD13C0}" type="slidenum">
+              <a:rPr lang="en-US" smtClean="0"/>
+              <a:t>2</a:t>
+            </a:fld>
+            <a:endParaRPr lang="en-US"/>
+          </a:p>
+        </p:txBody>
+      </p:sp>
+    </p:spTree>
+    <p:extLst>
+      <p:ext uri="{BB962C8B-B14F-4D97-AF65-F5344CB8AC3E}">
+        <p14:creationId xmlns:p14="http://schemas.microsoft.com/office/powerpoint/2010/main" val="3112028288"/>
+      </p:ext>
+    </p:extLst>
+  </p:cSld>
+  <p:clrMapOvr>
+    <a:masterClrMapping/>
+  </p:clrMapOvr>
+</p:sld>
+</file>
+
+<file path=ppt/slides/slide3.xml><?xml version="1.0" encoding="utf-8"?>
+<p:sld xmlns:a="http://schemas.openxmlformats.org/drawingml/2006/main" xmlns:r="http://schemas.openxmlformats.org/officeDocument/2006/relationships" xmlns:p="http://schemas.openxmlformats.org/presentationml/2006/main">
+  <p:cSld>
+    <p:spTree>
+      <p:nvGrpSpPr>
+        <p:cNvPr id="1" name=""/>
+        <p:cNvGrpSpPr/>
+        <p:nvPr/>
+      </p:nvGrpSpPr>
+      <p:grpSpPr>
+        <a:xfrm>
+          <a:off x="0" y="0"/>
+          <a:ext cx="0" cy="0"/>
+          <a:chOff x="0" y="0"/>
+          <a:chExt cx="0" cy="0"/>
+        </a:xfrm>
+      </p:grpSpPr>
+      <p:sp>
+        <p:nvSpPr>
+          <p:cNvPr id="2" name="Title 1">
+            <a:extLst>
+              <a:ext uri="{FF2B5EF4-FFF2-40B4-BE49-F238E27FC236}">
+                <a16:creationId xmlns:a16="http://schemas.microsoft.com/office/drawing/2014/main" id="{C338C5F5-0074-7944-89C8-7478A39B56F8}"/>
+              </a:ext>
+            </a:extLst>
+          </p:cNvPr>
+          <p:cNvSpPr>
+            <a:spLocks noGrp="1"/>
+          </p:cNvSpPr>
+          <p:nvPr>
+            <p:ph type="title"/>
+          </p:nvPr>
+        </p:nvSpPr>
+        <p:spPr/>
+        <p:txBody>
+          <a:bodyPr/>
+          <a:lstStyle/>
+          <a:p>
+            <a:r>
+              <a:rPr lang="en-US" dirty="0"/>
+              <a:t>Course Overview</a:t>
+            </a:r>
+          </a:p>
+        </p:txBody>
+      </p:sp>
+      <p:sp>
+        <p:nvSpPr>
+          <p:cNvPr id="3" name="Content Placeholder 2">
+            <a:extLst>
+              <a:ext uri="{FF2B5EF4-FFF2-40B4-BE49-F238E27FC236}">
+                <a16:creationId xmlns:a16="http://schemas.microsoft.com/office/drawing/2014/main" id="{948412A4-8D32-8C4F-9822-0D1617DAC575}"/>
+              </a:ext>
+            </a:extLst>
+          </p:cNvPr>
+          <p:cNvSpPr>
+            <a:spLocks noGrp="1"/>
+          </p:cNvSpPr>
+          <p:nvPr>
+            <p:ph idx="1"/>
+          </p:nvPr>
+        </p:nvSpPr>
+        <p:spPr/>
+        <p:txBody>
+          <a:bodyPr>
+            <a:normAutofit lnSpcReduction="10000"/>
+          </a:bodyPr>
+          <a:lstStyle/>
+          <a:p>
+            <a:r>
+              <a:rPr lang="en-US" dirty="0"/>
+              <a:t>Day 1</a:t>
+            </a:r>
+          </a:p>
+          <a:p>
+            <a:pPr lvl="1"/>
+            <a:r>
+              <a:rPr lang="en-US" dirty="0"/>
+              <a:t>Introduction to DES &amp; Event Graphs</a:t>
+            </a:r>
+          </a:p>
+          <a:p>
+            <a:r>
+              <a:rPr lang="en-US" dirty="0"/>
+              <a:t>Day 2</a:t>
+            </a:r>
+          </a:p>
+          <a:p>
+            <a:pPr lvl="1"/>
+            <a:r>
+              <a:rPr lang="en-US" dirty="0"/>
+              <a:t>Event Graph Modeling</a:t>
+            </a:r>
+          </a:p>
+          <a:p>
+            <a:pPr lvl="1"/>
+            <a:r>
+              <a:rPr lang="en-US" strike="sngStrike" dirty="0"/>
+              <a:t>Using </a:t>
+            </a:r>
+            <a:r>
+              <a:rPr lang="en-US" strike="sngStrike" dirty="0" err="1"/>
+              <a:t>EventGraphGUI</a:t>
+            </a:r>
+            <a:r>
+              <a:rPr lang="en-US" strike="sngStrike" dirty="0"/>
+              <a:t> Program</a:t>
+            </a:r>
+          </a:p>
+          <a:p>
+            <a:r>
+              <a:rPr lang="en-US" dirty="0"/>
+              <a:t>Day 3</a:t>
+            </a:r>
+          </a:p>
+          <a:p>
+            <a:pPr lvl="1"/>
+            <a:r>
+              <a:rPr lang="en-US" dirty="0"/>
+              <a:t>More Event Graph Modeling</a:t>
+            </a:r>
+          </a:p>
+          <a:p>
+            <a:pPr lvl="1"/>
+            <a:r>
+              <a:rPr lang="en-US" dirty="0"/>
+              <a:t>Dealing with Output</a:t>
+            </a:r>
+          </a:p>
+          <a:p>
+            <a:r>
+              <a:rPr lang="en-US" dirty="0"/>
+              <a:t>Day 4</a:t>
+            </a:r>
+          </a:p>
+          <a:p>
+            <a:pPr lvl="1"/>
+            <a:r>
+              <a:rPr lang="en-US" dirty="0"/>
+              <a:t>Output Analysis</a:t>
+            </a:r>
+          </a:p>
+          <a:p>
+            <a:pPr lvl="1"/>
+            <a:endParaRPr lang="en-US" dirty="0"/>
+          </a:p>
+        </p:txBody>
+      </p:sp>
+      <p:sp>
+        <p:nvSpPr>
+          <p:cNvPr id="5" name="Footer Placeholder 4">
+            <a:extLst>
+              <a:ext uri="{FF2B5EF4-FFF2-40B4-BE49-F238E27FC236}">
+                <a16:creationId xmlns:a16="http://schemas.microsoft.com/office/drawing/2014/main" id="{26366942-2EED-E642-8EF9-61468F4FA872}"/>
+              </a:ext>
+            </a:extLst>
+          </p:cNvPr>
+          <p:cNvSpPr>
+            <a:spLocks noGrp="1"/>
+          </p:cNvSpPr>
+          <p:nvPr>
+            <p:ph type="ftr" sz="quarter" idx="11"/>
+          </p:nvPr>
+        </p:nvSpPr>
+        <p:spPr/>
+        <p:txBody>
+          <a:bodyPr/>
+          <a:lstStyle/>
+          <a:p>
+            <a:r>
+              <a:rPr lang="en-US"/>
+              <a:t>DES Short Course - Session 1</a:t>
+            </a:r>
+          </a:p>
+        </p:txBody>
+      </p:sp>
+      <p:sp>
+        <p:nvSpPr>
+          <p:cNvPr id="4" name="Slide Number Placeholder 3">
+            <a:extLst>
+              <a:ext uri="{FF2B5EF4-FFF2-40B4-BE49-F238E27FC236}">
+                <a16:creationId xmlns:a16="http://schemas.microsoft.com/office/drawing/2014/main" id="{4E77C294-7DAF-2543-9F04-46123D99B8C8}"/>
+              </a:ext>
+            </a:extLst>
+          </p:cNvPr>
+          <p:cNvSpPr>
+            <a:spLocks noGrp="1"/>
+          </p:cNvSpPr>
+          <p:nvPr>
+            <p:ph type="sldNum" sz="quarter" idx="12"/>
+          </p:nvPr>
+        </p:nvSpPr>
+        <p:spPr/>
+        <p:txBody>
+          <a:bodyPr/>
+          <a:lstStyle/>
+          <a:p>
+            <a:fld id="{7B5F8CF4-080C-6448-A4C0-B6A3C5CD13C0}" type="slidenum">
+              <a:rPr lang="en-US" smtClean="0"/>
+              <a:t>3</a:t>
+            </a:fld>
+            <a:endParaRPr lang="en-US"/>
+          </a:p>
+        </p:txBody>
+      </p:sp>
+    </p:spTree>
+    <p:extLst>
+      <p:ext uri="{BB962C8B-B14F-4D97-AF65-F5344CB8AC3E}">
+        <p14:creationId xmlns:p14="http://schemas.microsoft.com/office/powerpoint/2010/main" val="701600363"/>
+      </p:ext>
+    </p:extLst>
+  </p:cSld>
+  <p:clrMapOvr>
+    <a:masterClrMapping/>
+  </p:clrMapOvr>
+</p:sld>
+</file>
+
+<file path=ppt/slides/slide4.xml><?xml version="1.0" encoding="utf-8"?>
+<p:sld xmlns:a="http://schemas.openxmlformats.org/drawingml/2006/main" xmlns:r="http://schemas.openxmlformats.org/officeDocument/2006/relationships" xmlns:p="http://schemas.openxmlformats.org/presentationml/2006/main">
+  <p:cSld>
+    <p:spTree>
+      <p:nvGrpSpPr>
+        <p:cNvPr id="1" name=""/>
+        <p:cNvGrpSpPr/>
+        <p:nvPr/>
+      </p:nvGrpSpPr>
+      <p:grpSpPr>
+        <a:xfrm>
+          <a:off x="0" y="0"/>
+          <a:ext cx="0" cy="0"/>
+          <a:chOff x="0" y="0"/>
+          <a:chExt cx="0" cy="0"/>
+        </a:xfrm>
+      </p:grpSpPr>
+      <p:sp>
+        <p:nvSpPr>
+          <p:cNvPr id="2" name="Title 1">
+            <a:extLst>
+              <a:ext uri="{FF2B5EF4-FFF2-40B4-BE49-F238E27FC236}">
+                <a16:creationId xmlns:a16="http://schemas.microsoft.com/office/drawing/2014/main" id="{DE68E80A-DC87-AE48-AD1A-576E30D39E1E}"/>
+              </a:ext>
+            </a:extLst>
+          </p:cNvPr>
+          <p:cNvSpPr>
+            <a:spLocks noGrp="1"/>
+          </p:cNvSpPr>
+          <p:nvPr>
+            <p:ph type="title"/>
+          </p:nvPr>
+        </p:nvSpPr>
+        <p:spPr/>
+        <p:txBody>
+          <a:bodyPr/>
+          <a:lstStyle/>
+          <a:p>
+            <a:r>
+              <a:rPr lang="en-US" dirty="0"/>
+              <a:t>Course Objectives</a:t>
+            </a:r>
+          </a:p>
+        </p:txBody>
+      </p:sp>
+      <p:sp>
+        <p:nvSpPr>
+          <p:cNvPr id="3" name="Content Placeholder 2">
+            <a:extLst>
+              <a:ext uri="{FF2B5EF4-FFF2-40B4-BE49-F238E27FC236}">
+                <a16:creationId xmlns:a16="http://schemas.microsoft.com/office/drawing/2014/main" id="{931B5EE7-F54A-E74F-BCCD-8514AD7CD88A}"/>
+              </a:ext>
+            </a:extLst>
+          </p:cNvPr>
+          <p:cNvSpPr>
+            <a:spLocks noGrp="1"/>
+          </p:cNvSpPr>
+          <p:nvPr>
+            <p:ph idx="1"/>
+          </p:nvPr>
+        </p:nvSpPr>
+        <p:spPr/>
+        <p:txBody>
+          <a:bodyPr/>
+          <a:lstStyle/>
+          <a:p>
+            <a:r>
+              <a:rPr lang="en-US" dirty="0"/>
+              <a:t>Understand Structure of Discrete Event Simulation Models</a:t>
+            </a:r>
+          </a:p>
+          <a:p>
+            <a:r>
+              <a:rPr lang="en-US" dirty="0"/>
+              <a:t>Explain the difference between time step and next event</a:t>
+            </a:r>
+          </a:p>
+          <a:p>
+            <a:r>
+              <a:rPr lang="en-US" dirty="0"/>
+              <a:t>Understand the structure of an Event Graph model</a:t>
+            </a:r>
+          </a:p>
+          <a:p>
+            <a:r>
+              <a:rPr lang="en-US" dirty="0"/>
+              <a:t>Formulate medium-size Event Graph model</a:t>
+            </a:r>
+          </a:p>
+          <a:p>
+            <a:r>
+              <a:rPr lang="en-US" dirty="0"/>
+              <a:t>Execute a pre-built Event Graph Model</a:t>
+            </a:r>
+          </a:p>
+          <a:p>
+            <a:r>
+              <a:rPr lang="en-US" dirty="0"/>
+              <a:t>Perform basic output analysis on a pre-built Event Graph model</a:t>
+            </a:r>
+          </a:p>
+        </p:txBody>
+      </p:sp>
+      <p:sp>
+        <p:nvSpPr>
+          <p:cNvPr id="8" name="Footer Placeholder 7">
+            <a:extLst>
+              <a:ext uri="{FF2B5EF4-FFF2-40B4-BE49-F238E27FC236}">
+                <a16:creationId xmlns:a16="http://schemas.microsoft.com/office/drawing/2014/main" id="{D7ACC2D1-DC28-8742-A0BB-D852C1493E31}"/>
+              </a:ext>
+            </a:extLst>
+          </p:cNvPr>
+          <p:cNvSpPr>
+            <a:spLocks noGrp="1"/>
+          </p:cNvSpPr>
+          <p:nvPr>
+            <p:ph type="ftr" sz="quarter" idx="11"/>
+          </p:nvPr>
+        </p:nvSpPr>
+        <p:spPr/>
+        <p:txBody>
+          <a:bodyPr/>
+          <a:lstStyle/>
+          <a:p>
+            <a:r>
+              <a:rPr lang="en-US"/>
+              <a:t>DES Short Course - Session 1</a:t>
+            </a:r>
+          </a:p>
+        </p:txBody>
+      </p:sp>
+      <p:sp>
+        <p:nvSpPr>
+          <p:cNvPr id="4" name="Slide Number Placeholder 3">
+            <a:extLst>
+              <a:ext uri="{FF2B5EF4-FFF2-40B4-BE49-F238E27FC236}">
+                <a16:creationId xmlns:a16="http://schemas.microsoft.com/office/drawing/2014/main" id="{9A5EBF82-78E3-034E-9DA4-18D41C8FD6E9}"/>
+              </a:ext>
+            </a:extLst>
+          </p:cNvPr>
+          <p:cNvSpPr>
+            <a:spLocks noGrp="1"/>
+          </p:cNvSpPr>
+          <p:nvPr>
+            <p:ph type="sldNum" sz="quarter" idx="12"/>
+          </p:nvPr>
+        </p:nvSpPr>
+        <p:spPr/>
+        <p:txBody>
+          <a:bodyPr/>
+          <a:lstStyle/>
+          <a:p>
+            <a:fld id="{7B5F8CF4-080C-6448-A4C0-B6A3C5CD13C0}" type="slidenum">
+              <a:rPr lang="en-US" smtClean="0"/>
+              <a:t>4</a:t>
+            </a:fld>
+            <a:endParaRPr lang="en-US"/>
+          </a:p>
+        </p:txBody>
+      </p:sp>
+      <mc:AlternateContent xmlns:mc="http://schemas.openxmlformats.org/markup-compatibility/2006">
+        <mc:Choice xmlns:p14="http://schemas.microsoft.com/office/powerpoint/2010/main" Requires="p14">
+          <p:contentPart p14:bwMode="auto" r:id="rId2">
+            <p14:nvContentPartPr>
+              <p14:cNvPr id="5" name="Ink 4">
+                <a:extLst>
+                  <a:ext uri="{FF2B5EF4-FFF2-40B4-BE49-F238E27FC236}">
+                    <a16:creationId xmlns:a16="http://schemas.microsoft.com/office/drawing/2014/main" id="{F1AE5ED1-8B31-0642-AC72-A2DCCB3A9BFC}"/>
+                  </a:ext>
+                </a:extLst>
+              </p14:cNvPr>
+              <p14:cNvContentPartPr/>
+              <p14:nvPr/>
+            </p14:nvContentPartPr>
+            <p14:xfrm>
+              <a:off x="473400" y="3469680"/>
+              <a:ext cx="459720" cy="166680"/>
+            </p14:xfrm>
+          </p:contentPart>
+        </mc:Choice>
+        <mc:Fallback>
+          <p:pic>
+            <p:nvPicPr>
+              <p:cNvPr id="5" name="Ink 4">
+                <a:extLst>
+                  <a:ext uri="{FF2B5EF4-FFF2-40B4-BE49-F238E27FC236}">
+                    <a16:creationId xmlns:a16="http://schemas.microsoft.com/office/drawing/2014/main" id="{F1AE5ED1-8B31-0642-AC72-A2DCCB3A9BFC}"/>
+                  </a:ext>
+                </a:extLst>
+              </p:cNvPr>
+              <p:cNvPicPr/>
+              <p:nvPr/>
+            </p:nvPicPr>
+            <p:blipFill>
+              <a:blip r:embed="rId3"/>
+              <a:stretch>
+                <a:fillRect/>
+              </a:stretch>
+            </p:blipFill>
+            <p:spPr>
+              <a:xfrm>
+                <a:off x="464040" y="3460320"/>
+                <a:ext cx="478440" cy="185400"/>
+              </a:xfrm>
+              <a:prstGeom prst="rect">
+                <a:avLst/>
+              </a:prstGeom>
+            </p:spPr>
+          </p:pic>
+        </mc:Fallback>
+      </mc:AlternateContent>
+    </p:spTree>
+    <p:extLst>
+      <p:ext uri="{BB962C8B-B14F-4D97-AF65-F5344CB8AC3E}">
+        <p14:creationId xmlns:p14="http://schemas.microsoft.com/office/powerpoint/2010/main" val="2942175357"/>
+      </p:ext>
+    </p:extLst>
+  </p:cSld>
+  <p:clrMapOvr>
+    <a:masterClrMapping/>
+  </p:clrMapOvr>
+</p:sld>
+</file>
+
+<file path=ppt/slides/slide5.xml><?xml version="1.0" encoding="utf-8"?>
+<p:sld xmlns:a="http://schemas.openxmlformats.org/drawingml/2006/main" xmlns:r="http://schemas.openxmlformats.org/officeDocument/2006/relationships" xmlns:p="http://schemas.openxmlformats.org/presentationml/2006/main">
+  <p:cSld>
+    <p:spTree>
+      <p:nvGrpSpPr>
+        <p:cNvPr id="1" name=""/>
+        <p:cNvGrpSpPr/>
+        <p:nvPr/>
+      </p:nvGrpSpPr>
+      <p:grpSpPr>
+        <a:xfrm>
+          <a:off x="0" y="0"/>
+          <a:ext cx="0" cy="0"/>
+          <a:chOff x="0" y="0"/>
+          <a:chExt cx="0" cy="0"/>
+        </a:xfrm>
+      </p:grpSpPr>
+      <p:sp>
+        <p:nvSpPr>
+          <p:cNvPr id="2" name="Title 1">
+            <a:extLst>
+              <a:ext uri="{FF2B5EF4-FFF2-40B4-BE49-F238E27FC236}">
+                <a16:creationId xmlns:a16="http://schemas.microsoft.com/office/drawing/2014/main" id="{FE140486-4E99-944F-8843-ACC39AD94DDB}"/>
+              </a:ext>
+            </a:extLst>
+          </p:cNvPr>
+          <p:cNvSpPr>
+            <a:spLocks noGrp="1"/>
+          </p:cNvSpPr>
+          <p:nvPr>
+            <p:ph type="title"/>
+          </p:nvPr>
+        </p:nvSpPr>
+        <p:spPr/>
+        <p:txBody>
+          <a:bodyPr/>
+          <a:lstStyle/>
+          <a:p>
+            <a:r>
+              <a:rPr lang="en-US" dirty="0"/>
+              <a:t>Course Materials</a:t>
+            </a:r>
+          </a:p>
+        </p:txBody>
+      </p:sp>
+      <p:sp>
+        <p:nvSpPr>
+          <p:cNvPr id="3" name="Content Placeholder 2">
+            <a:extLst>
+              <a:ext uri="{FF2B5EF4-FFF2-40B4-BE49-F238E27FC236}">
+                <a16:creationId xmlns:a16="http://schemas.microsoft.com/office/drawing/2014/main" id="{93C2324C-197E-8B48-9BC3-57CBB5E28CE6}"/>
+              </a:ext>
+            </a:extLst>
+          </p:cNvPr>
+          <p:cNvSpPr>
+            <a:spLocks noGrp="1"/>
+          </p:cNvSpPr>
+          <p:nvPr>
+            <p:ph idx="1"/>
+          </p:nvPr>
+        </p:nvSpPr>
+        <p:spPr/>
+        <p:txBody>
+          <a:bodyPr/>
+          <a:lstStyle/>
+          <a:p>
+            <a:r>
+              <a:rPr lang="en-US" dirty="0" err="1"/>
+              <a:t>Powerpoint</a:t>
+            </a:r>
+            <a:r>
+              <a:rPr lang="en-US" dirty="0"/>
+              <a:t> Slides</a:t>
+            </a:r>
+          </a:p>
+          <a:p>
+            <a:r>
+              <a:rPr lang="en-US" dirty="0"/>
+              <a:t>Introduction to Discrete Event Simulation (Handout)</a:t>
+            </a:r>
+          </a:p>
+          <a:p>
+            <a:r>
+              <a:rPr lang="en-US" dirty="0"/>
+              <a:t>Problems and Exercises (Handouts)</a:t>
+            </a:r>
+          </a:p>
+          <a:p>
+            <a:r>
+              <a:rPr lang="en-US" strike="sngStrike" dirty="0" err="1"/>
+              <a:t>EventGraphGUI</a:t>
+            </a:r>
+            <a:r>
+              <a:rPr lang="en-US" strike="sngStrike" dirty="0"/>
+              <a:t> program</a:t>
+            </a:r>
+          </a:p>
+          <a:p>
+            <a:r>
+              <a:rPr lang="en-US" strike="sngStrike" dirty="0"/>
+              <a:t>Java version 8 or above (required to run </a:t>
+            </a:r>
+            <a:r>
+              <a:rPr lang="en-US" strike="sngStrike" dirty="0" err="1"/>
+              <a:t>EventGraphGUI</a:t>
+            </a:r>
+            <a:r>
+              <a:rPr lang="en-US" strike="sngStrike" dirty="0"/>
+              <a:t>)</a:t>
+            </a:r>
+          </a:p>
+        </p:txBody>
+      </p:sp>
+      <p:sp>
+        <p:nvSpPr>
+          <p:cNvPr id="5" name="Footer Placeholder 4">
+            <a:extLst>
+              <a:ext uri="{FF2B5EF4-FFF2-40B4-BE49-F238E27FC236}">
+                <a16:creationId xmlns:a16="http://schemas.microsoft.com/office/drawing/2014/main" id="{BE17DF1B-DB57-2646-95F2-F4B0DFCF8887}"/>
+              </a:ext>
+            </a:extLst>
+          </p:cNvPr>
+          <p:cNvSpPr>
+            <a:spLocks noGrp="1"/>
+          </p:cNvSpPr>
+          <p:nvPr>
+            <p:ph type="ftr" sz="quarter" idx="11"/>
+          </p:nvPr>
+        </p:nvSpPr>
+        <p:spPr/>
+        <p:txBody>
+          <a:bodyPr/>
+          <a:lstStyle/>
+          <a:p>
+            <a:r>
+              <a:rPr lang="en-US"/>
+              <a:t>DES Short Course - Session 1</a:t>
+            </a:r>
+          </a:p>
+        </p:txBody>
+      </p:sp>
+      <p:sp>
+        <p:nvSpPr>
+          <p:cNvPr id="4" name="Slide Number Placeholder 3">
+            <a:extLst>
+              <a:ext uri="{FF2B5EF4-FFF2-40B4-BE49-F238E27FC236}">
+                <a16:creationId xmlns:a16="http://schemas.microsoft.com/office/drawing/2014/main" id="{DD51CF6E-D4BA-9548-A456-A60689D5ED01}"/>
+              </a:ext>
+            </a:extLst>
+          </p:cNvPr>
+          <p:cNvSpPr>
+            <a:spLocks noGrp="1"/>
+          </p:cNvSpPr>
+          <p:nvPr>
+            <p:ph type="sldNum" sz="quarter" idx="12"/>
+          </p:nvPr>
+        </p:nvSpPr>
+        <p:spPr/>
+        <p:txBody>
+          <a:bodyPr/>
+          <a:lstStyle/>
+          <a:p>
+            <a:fld id="{7B5F8CF4-080C-6448-A4C0-B6A3C5CD13C0}" type="slidenum">
+              <a:rPr lang="en-US" smtClean="0"/>
+              <a:t>5</a:t>
+            </a:fld>
+            <a:endParaRPr lang="en-US"/>
+          </a:p>
+        </p:txBody>
+      </p:sp>
+    </p:spTree>
+    <p:extLst>
+      <p:ext uri="{BB962C8B-B14F-4D97-AF65-F5344CB8AC3E}">
+        <p14:creationId xmlns:p14="http://schemas.microsoft.com/office/powerpoint/2010/main" val="3063658885"/>
+      </p:ext>
+    </p:extLst>
+  </p:cSld>
+  <p:clrMapOvr>
+    <a:masterClrMapping/>
+  </p:clrMapOvr>
+</p:sld>
+</file>
+
+<file path=ppt/slides/slide6.xml><?xml version="1.0" encoding="utf-8"?>
+<p:sld xmlns:a="http://schemas.openxmlformats.org/drawingml/2006/main" xmlns:r="http://schemas.openxmlformats.org/officeDocument/2006/relationships" xmlns:p="http://schemas.openxmlformats.org/presentationml/2006/main">
+  <p:cSld>
+    <p:spTree>
+      <p:nvGrpSpPr>
+        <p:cNvPr id="1" name=""/>
+        <p:cNvGrpSpPr/>
+        <p:nvPr/>
+      </p:nvGrpSpPr>
+      <p:grpSpPr>
+        <a:xfrm>
+          <a:off x="0" y="0"/>
+          <a:ext cx="0" cy="0"/>
+          <a:chOff x="0" y="0"/>
+          <a:chExt cx="0" cy="0"/>
+        </a:xfrm>
+      </p:grpSpPr>
+      <p:sp>
+        <p:nvSpPr>
+          <p:cNvPr id="17412" name="Rectangle 2"/>
+          <p:cNvSpPr>
+            <a:spLocks noGrp="1" noChangeArrowheads="1"/>
+          </p:cNvSpPr>
+          <p:nvPr>
+            <p:ph type="title"/>
+          </p:nvPr>
+        </p:nvSpPr>
+        <p:spPr/>
+        <p:txBody>
+          <a:bodyPr/>
+          <a:lstStyle/>
+          <a:p>
+            <a:pPr eaLnBrk="1" hangingPunct="1"/>
+            <a:r>
+              <a:rPr lang="en-US" dirty="0"/>
+              <a:t>Simulation Modeling Overview</a:t>
+            </a:r>
+          </a:p>
+        </p:txBody>
+      </p:sp>
+      <p:sp>
+        <p:nvSpPr>
+          <p:cNvPr id="17413" name="Rectangle 3"/>
+          <p:cNvSpPr>
+            <a:spLocks noGrp="1" noChangeArrowheads="1"/>
+          </p:cNvSpPr>
+          <p:nvPr>
+            <p:ph type="body" idx="1"/>
+          </p:nvPr>
+        </p:nvSpPr>
+        <p:spPr/>
+        <p:txBody>
+          <a:bodyPr/>
+          <a:lstStyle/>
+          <a:p>
+            <a:pPr eaLnBrk="1" hangingPunct="1"/>
+            <a:r>
+              <a:rPr lang="en-US" dirty="0">
+                <a:latin typeface="Arial" charset="0"/>
+                <a:cs typeface="Arial" charset="0"/>
+              </a:rPr>
+              <a:t>Purpose of simulation model</a:t>
+            </a:r>
+          </a:p>
+          <a:p>
+            <a:pPr lvl="1" eaLnBrk="1" hangingPunct="1"/>
+            <a:r>
+              <a:rPr lang="en-US" dirty="0">
+                <a:latin typeface="Arial" charset="0"/>
+                <a:cs typeface="Arial" charset="0"/>
+              </a:rPr>
+              <a:t>Training</a:t>
+            </a:r>
+          </a:p>
+          <a:p>
+            <a:pPr lvl="1" eaLnBrk="1" hangingPunct="1"/>
+            <a:r>
+              <a:rPr lang="en-US" b="1" dirty="0">
+                <a:latin typeface="Arial" charset="0"/>
+                <a:cs typeface="Arial" charset="0"/>
+              </a:rPr>
+              <a:t>Analysis</a:t>
+            </a:r>
+          </a:p>
+          <a:p>
+            <a:pPr eaLnBrk="1" hangingPunct="1"/>
+            <a:r>
+              <a:rPr lang="en-US" dirty="0">
+                <a:latin typeface="Arial" charset="0"/>
+                <a:cs typeface="Arial" charset="0"/>
+              </a:rPr>
+              <a:t>Modeling Time in Simulation</a:t>
+            </a:r>
+          </a:p>
+          <a:p>
+            <a:pPr lvl="1" eaLnBrk="1" hangingPunct="1"/>
+            <a:r>
+              <a:rPr lang="en-US" dirty="0">
+                <a:latin typeface="Arial" charset="0"/>
+                <a:cs typeface="Arial" charset="0"/>
+              </a:rPr>
+              <a:t>Time Step</a:t>
+            </a:r>
+          </a:p>
+          <a:p>
+            <a:pPr lvl="1" eaLnBrk="1" hangingPunct="1"/>
+            <a:r>
+              <a:rPr lang="en-US" b="1" dirty="0">
+                <a:latin typeface="Arial" charset="0"/>
+                <a:cs typeface="Arial" charset="0"/>
+              </a:rPr>
+              <a:t>Next Event</a:t>
+            </a:r>
+          </a:p>
+          <a:p>
+            <a:pPr lvl="1" eaLnBrk="1" hangingPunct="1"/>
+            <a:r>
+              <a:rPr lang="en-US" dirty="0">
+                <a:latin typeface="Arial" charset="0"/>
+                <a:cs typeface="Arial" charset="0"/>
+              </a:rPr>
+              <a:t>Hybrid</a:t>
+            </a:r>
+          </a:p>
+          <a:p>
+            <a:pPr eaLnBrk="1" hangingPunct="1"/>
+            <a:r>
+              <a:rPr lang="en-US" dirty="0">
+                <a:latin typeface="Arial" charset="0"/>
+                <a:cs typeface="Arial" charset="0"/>
+              </a:rPr>
+              <a:t>“All models are wrong”</a:t>
+            </a:r>
+          </a:p>
+          <a:p>
+            <a:pPr eaLnBrk="1" hangingPunct="1"/>
+            <a:endParaRPr lang="en-US" u="sng" dirty="0">
+              <a:latin typeface="Arial" charset="0"/>
+              <a:cs typeface="Arial" charset="0"/>
+            </a:endParaRPr>
+          </a:p>
+        </p:txBody>
+      </p:sp>
+      <p:sp>
+        <p:nvSpPr>
+          <p:cNvPr id="3" name="Footer Placeholder 2">
+            <a:extLst>
+              <a:ext uri="{FF2B5EF4-FFF2-40B4-BE49-F238E27FC236}">
+                <a16:creationId xmlns:a16="http://schemas.microsoft.com/office/drawing/2014/main" id="{2DC67FCB-854D-4343-B888-14B72186227E}"/>
+              </a:ext>
+            </a:extLst>
+          </p:cNvPr>
+          <p:cNvSpPr>
+            <a:spLocks noGrp="1"/>
+          </p:cNvSpPr>
+          <p:nvPr>
+            <p:ph type="ftr" sz="quarter" idx="11"/>
+          </p:nvPr>
+        </p:nvSpPr>
+        <p:spPr/>
+        <p:txBody>
+          <a:bodyPr/>
+          <a:lstStyle/>
+          <a:p>
+            <a:r>
+              <a:rPr lang="en-US"/>
+              <a:t>DES Short Course - Session 1</a:t>
+            </a:r>
+          </a:p>
+        </p:txBody>
+      </p:sp>
+      <p:sp>
+        <p:nvSpPr>
+          <p:cNvPr id="2" name="Slide Number Placeholder 1">
+            <a:extLst>
+              <a:ext uri="{FF2B5EF4-FFF2-40B4-BE49-F238E27FC236}">
+                <a16:creationId xmlns:a16="http://schemas.microsoft.com/office/drawing/2014/main" id="{9BE89F41-8101-F142-9573-A63B81B9EC0E}"/>
+              </a:ext>
+            </a:extLst>
+          </p:cNvPr>
+          <p:cNvSpPr>
+            <a:spLocks noGrp="1"/>
+          </p:cNvSpPr>
+          <p:nvPr>
+            <p:ph type="sldNum" sz="quarter" idx="12"/>
+          </p:nvPr>
+        </p:nvSpPr>
+        <p:spPr/>
+        <p:txBody>
+          <a:bodyPr/>
+          <a:lstStyle/>
+          <a:p>
+            <a:fld id="{7B5F8CF4-080C-6448-A4C0-B6A3C5CD13C0}" type="slidenum">
+              <a:rPr lang="en-US" smtClean="0"/>
+              <a:t>6</a:t>
+            </a:fld>
+            <a:endParaRPr lang="en-US"/>
+          </a:p>
+        </p:txBody>
+      </p:sp>
+      <mc:AlternateContent xmlns:mc="http://schemas.openxmlformats.org/markup-compatibility/2006">
+        <mc:Choice xmlns:p14="http://schemas.microsoft.com/office/powerpoint/2010/main" Requires="p14">
+          <p:contentPart p14:bwMode="auto" r:id="rId3">
+            <p14:nvContentPartPr>
+              <p14:cNvPr id="4" name="Ink 3">
+                <a:extLst>
+                  <a:ext uri="{FF2B5EF4-FFF2-40B4-BE49-F238E27FC236}">
+                    <a16:creationId xmlns:a16="http://schemas.microsoft.com/office/drawing/2014/main" id="{374F0106-F609-4A4F-95DB-90522F486828}"/>
+                  </a:ext>
+                </a:extLst>
+              </p14:cNvPr>
+              <p14:cNvContentPartPr/>
+              <p14:nvPr/>
+            </p14:nvContentPartPr>
+            <p14:xfrm>
+              <a:off x="1322640" y="4929840"/>
+              <a:ext cx="3743640" cy="364680"/>
+            </p14:xfrm>
+          </p:contentPart>
+        </mc:Choice>
+        <mc:Fallback>
+          <p:pic>
+            <p:nvPicPr>
+              <p:cNvPr id="4" name="Ink 3">
+                <a:extLst>
+                  <a:ext uri="{FF2B5EF4-FFF2-40B4-BE49-F238E27FC236}">
+                    <a16:creationId xmlns:a16="http://schemas.microsoft.com/office/drawing/2014/main" id="{374F0106-F609-4A4F-95DB-90522F486828}"/>
+                  </a:ext>
+                </a:extLst>
+              </p:cNvPr>
+              <p:cNvPicPr/>
+              <p:nvPr/>
+            </p:nvPicPr>
+            <p:blipFill>
+              <a:blip r:embed="rId4"/>
+              <a:stretch>
+                <a:fillRect/>
+              </a:stretch>
+            </p:blipFill>
+            <p:spPr>
+              <a:xfrm>
+                <a:off x="1313280" y="4920480"/>
+                <a:ext cx="3762360" cy="383400"/>
+              </a:xfrm>
+              <a:prstGeom prst="rect">
+                <a:avLst/>
+              </a:prstGeom>
+            </p:spPr>
+          </p:pic>
+        </mc:Fallback>
+      </mc:AlternateContent>
+    </p:spTree>
+  </p:cSld>
+  <p:clrMapOvr>
+    <a:masterClrMapping/>
+  </p:clrMapOvr>
+</p:sld>
+</file>
+
+<file path=ppt/slides/slide7.xml><?xml version="1.0" encoding="utf-8"?>
+<p:sld xmlns:a="http://schemas.openxmlformats.org/drawingml/2006/main" xmlns:r="http://schemas.openxmlformats.org/officeDocument/2006/relationships" xmlns:p="http://schemas.openxmlformats.org/presentationml/2006/main">
+  <p:cSld>
+    <p:spTree>
+      <p:nvGrpSpPr>
+        <p:cNvPr id="1" name=""/>
+        <p:cNvGrpSpPr/>
+        <p:nvPr/>
+      </p:nvGrpSpPr>
+      <p:grpSpPr>
+        <a:xfrm>
+          <a:off x="0" y="0"/>
+          <a:ext cx="0" cy="0"/>
+          <a:chOff x="0" y="0"/>
+          <a:chExt cx="0" cy="0"/>
+        </a:xfrm>
+      </p:grpSpPr>
+      <p:sp>
+        <p:nvSpPr>
+          <p:cNvPr id="2" name="Title 1">
+            <a:extLst>
+              <a:ext uri="{FF2B5EF4-FFF2-40B4-BE49-F238E27FC236}">
+                <a16:creationId xmlns:a16="http://schemas.microsoft.com/office/drawing/2014/main" id="{382B65B4-F276-544F-B46F-9F143C0885FA}"/>
+              </a:ext>
+            </a:extLst>
+          </p:cNvPr>
+          <p:cNvSpPr>
+            <a:spLocks noGrp="1"/>
+          </p:cNvSpPr>
+          <p:nvPr>
+            <p:ph type="title"/>
+          </p:nvPr>
+        </p:nvSpPr>
+        <p:spPr/>
+        <p:txBody>
+          <a:bodyPr/>
+          <a:lstStyle/>
+          <a:p>
+            <a:r>
+              <a:rPr lang="en-US" dirty="0">
+                <a:latin typeface="Arial" charset="0"/>
+                <a:cs typeface="Arial" charset="0"/>
+              </a:rPr>
+              <a:t>Types of Models</a:t>
+            </a:r>
+            <a:endParaRPr lang="en-US" dirty="0"/>
+          </a:p>
+        </p:txBody>
+      </p:sp>
+      <p:sp>
+        <p:nvSpPr>
+          <p:cNvPr id="3" name="Content Placeholder 2">
+            <a:extLst>
+              <a:ext uri="{FF2B5EF4-FFF2-40B4-BE49-F238E27FC236}">
+                <a16:creationId xmlns:a16="http://schemas.microsoft.com/office/drawing/2014/main" id="{0688937D-DB4B-6A48-93D6-7CBFAEB3BD37}"/>
+              </a:ext>
+            </a:extLst>
+          </p:cNvPr>
+          <p:cNvSpPr>
+            <a:spLocks noGrp="1"/>
+          </p:cNvSpPr>
+          <p:nvPr>
+            <p:ph idx="1"/>
+          </p:nvPr>
+        </p:nvSpPr>
+        <p:spPr/>
+        <p:txBody>
+          <a:bodyPr/>
+          <a:lstStyle/>
+          <a:p>
+            <a:r>
+              <a:rPr lang="en-US" dirty="0"/>
+              <a:t>Analytic</a:t>
+            </a:r>
+          </a:p>
+          <a:p>
+            <a:pPr lvl="1"/>
+            <a:r>
+              <a:rPr lang="en-US" dirty="0"/>
+              <a:t>Solution by equation</a:t>
+            </a:r>
+          </a:p>
+          <a:p>
+            <a:pPr lvl="1"/>
+            <a:r>
+              <a:rPr lang="en-US" dirty="0"/>
+              <a:t>Many stochastic models (e.g., Markov chain)</a:t>
+            </a:r>
+          </a:p>
+          <a:p>
+            <a:r>
+              <a:rPr lang="en-US" dirty="0"/>
+              <a:t>Algorithmic</a:t>
+            </a:r>
+          </a:p>
+          <a:p>
+            <a:pPr lvl="1"/>
+            <a:r>
+              <a:rPr lang="en-US" dirty="0"/>
+              <a:t>Solution by algorithm</a:t>
+            </a:r>
+          </a:p>
+          <a:p>
+            <a:pPr lvl="1"/>
+            <a:r>
+              <a:rPr lang="en-US" dirty="0"/>
+              <a:t>Optimization models (e.g., linear programming)</a:t>
+            </a:r>
+          </a:p>
+          <a:p>
+            <a:r>
+              <a:rPr lang="en-US" dirty="0"/>
+              <a:t>Simulation</a:t>
+            </a:r>
+          </a:p>
+          <a:p>
+            <a:pPr lvl="1"/>
+            <a:r>
+              <a:rPr lang="en-US" dirty="0"/>
+              <a:t>“Solution” not easily forthcoming</a:t>
+            </a:r>
+          </a:p>
+          <a:p>
+            <a:pPr lvl="1"/>
+            <a:r>
+              <a:rPr lang="en-US" dirty="0"/>
+              <a:t>Execute the simulation (e.g., DRPSim) </a:t>
+            </a:r>
+          </a:p>
+        </p:txBody>
+      </p:sp>
+      <p:sp>
+        <p:nvSpPr>
+          <p:cNvPr id="4" name="Footer Placeholder 3">
+            <a:extLst>
+              <a:ext uri="{FF2B5EF4-FFF2-40B4-BE49-F238E27FC236}">
+                <a16:creationId xmlns:a16="http://schemas.microsoft.com/office/drawing/2014/main" id="{F98F08C7-2792-F64C-B306-3087D532B10A}"/>
+              </a:ext>
+            </a:extLst>
+          </p:cNvPr>
+          <p:cNvSpPr>
+            <a:spLocks noGrp="1"/>
+          </p:cNvSpPr>
+          <p:nvPr>
+            <p:ph type="ftr" sz="quarter" idx="11"/>
+          </p:nvPr>
+        </p:nvSpPr>
+        <p:spPr/>
+        <p:txBody>
+          <a:bodyPr/>
+          <a:lstStyle/>
+          <a:p>
+            <a:r>
+              <a:rPr lang="en-US"/>
+              <a:t>DES Short Course - Session 1</a:t>
+            </a:r>
+          </a:p>
+        </p:txBody>
+      </p:sp>
+      <p:sp>
+        <p:nvSpPr>
+          <p:cNvPr id="5" name="Slide Number Placeholder 4">
+            <a:extLst>
+              <a:ext uri="{FF2B5EF4-FFF2-40B4-BE49-F238E27FC236}">
+                <a16:creationId xmlns:a16="http://schemas.microsoft.com/office/drawing/2014/main" id="{974E42B2-2356-3A40-A220-6E71D255BD19}"/>
+              </a:ext>
+            </a:extLst>
+          </p:cNvPr>
+          <p:cNvSpPr>
+            <a:spLocks noGrp="1"/>
+          </p:cNvSpPr>
+          <p:nvPr>
+            <p:ph type="sldNum" sz="quarter" idx="12"/>
+          </p:nvPr>
+        </p:nvSpPr>
+        <p:spPr/>
+        <p:txBody>
+          <a:bodyPr/>
+          <a:lstStyle/>
+          <a:p>
+            <a:fld id="{7B5F8CF4-080C-6448-A4C0-B6A3C5CD13C0}" type="slidenum">
+              <a:rPr lang="en-US" smtClean="0"/>
+              <a:t>7</a:t>
+            </a:fld>
+            <a:endParaRPr lang="en-US"/>
+          </a:p>
+        </p:txBody>
+      </p:sp>
+      <mc:AlternateContent xmlns:mc="http://schemas.openxmlformats.org/markup-compatibility/2006">
+        <mc:Choice xmlns:p14="http://schemas.microsoft.com/office/powerpoint/2010/main" Requires="p14">
+          <p:contentPart p14:bwMode="auto" r:id="rId2">
+            <p14:nvContentPartPr>
+              <p14:cNvPr id="6" name="Ink 5">
+                <a:extLst>
+                  <a:ext uri="{FF2B5EF4-FFF2-40B4-BE49-F238E27FC236}">
+                    <a16:creationId xmlns:a16="http://schemas.microsoft.com/office/drawing/2014/main" id="{A719DE0A-020F-504B-B20A-C1A63AEE1980}"/>
+                  </a:ext>
+                </a:extLst>
+              </p14:cNvPr>
+              <p14:cNvContentPartPr/>
+              <p14:nvPr/>
+            </p14:nvContentPartPr>
+            <p14:xfrm>
+              <a:off x="7710480" y="2342520"/>
+              <a:ext cx="360" cy="360"/>
+            </p14:xfrm>
+          </p:contentPart>
+        </mc:Choice>
+        <mc:Fallback>
+          <p:pic>
+            <p:nvPicPr>
+              <p:cNvPr id="6" name="Ink 5">
+                <a:extLst>
+                  <a:ext uri="{FF2B5EF4-FFF2-40B4-BE49-F238E27FC236}">
+                    <a16:creationId xmlns:a16="http://schemas.microsoft.com/office/drawing/2014/main" id="{A719DE0A-020F-504B-B20A-C1A63AEE1980}"/>
+                  </a:ext>
+                </a:extLst>
+              </p:cNvPr>
+              <p:cNvPicPr/>
+              <p:nvPr/>
+            </p:nvPicPr>
+            <p:blipFill>
+              <a:blip r:embed="rId3"/>
+              <a:stretch>
+                <a:fillRect/>
+              </a:stretch>
+            </p:blipFill>
+            <p:spPr>
+              <a:xfrm>
+                <a:off x="7701120" y="2333160"/>
+                <a:ext cx="19080" cy="19080"/>
+              </a:xfrm>
+              <a:prstGeom prst="rect">
+                <a:avLst/>
+              </a:prstGeom>
+            </p:spPr>
+          </p:pic>
+        </mc:Fallback>
+      </mc:AlternateContent>
+    </p:spTree>
+    <p:extLst>
+      <p:ext uri="{BB962C8B-B14F-4D97-AF65-F5344CB8AC3E}">
+        <p14:creationId xmlns:p14="http://schemas.microsoft.com/office/powerpoint/2010/main" val="1842810562"/>
+      </p:ext>
+    </p:extLst>
+  </p:cSld>
+  <p:clrMapOvr>
+    <a:masterClrMapping/>
+  </p:clrMapOvr>
+</p:sld>
+</file>
+
 <file path=ppt/slides/slide8.xml><?xml version="1.0" encoding="utf-8"?>
 <p:sld xmlns:a="http://schemas.openxmlformats.org/drawingml/2006/main" xmlns:r="http://schemas.openxmlformats.org/officeDocument/2006/relationships" xmlns:p="http://schemas.openxmlformats.org/presentationml/2006/main">
   <p:cSld>
@@ -10233,12 +11613,202 @@
       </p:grpSpPr>
       <p:sp>
         <p:nvSpPr>
-          <p:cNvPr id="18434" name="Title 1"/>
+          <p:cNvPr id="15365" name="Rectangle 1"/>
+          <p:cNvSpPr>
+            <a:spLocks noGrp="1" noChangeArrowheads="1"/>
+          </p:cNvSpPr>
+          <p:nvPr>
+            <p:ph type="title"/>
+          </p:nvPr>
+        </p:nvSpPr>
+        <p:spPr>
+          <a:xfrm>
+            <a:off x="2732036" y="677041"/>
+            <a:ext cx="7336303" cy="701731"/>
+          </a:xfrm>
+        </p:spPr>
+        <p:txBody>
+          <a:bodyPr>
+            <a:spAutoFit/>
+          </a:bodyPr>
+          <a:lstStyle/>
+          <a:p>
+            <a:pPr>
+              <a:tabLst>
+                <a:tab pos="911225" algn="l"/>
+                <a:tab pos="1825625" algn="l"/>
+                <a:tab pos="2740025" algn="l"/>
+                <a:tab pos="3654425" algn="l"/>
+                <a:tab pos="4568825" algn="l"/>
+                <a:tab pos="5483225" algn="l"/>
+                <a:tab pos="6397625" algn="l"/>
+                <a:tab pos="7312025" algn="l"/>
+                <a:tab pos="8226425" algn="l"/>
+                <a:tab pos="9140825" algn="l"/>
+                <a:tab pos="10055225" algn="l"/>
+              </a:tabLst>
+            </a:pPr>
+            <a:r>
+              <a:rPr lang="en-GB" dirty="0">
+                <a:cs typeface="Arial" charset="0"/>
+              </a:rPr>
+              <a:t>Discrete Event Simulation (DES)</a:t>
+            </a:r>
+          </a:p>
+        </p:txBody>
+      </p:sp>
+      <p:sp>
+        <p:nvSpPr>
+          <p:cNvPr id="15366" name="Rectangle 2"/>
+          <p:cNvSpPr>
+            <a:spLocks noGrp="1" noChangeArrowheads="1"/>
+          </p:cNvSpPr>
+          <p:nvPr>
+            <p:ph idx="1"/>
+          </p:nvPr>
+        </p:nvSpPr>
+        <p:spPr/>
+        <p:txBody>
+          <a:bodyPr vert="horz" lIns="0" tIns="0" rIns="0" bIns="0" rtlCol="0">
+            <a:spAutoFit/>
+          </a:bodyPr>
+          <a:lstStyle/>
+          <a:p>
+            <a:pPr>
+              <a:tabLst>
+                <a:tab pos="911225" algn="l"/>
+                <a:tab pos="1825625" algn="l"/>
+                <a:tab pos="2740025" algn="l"/>
+                <a:tab pos="3654425" algn="l"/>
+                <a:tab pos="4568825" algn="l"/>
+                <a:tab pos="5483225" algn="l"/>
+                <a:tab pos="6397625" algn="l"/>
+                <a:tab pos="7312025" algn="l"/>
+                <a:tab pos="8226425" algn="l"/>
+                <a:tab pos="9140825" algn="l"/>
+                <a:tab pos="10055225" algn="l"/>
+              </a:tabLst>
+            </a:pPr>
+            <a:r>
+              <a:rPr lang="en-GB" dirty="0">
+                <a:latin typeface="Arial" charset="0"/>
+                <a:cs typeface="Arial" charset="0"/>
+              </a:rPr>
+              <a:t>States</a:t>
+            </a:r>
+          </a:p>
+          <a:p>
+            <a:pPr>
+              <a:tabLst>
+                <a:tab pos="911225" algn="l"/>
+                <a:tab pos="1825625" algn="l"/>
+                <a:tab pos="2740025" algn="l"/>
+                <a:tab pos="3654425" algn="l"/>
+                <a:tab pos="4568825" algn="l"/>
+                <a:tab pos="5483225" algn="l"/>
+                <a:tab pos="6397625" algn="l"/>
+                <a:tab pos="7312025" algn="l"/>
+                <a:tab pos="8226425" algn="l"/>
+                <a:tab pos="9140825" algn="l"/>
+                <a:tab pos="10055225" algn="l"/>
+              </a:tabLst>
+            </a:pPr>
+            <a:r>
+              <a:rPr lang="en-GB" dirty="0">
+                <a:latin typeface="Arial" charset="0"/>
+                <a:cs typeface="Arial" charset="0"/>
+              </a:rPr>
+              <a:t>Events</a:t>
+            </a:r>
+          </a:p>
+          <a:p>
+            <a:pPr>
+              <a:tabLst>
+                <a:tab pos="911225" algn="l"/>
+                <a:tab pos="1825625" algn="l"/>
+                <a:tab pos="2740025" algn="l"/>
+                <a:tab pos="3654425" algn="l"/>
+                <a:tab pos="4568825" algn="l"/>
+                <a:tab pos="5483225" algn="l"/>
+                <a:tab pos="6397625" algn="l"/>
+                <a:tab pos="7312025" algn="l"/>
+                <a:tab pos="8226425" algn="l"/>
+                <a:tab pos="9140825" algn="l"/>
+                <a:tab pos="10055225" algn="l"/>
+              </a:tabLst>
+            </a:pPr>
+            <a:r>
+              <a:rPr lang="en-GB" dirty="0">
+                <a:latin typeface="Arial" charset="0"/>
+                <a:cs typeface="Arial" charset="0"/>
+              </a:rPr>
+              <a:t>Event List</a:t>
+            </a:r>
+          </a:p>
+          <a:p>
+            <a:pPr>
+              <a:tabLst>
+                <a:tab pos="911225" algn="l"/>
+                <a:tab pos="1825625" algn="l"/>
+                <a:tab pos="2740025" algn="l"/>
+                <a:tab pos="3654425" algn="l"/>
+                <a:tab pos="4568825" algn="l"/>
+                <a:tab pos="5483225" algn="l"/>
+                <a:tab pos="6397625" algn="l"/>
+                <a:tab pos="7312025" algn="l"/>
+                <a:tab pos="8226425" algn="l"/>
+                <a:tab pos="9140825" algn="l"/>
+                <a:tab pos="10055225" algn="l"/>
+              </a:tabLst>
+            </a:pPr>
+            <a:r>
+              <a:rPr lang="en-GB" dirty="0">
+                <a:latin typeface="Arial" charset="0"/>
+                <a:cs typeface="Arial" charset="0"/>
+              </a:rPr>
+              <a:t>Structure of DES Model</a:t>
+            </a:r>
+          </a:p>
+          <a:p>
+            <a:pPr>
+              <a:tabLst>
+                <a:tab pos="911225" algn="l"/>
+                <a:tab pos="1825625" algn="l"/>
+                <a:tab pos="2740025" algn="l"/>
+                <a:tab pos="3654425" algn="l"/>
+                <a:tab pos="4568825" algn="l"/>
+                <a:tab pos="5483225" algn="l"/>
+                <a:tab pos="6397625" algn="l"/>
+                <a:tab pos="7312025" algn="l"/>
+                <a:tab pos="8226425" algn="l"/>
+                <a:tab pos="9140825" algn="l"/>
+                <a:tab pos="10055225" algn="l"/>
+              </a:tabLst>
+            </a:pPr>
+            <a:r>
+              <a:rPr lang="en-GB" dirty="0">
+                <a:latin typeface="Arial" charset="0"/>
+                <a:cs typeface="Arial" charset="0"/>
+              </a:rPr>
+              <a:t>DES Examples</a:t>
+            </a:r>
+          </a:p>
+        </p:txBody>
+      </p:sp>
+      <p:sp>
+        <p:nvSpPr>
+          <p:cNvPr id="5" name="Footer Placeholder 4">
+            <a:extLst>
+              <a:ext uri="{FF2B5EF4-FFF2-40B4-BE49-F238E27FC236}">
+                <a16:creationId xmlns:a16="http://schemas.microsoft.com/office/drawing/2014/main" id="{0F494EC0-D8B7-3945-8290-69163C8FA3B6}"/>
+              </a:ext>
+            </a:extLst>
+          </p:cNvPr>
           <p:cNvSpPr>
             <a:spLocks noGrp="1"/>
           </p:cNvSpPr>
           <p:nvPr>
-            <p:ph type="title"/>
+            <p:ph type="ftr" sz="quarter" idx="11"/>
           </p:nvPr>
         </p:nvSpPr>
         <p:spPr/>
@@ -10246,25 +11816,27 @@
           <a:bodyPr/>
           <a:lstStyle/>
           <a:p>
-            <a:pPr eaLnBrk="1" hangingPunct="1"/>
-            <a:r>
-              <a:rPr lang="en-US" dirty="0">
-                <a:ea typeface="ＭＳ Ｐゴシック" charset="0"/>
-                <a:cs typeface="ＭＳ Ｐゴシック" charset="0"/>
-              </a:rPr>
-              <a:t>Discrete Event Simulation</a:t>
-            </a:r>
-          </a:p>
-        </p:txBody>
-      </p:sp>
-      <p:sp>
-        <p:nvSpPr>
-          <p:cNvPr id="18435" name="Content Placeholder 2"/>
+            <a:r>
+              <a:rPr lang="en-US"/>
+              <a:t>DES Short Course - Session 1</a:t>
+            </a:r>
+          </a:p>
+        </p:txBody>
+      </p:sp>
+      <p:sp>
+        <p:nvSpPr>
+          <p:cNvPr id="2" name="Slide Number Placeholder 1">
+            <a:extLst>
+              <a:ext uri="{FF2B5EF4-FFF2-40B4-BE49-F238E27FC236}">
+                <a16:creationId xmlns:a16="http://schemas.microsoft.com/office/drawing/2014/main" id="{66FF8F95-61F1-5842-9FDB-6DC27587E413}"/>
+              </a:ext>
+            </a:extLst>
+          </p:cNvPr>
           <p:cNvSpPr>
             <a:spLocks noGrp="1"/>
           </p:cNvSpPr>
           <p:nvPr>
-            <p:ph idx="1"/>
+            <p:ph type="sldNum" sz="quarter" idx="12"/>
           </p:nvPr>
         </p:nvSpPr>
         <p:spPr/>
@@ -10272,137 +11844,11 @@
           <a:bodyPr/>
           <a:lstStyle/>
           <a:p>
-            <a:pPr eaLnBrk="1" hangingPunct="1"/>
-            <a:r>
-              <a:rPr lang="en-US" dirty="0">
-                <a:latin typeface="Calibri" charset="0"/>
-                <a:ea typeface="ＭＳ Ｐゴシック" charset="0"/>
-                <a:cs typeface="ＭＳ Ｐゴシック" charset="0"/>
-              </a:rPr>
-              <a:t>Define model by collection of states</a:t>
-            </a:r>
-          </a:p>
-          <a:p>
-            <a:pPr eaLnBrk="1" hangingPunct="1"/>
-            <a:r>
-              <a:rPr lang="en-US" dirty="0">
-                <a:latin typeface="Calibri" charset="0"/>
-                <a:ea typeface="ＭＳ Ｐゴシック" charset="0"/>
-                <a:cs typeface="ＭＳ Ｐゴシック" charset="0"/>
-              </a:rPr>
-              <a:t>State trajectories piecewise constant</a:t>
-            </a:r>
-          </a:p>
-          <a:p>
-            <a:pPr eaLnBrk="1" hangingPunct="1"/>
-            <a:r>
-              <a:rPr lang="en-US" dirty="0">
-                <a:latin typeface="Calibri" charset="0"/>
-                <a:ea typeface="ＭＳ Ｐゴシック" charset="0"/>
-                <a:cs typeface="ＭＳ Ｐゴシック" charset="0"/>
-              </a:rPr>
-              <a:t>State transitions instantaneous in simulated time (</a:t>
-            </a:r>
-            <a:r>
-              <a:rPr lang="ja-JP" altLang="en-US" dirty="0">
-                <a:latin typeface="Calibri" charset="0"/>
-                <a:ea typeface="ＭＳ Ｐゴシック" charset="0"/>
-                <a:cs typeface="ＭＳ Ｐゴシック" charset="0"/>
-              </a:rPr>
-              <a:t>“</a:t>
-            </a:r>
-            <a:r>
-              <a:rPr lang="en-US" dirty="0">
-                <a:latin typeface="Calibri" charset="0"/>
-                <a:ea typeface="ＭＳ Ｐゴシック" charset="0"/>
-                <a:cs typeface="ＭＳ Ｐゴシック" charset="0"/>
-              </a:rPr>
-              <a:t>Jumps</a:t>
-            </a:r>
-            <a:r>
-              <a:rPr lang="ja-JP" altLang="en-US" dirty="0">
-                <a:latin typeface="Calibri" charset="0"/>
-                <a:ea typeface="ＭＳ Ｐゴシック" charset="0"/>
-                <a:cs typeface="ＭＳ Ｐゴシック" charset="0"/>
-              </a:rPr>
-              <a:t>”</a:t>
-            </a:r>
-            <a:r>
-              <a:rPr lang="en-US" dirty="0">
-                <a:latin typeface="Calibri" charset="0"/>
-                <a:ea typeface="ＭＳ Ｐゴシック" charset="0"/>
-                <a:cs typeface="ＭＳ Ｐゴシック" charset="0"/>
-              </a:rPr>
-              <a:t>)</a:t>
-            </a:r>
-          </a:p>
-          <a:p>
-            <a:pPr eaLnBrk="1" hangingPunct="1"/>
-            <a:r>
-              <a:rPr lang="en-US" dirty="0">
-                <a:latin typeface="Calibri" charset="0"/>
-                <a:ea typeface="ＭＳ Ｐゴシック" charset="0"/>
-                <a:cs typeface="ＭＳ Ｐゴシック" charset="0"/>
-              </a:rPr>
-              <a:t>Jumps = </a:t>
-            </a:r>
-            <a:r>
-              <a:rPr lang="ja-JP" altLang="en-US" dirty="0">
-                <a:latin typeface="Calibri" charset="0"/>
-                <a:ea typeface="ＭＳ Ｐゴシック" charset="0"/>
-                <a:cs typeface="ＭＳ Ｐゴシック" charset="0"/>
-              </a:rPr>
-              <a:t>“</a:t>
-            </a:r>
-            <a:r>
-              <a:rPr lang="en-US" dirty="0">
-                <a:latin typeface="Calibri" charset="0"/>
-                <a:ea typeface="ＭＳ Ｐゴシック" charset="0"/>
-                <a:cs typeface="ＭＳ Ｐゴシック" charset="0"/>
-              </a:rPr>
-              <a:t>Events</a:t>
-            </a:r>
-            <a:r>
-              <a:rPr lang="ja-JP" altLang="en-US" dirty="0">
-                <a:latin typeface="Calibri" charset="0"/>
-                <a:ea typeface="ＭＳ Ｐゴシック" charset="0"/>
-                <a:cs typeface="ＭＳ Ｐゴシック" charset="0"/>
-              </a:rPr>
-              <a:t>”</a:t>
-            </a:r>
-            <a:endParaRPr lang="en-US" dirty="0">
-              <a:latin typeface="Calibri" charset="0"/>
-              <a:ea typeface="ＭＳ Ｐゴシック" charset="0"/>
-              <a:cs typeface="ＭＳ Ｐゴシック" charset="0"/>
-            </a:endParaRPr>
-          </a:p>
-        </p:txBody>
-      </p:sp>
-      <p:sp>
-        <p:nvSpPr>
-          <p:cNvPr id="5" name="Footer Placeholder 4">
-            <a:extLst>
-              <a:ext uri="{FF2B5EF4-FFF2-40B4-BE49-F238E27FC236}">
-                <a16:creationId xmlns:a16="http://schemas.microsoft.com/office/drawing/2014/main" id="{0F075019-A202-C94D-82B3-3A3B42DB0D15}"/>
-              </a:ext>
-            </a:extLst>
-          </p:cNvPr>
-          <p:cNvSpPr>
-            <a:spLocks noGrp="1"/>
-          </p:cNvSpPr>
-          <p:nvPr>
-            <p:ph type="ftr" sz="quarter" idx="11"/>
-          </p:nvPr>
-        </p:nvSpPr>
-        <p:spPr/>
-        <p:txBody>
-          <a:bodyPr/>
-          <a:lstStyle/>
-          <a:p>
-            <a:r>
-              <a:rPr lang="en-US"/>
-              <a:t>DES Short Course - Session 1</a:t>
-            </a:r>
+            <a:fld id="{7B5F8CF4-080C-6448-A4C0-B6A3C5CD13C0}" type="slidenum">
+              <a:rPr lang="en-US" smtClean="0"/>
+              <a:t>8</a:t>
+            </a:fld>
+            <a:endParaRPr lang="en-US"/>
           </a:p>
         </p:txBody>
       </p:sp>
@@ -10411,6 +11857,34 @@
   <p:clrMapOvr>
     <a:masterClrMapping/>
   </p:clrMapOvr>
+  <p:transition spd="med"/>
+  <p:timing>
+    <p:tnLst>
+      <p:par>
+        <p:cTn id="1" dur="indefinite" restart="never" nodeType="tmRoot">
+          <p:childTnLst>
+            <p:seq concurrent="1" nextAc="seek">
+              <p:cTn id="2" dur="0" nodeType="mainSeq"/>
+              <p:prevCondLst>
+                <p:cond evt="onPrev" delay="0">
+                  <p:tgtEl>
+                    <p:sldTgt/>
+                  </p:tgtEl>
+                </p:cond>
+              </p:prevCondLst>
+              <p:nextCondLst>
+                <p:cond evt="onNext" delay="0">
+                  <p:tgtEl>
+                    <p:sldTgt/>
+                  </p:tgtEl>
+                </p:cond>
+              </p:nextCondLst>
+            </p:seq>
+          </p:childTnLst>
+        </p:cTn>
+      </p:par>
+    </p:tnLst>
+  </p:timing>
 </p:sld>
 </file>
 
@@ -10433,7 +11907,7 @@
       </p:grpSpPr>
       <p:sp>
         <p:nvSpPr>
-          <p:cNvPr id="17410" name="Title 1"/>
+          <p:cNvPr id="18434" name="Title 1"/>
           <p:cNvSpPr>
             <a:spLocks noGrp="1"/>
           </p:cNvSpPr>
@@ -10449,16 +11923,17 @@
             <a:pPr eaLnBrk="1" hangingPunct="1"/>
             <a:r>
               <a:rPr lang="en-US" dirty="0">
-                <a:cs typeface="Arial" charset="0"/>
+                <a:ea typeface="ＭＳ Ｐゴシック" charset="0"/>
+                <a:cs typeface="ＭＳ Ｐゴシック" charset="0"/>
               </a:rPr>
-              <a:t>States</a:t>
-            </a:r>
-          </a:p>
-        </p:txBody>
-      </p:sp>
-      <p:sp>
-        <p:nvSpPr>
-          <p:cNvPr id="17411" name="Content Placeholder 2"/>
+              <a:t>Discrete Event Simulation</a:t>
+            </a:r>
+          </a:p>
+        </p:txBody>
+      </p:sp>
+      <p:sp>
+        <p:nvSpPr>
+          <p:cNvPr id="18435" name="Content Placeholder 2"/>
           <p:cNvSpPr>
             <a:spLocks noGrp="1"/>
           </p:cNvSpPr>
@@ -10473,52 +11948,107 @@
           <a:p>
             <a:pPr eaLnBrk="1" hangingPunct="1"/>
             <a:r>
-              <a:rPr lang="en-US">
-                <a:latin typeface="Arial" charset="0"/>
-                <a:cs typeface="Arial" charset="0"/>
+              <a:rPr lang="en-US" dirty="0">
+                <a:latin typeface="Calibri" charset="0"/>
+                <a:ea typeface="ＭＳ Ｐゴシック" charset="0"/>
+                <a:cs typeface="ＭＳ Ｐゴシック" charset="0"/>
               </a:rPr>
-              <a:t>Variables that describe snapshot of system</a:t>
+              <a:t>Define model by collection of states</a:t>
             </a:r>
           </a:p>
           <a:p>
             <a:pPr eaLnBrk="1" hangingPunct="1"/>
             <a:r>
-              <a:rPr lang="en-US">
-                <a:latin typeface="Arial" charset="0"/>
-                <a:cs typeface="Arial" charset="0"/>
+              <a:rPr lang="en-US" dirty="0">
+                <a:latin typeface="Calibri" charset="0"/>
+                <a:ea typeface="ＭＳ Ｐゴシック" charset="0"/>
+                <a:cs typeface="ＭＳ Ｐゴシック" charset="0"/>
               </a:rPr>
-              <a:t>State trajectory</a:t>
-            </a:r>
-          </a:p>
-          <a:p>
-            <a:pPr lvl="1" eaLnBrk="1" hangingPunct="1"/>
-            <a:r>
-              <a:rPr lang="en-US">
-                <a:latin typeface="Arial" charset="0"/>
-                <a:cs typeface="Arial" charset="0"/>
+              <a:t>State trajectories piecewise constant</a:t>
+            </a:r>
+          </a:p>
+          <a:p>
+            <a:pPr eaLnBrk="1" hangingPunct="1"/>
+            <a:r>
+              <a:rPr lang="en-US" dirty="0">
+                <a:latin typeface="Calibri" charset="0"/>
+                <a:ea typeface="ＭＳ Ｐゴシック" charset="0"/>
+                <a:cs typeface="ＭＳ Ｐゴシック" charset="0"/>
               </a:rPr>
-              <a:t>Graph of state over time</a:t>
+              <a:t>State transitions instantaneous in simulated time (</a:t>
+            </a:r>
+            <a:r>
+              <a:rPr lang="ja-JP" altLang="en-US" dirty="0">
+                <a:latin typeface="Calibri" charset="0"/>
+                <a:ea typeface="ＭＳ Ｐゴシック" charset="0"/>
+                <a:cs typeface="ＭＳ Ｐゴシック" charset="0"/>
+              </a:rPr>
+              <a:t>“</a:t>
+            </a:r>
+            <a:r>
+              <a:rPr lang="en-US" dirty="0">
+                <a:latin typeface="Calibri" charset="0"/>
+                <a:ea typeface="ＭＳ Ｐゴシック" charset="0"/>
+                <a:cs typeface="ＭＳ Ｐゴシック" charset="0"/>
+              </a:rPr>
+              <a:t>Jumps</a:t>
+            </a:r>
+            <a:r>
+              <a:rPr lang="ja-JP" altLang="en-US" dirty="0">
+                <a:latin typeface="Calibri" charset="0"/>
+                <a:ea typeface="ＭＳ Ｐゴシック" charset="0"/>
+                <a:cs typeface="ＭＳ Ｐゴシック" charset="0"/>
+              </a:rPr>
+              <a:t>”</a:t>
+            </a:r>
+            <a:r>
+              <a:rPr lang="en-US" dirty="0">
+                <a:latin typeface="Calibri" charset="0"/>
+                <a:ea typeface="ＭＳ Ｐゴシック" charset="0"/>
+                <a:cs typeface="ＭＳ Ｐゴシック" charset="0"/>
+              </a:rPr>
+              <a:t>)</a:t>
             </a:r>
           </a:p>
           <a:p>
             <a:pPr eaLnBrk="1" hangingPunct="1"/>
             <a:r>
-              <a:rPr lang="en-US">
-                <a:latin typeface="Arial" charset="0"/>
-                <a:cs typeface="Arial" charset="0"/>
+              <a:rPr lang="en-US" dirty="0">
+                <a:latin typeface="Calibri" charset="0"/>
+                <a:ea typeface="ＭＳ Ｐゴシック" charset="0"/>
+                <a:cs typeface="ＭＳ Ｐゴシック" charset="0"/>
               </a:rPr>
-              <a:t>DES States change instantaneously</a:t>
-            </a:r>
-          </a:p>
-          <a:p>
-            <a:pPr lvl="1" eaLnBrk="1" hangingPunct="1"/>
-            <a:r>
-              <a:rPr lang="en-US">
-                <a:latin typeface="Arial" charset="0"/>
-                <a:cs typeface="Arial" charset="0"/>
+              <a:t>Jumps = </a:t>
+            </a:r>
+            <a:r>
+              <a:rPr lang="ja-JP" altLang="en-US" dirty="0">
+                <a:latin typeface="Calibri" charset="0"/>
+                <a:ea typeface="ＭＳ Ｐゴシック" charset="0"/>
+                <a:cs typeface="ＭＳ Ｐゴシック" charset="0"/>
               </a:rPr>
-              <a:t>State trajectories must be piecewise constant</a:t>
-            </a:r>
+              <a:t>“</a:t>
+            </a:r>
+            <a:r>
+              <a:rPr lang="en-US" dirty="0">
+                <a:latin typeface="Calibri" charset="0"/>
+                <a:ea typeface="ＭＳ Ｐゴシック" charset="0"/>
+                <a:cs typeface="ＭＳ Ｐゴシック" charset="0"/>
+              </a:rPr>
+              <a:t>Events</a:t>
+            </a:r>
+            <a:r>
+              <a:rPr lang="ja-JP" altLang="en-US" dirty="0">
+                <a:latin typeface="Calibri" charset="0"/>
+                <a:ea typeface="ＭＳ Ｐゴシック" charset="0"/>
+                <a:cs typeface="ＭＳ Ｐゴシック" charset="0"/>
+              </a:rPr>
+              <a:t>”</a:t>
+            </a:r>
+            <a:endParaRPr lang="en-US" dirty="0">
+              <a:latin typeface="Calibri" charset="0"/>
+              <a:ea typeface="ＭＳ Ｐゴシック" charset="0"/>
+              <a:cs typeface="ＭＳ Ｐゴシック" charset="0"/>
+            </a:endParaRPr>
           </a:p>
         </p:txBody>
       </p:sp>
@@ -10527,7 +12057,7 @@
           <p:cNvPr id="5" name="Footer Placeholder 4">
             <a:extLst>
               <a:ext uri="{FF2B5EF4-FFF2-40B4-BE49-F238E27FC236}">
-                <a16:creationId xmlns:a16="http://schemas.microsoft.com/office/drawing/2014/main" id="{AE706A32-EFFF-4241-A6F7-CF68379DD977}"/>
+                <a16:creationId xmlns:a16="http://schemas.microsoft.com/office/drawing/2014/main" id="{0F075019-A202-C94D-82B3-3A3B42DB0D15}"/>
               </a:ext>
             </a:extLst>
           </p:cNvPr>
@@ -10550,6 +12080,86 @@
           </a:p>
         </p:txBody>
       </p:sp>
+      <p:sp>
+        <p:nvSpPr>
+          <p:cNvPr id="2" name="Slide Number Placeholder 1">
+            <a:extLst>
+              <a:ext uri="{FF2B5EF4-FFF2-40B4-BE49-F238E27FC236}">
+                <a16:creationId xmlns:a16="http://schemas.microsoft.com/office/drawing/2014/main" id="{55B018A0-D920-7D49-B4FC-801A348BF4FA}"/>
+              </a:ext>
+            </a:extLst>
+          </p:cNvPr>
+          <p:cNvSpPr>
+            <a:spLocks noGrp="1"/>
+          </p:cNvSpPr>
+          <p:nvPr>
+            <p:ph type="sldNum" sz="quarter" idx="12"/>
+          </p:nvPr>
+        </p:nvSpPr>
+        <p:spPr/>
+        <p:txBody>
+          <a:bodyPr/>
+          <a:lstStyle/>
+          <a:p>
+            <a:fld id="{7B5F8CF4-080C-6448-A4C0-B6A3C5CD13C0}" type="slidenum">
+              <a:rPr lang="en-US" smtClean="0"/>
+              <a:t>9</a:t>
+            </a:fld>
+            <a:endParaRPr lang="en-US"/>
+          </a:p>
+        </p:txBody>
+      </p:sp>
+      <mc:AlternateContent xmlns:mc="http://schemas.openxmlformats.org/markup-compatibility/2006">
+        <mc:Choice xmlns:p14="http://schemas.microsoft.com/office/powerpoint/2010/main" Requires="p14">
+          <p:contentPart p14:bwMode="auto" r:id="rId2">
+            <p14:nvContentPartPr>
+              <p14:cNvPr id="3" name="Ink 2">
+                <a:extLst>
+                  <a:ext uri="{FF2B5EF4-FFF2-40B4-BE49-F238E27FC236}">
+                    <a16:creationId xmlns:a16="http://schemas.microsoft.com/office/drawing/2014/main" id="{3D9B96F6-78BF-A942-BCA1-DE10894552AF}"/>
+                  </a:ext>
+                </a:extLst>
+              </p14:cNvPr>
+              <p14:cNvContentPartPr/>
+              <p14:nvPr/>
+            </p14:nvContentPartPr>
+            <p14:xfrm>
+              <a:off x="3518280" y="1249920"/>
+              <a:ext cx="2004480" cy="3312720"/>
+            </p14:xfrm>
+          </p:contentPart>
+        </mc:Choice>
+        <mc:Fallback>
+          <p:pic>
+            <p:nvPicPr>
+              <p:cNvPr id="3" name="Ink 2">
+                <a:extLst>
+                  <a:ext uri="{FF2B5EF4-FFF2-40B4-BE49-F238E27FC236}">
+                    <a16:creationId xmlns:a16="http://schemas.microsoft.com/office/drawing/2014/main" id="{3D9B96F6-78BF-A942-BCA1-DE10894552AF}"/>
+                  </a:ext>
+                </a:extLst>
+              </p:cNvPr>
+              <p:cNvPicPr/>
+              <p:nvPr/>
+            </p:nvPicPr>
+            <p:blipFill>
+              <a:blip r:embed="rId3"/>
+              <a:stretch>
+                <a:fillRect/>
+              </a:stretch>
+            </p:blipFill>
+            <p:spPr>
+              <a:xfrm>
+                <a:off x="3508920" y="1240560"/>
+                <a:ext cx="2023200" cy="3331440"/>
+              </a:xfrm>
+              <a:prstGeom prst="rect">
+                <a:avLst/>
+              </a:prstGeom>
+            </p:spPr>
+          </p:pic>
+        </mc:Fallback>
+      </mc:AlternateContent>
     </p:spTree>
   </p:cSld>
   <p:clrMapOvr>
